--- a/sql-tables.pptx
+++ b/sql-tables.pptx
@@ -22,11 +22,14 @@
     <p:sldId id="270" r:id="rId16"/>
     <p:sldId id="271" r:id="rId17"/>
     <p:sldId id="272" r:id="rId18"/>
-    <p:sldId id="273" r:id="rId19"/>
-    <p:sldId id="274" r:id="rId20"/>
-    <p:sldId id="275" r:id="rId21"/>
-    <p:sldId id="276" r:id="rId22"/>
-    <p:sldId id="277" r:id="rId23"/>
+    <p:sldId id="274" r:id="rId19"/>
+    <p:sldId id="280" r:id="rId20"/>
+    <p:sldId id="278" r:id="rId21"/>
+    <p:sldId id="279" r:id="rId22"/>
+    <p:sldId id="273" r:id="rId23"/>
+    <p:sldId id="275" r:id="rId24"/>
+    <p:sldId id="276" r:id="rId25"/>
+    <p:sldId id="277" r:id="rId26"/>
   </p:sldIdLst>
   <p:sldSz cx="15544800" cy="13716000"/>
   <p:notesSz cx="7023100" cy="9309100"/>
@@ -276,7 +279,7 @@
           <a:p>
             <a:fld id="{9D92EBAE-D5F6-4223-B6DC-6AD8627AA755}" type="datetimeFigureOut">
               <a:rPr lang="en-US" smtClean="0"/>
-              <a:t>7/3/2018</a:t>
+              <a:t>7/31/2018</a:t>
             </a:fld>
             <a:endParaRPr lang="en-US" dirty="0"/>
           </a:p>
@@ -446,7 +449,7 @@
           <a:p>
             <a:fld id="{9D92EBAE-D5F6-4223-B6DC-6AD8627AA755}" type="datetimeFigureOut">
               <a:rPr lang="en-US" smtClean="0"/>
-              <a:t>7/3/2018</a:t>
+              <a:t>7/31/2018</a:t>
             </a:fld>
             <a:endParaRPr lang="en-US" dirty="0"/>
           </a:p>
@@ -626,7 +629,7 @@
           <a:p>
             <a:fld id="{9D92EBAE-D5F6-4223-B6DC-6AD8627AA755}" type="datetimeFigureOut">
               <a:rPr lang="en-US" smtClean="0"/>
-              <a:t>7/3/2018</a:t>
+              <a:t>7/31/2018</a:t>
             </a:fld>
             <a:endParaRPr lang="en-US" dirty="0"/>
           </a:p>
@@ -796,7 +799,7 @@
           <a:p>
             <a:fld id="{9D92EBAE-D5F6-4223-B6DC-6AD8627AA755}" type="datetimeFigureOut">
               <a:rPr lang="en-US" smtClean="0"/>
-              <a:t>7/3/2018</a:t>
+              <a:t>7/31/2018</a:t>
             </a:fld>
             <a:endParaRPr lang="en-US" dirty="0"/>
           </a:p>
@@ -1040,7 +1043,7 @@
           <a:p>
             <a:fld id="{9D92EBAE-D5F6-4223-B6DC-6AD8627AA755}" type="datetimeFigureOut">
               <a:rPr lang="en-US" smtClean="0"/>
-              <a:t>7/3/2018</a:t>
+              <a:t>7/31/2018</a:t>
             </a:fld>
             <a:endParaRPr lang="en-US" dirty="0"/>
           </a:p>
@@ -1272,7 +1275,7 @@
           <a:p>
             <a:fld id="{9D92EBAE-D5F6-4223-B6DC-6AD8627AA755}" type="datetimeFigureOut">
               <a:rPr lang="en-US" smtClean="0"/>
-              <a:t>7/3/2018</a:t>
+              <a:t>7/31/2018</a:t>
             </a:fld>
             <a:endParaRPr lang="en-US" dirty="0"/>
           </a:p>
@@ -1639,7 +1642,7 @@
           <a:p>
             <a:fld id="{9D92EBAE-D5F6-4223-B6DC-6AD8627AA755}" type="datetimeFigureOut">
               <a:rPr lang="en-US" smtClean="0"/>
-              <a:t>7/3/2018</a:t>
+              <a:t>7/31/2018</a:t>
             </a:fld>
             <a:endParaRPr lang="en-US" dirty="0"/>
           </a:p>
@@ -1757,7 +1760,7 @@
           <a:p>
             <a:fld id="{9D92EBAE-D5F6-4223-B6DC-6AD8627AA755}" type="datetimeFigureOut">
               <a:rPr lang="en-US" smtClean="0"/>
-              <a:t>7/3/2018</a:t>
+              <a:t>7/31/2018</a:t>
             </a:fld>
             <a:endParaRPr lang="en-US" dirty="0"/>
           </a:p>
@@ -1852,7 +1855,7 @@
           <a:p>
             <a:fld id="{9D92EBAE-D5F6-4223-B6DC-6AD8627AA755}" type="datetimeFigureOut">
               <a:rPr lang="en-US" smtClean="0"/>
-              <a:t>7/3/2018</a:t>
+              <a:t>7/31/2018</a:t>
             </a:fld>
             <a:endParaRPr lang="en-US" dirty="0"/>
           </a:p>
@@ -2129,7 +2132,7 @@
           <a:p>
             <a:fld id="{9D92EBAE-D5F6-4223-B6DC-6AD8627AA755}" type="datetimeFigureOut">
               <a:rPr lang="en-US" smtClean="0"/>
-              <a:t>7/3/2018</a:t>
+              <a:t>7/31/2018</a:t>
             </a:fld>
             <a:endParaRPr lang="en-US" dirty="0"/>
           </a:p>
@@ -2297,10 +2300,9 @@
           </a:lstStyle>
           <a:p>
             <a:r>
-              <a:rPr lang="en-US"/>
+              <a:rPr lang="en-US" dirty="0"/>
               <a:t>Click icon to add picture</a:t>
             </a:r>
-            <a:endParaRPr lang="en-US" dirty="0"/>
           </a:p>
         </p:txBody>
       </p:sp>
@@ -2386,7 +2388,7 @@
           <a:p>
             <a:fld id="{9D92EBAE-D5F6-4223-B6DC-6AD8627AA755}" type="datetimeFigureOut">
               <a:rPr lang="en-US" smtClean="0"/>
-              <a:t>7/3/2018</a:t>
+              <a:t>7/31/2018</a:t>
             </a:fld>
             <a:endParaRPr lang="en-US" dirty="0"/>
           </a:p>
@@ -2599,7 +2601,7 @@
           <a:p>
             <a:fld id="{9D92EBAE-D5F6-4223-B6DC-6AD8627AA755}" type="datetimeFigureOut">
               <a:rPr lang="en-US" smtClean="0"/>
-              <a:t>7/3/2018</a:t>
+              <a:t>7/31/2018</a:t>
             </a:fld>
             <a:endParaRPr lang="en-US" dirty="0"/>
           </a:p>
@@ -4439,187 +4441,208 @@
           </p:txBody>
         </p:sp>
       </p:grpSp>
-      <p:sp>
-        <p:nvSpPr>
-          <p:cNvPr id="32" name="Rectangle: Rounded Corners 31">
+      <p:grpSp>
+        <p:nvGrpSpPr>
+          <p:cNvPr id="11" name="Group 10">
             <a:extLst>
               <a:ext uri="{FF2B5EF4-FFF2-40B4-BE49-F238E27FC236}">
-                <a16:creationId xmlns:a16="http://schemas.microsoft.com/office/drawing/2014/main" id="{1280C094-9C4B-4CE8-B4A8-A6295594B0DF}"/>
+                <a16:creationId xmlns:a16="http://schemas.microsoft.com/office/drawing/2014/main" id="{9B37D6D7-08B9-42BA-B90E-6958C570C4D7}"/>
               </a:ext>
             </a:extLst>
           </p:cNvPr>
-          <p:cNvSpPr/>
+          <p:cNvGrpSpPr/>
           <p:nvPr/>
-        </p:nvSpPr>
-        <p:spPr>
+        </p:nvGrpSpPr>
+        <p:grpSpPr>
           <a:xfrm>
-            <a:off x="12401941" y="8213296"/>
+            <a:off x="11199763" y="8423820"/>
             <a:ext cx="1373226" cy="1728727"/>
+            <a:chOff x="12401941" y="8213296"/>
+            <a:chExt cx="1373226" cy="1728727"/>
           </a:xfrm>
-          <a:prstGeom prst="roundRect">
-            <a:avLst/>
-          </a:prstGeom>
-          <a:noFill/>
-        </p:spPr>
-        <p:style>
-          <a:lnRef idx="2">
-            <a:schemeClr val="accent1">
-              <a:shade val="50000"/>
-            </a:schemeClr>
-          </a:lnRef>
-          <a:fillRef idx="1">
-            <a:schemeClr val="accent1"/>
-          </a:fillRef>
-          <a:effectRef idx="0">
-            <a:schemeClr val="accent1"/>
-          </a:effectRef>
-          <a:fontRef idx="minor">
-            <a:schemeClr val="lt1"/>
-          </a:fontRef>
-        </p:style>
-        <p:txBody>
-          <a:bodyPr rot="0" spcFirstLastPara="0" vertOverflow="overflow" horzOverflow="overflow" vert="horz" wrap="square" lIns="91345" tIns="45672" rIns="91345" bIns="45672" numCol="1" spcCol="0" rtlCol="0" fromWordArt="0" anchor="b" anchorCtr="0" forceAA="0" compatLnSpc="1">
-            <a:prstTxWarp prst="textNoShape">
+        </p:grpSpPr>
+        <p:sp>
+          <p:nvSpPr>
+            <p:cNvPr id="32" name="Rectangle: Rounded Corners 31">
+              <a:extLst>
+                <a:ext uri="{FF2B5EF4-FFF2-40B4-BE49-F238E27FC236}">
+                  <a16:creationId xmlns:a16="http://schemas.microsoft.com/office/drawing/2014/main" id="{1280C094-9C4B-4CE8-B4A8-A6295594B0DF}"/>
+                </a:ext>
+              </a:extLst>
+            </p:cNvPr>
+            <p:cNvSpPr/>
+            <p:nvPr/>
+          </p:nvSpPr>
+          <p:spPr>
+            <a:xfrm>
+              <a:off x="12401941" y="8213296"/>
+              <a:ext cx="1373226" cy="1728727"/>
+            </a:xfrm>
+            <a:prstGeom prst="roundRect">
               <a:avLst/>
-            </a:prstTxWarp>
-            <a:noAutofit/>
-          </a:bodyPr>
-          <a:lstStyle/>
-          <a:p>
-            <a:r>
-              <a:rPr lang="en-US" sz="1200" b="1" dirty="0">
+            </a:prstGeom>
+            <a:noFill/>
+          </p:spPr>
+          <p:style>
+            <a:lnRef idx="2">
+              <a:schemeClr val="accent1">
+                <a:shade val="50000"/>
+              </a:schemeClr>
+            </a:lnRef>
+            <a:fillRef idx="1">
+              <a:schemeClr val="accent1"/>
+            </a:fillRef>
+            <a:effectRef idx="0">
+              <a:schemeClr val="accent1"/>
+            </a:effectRef>
+            <a:fontRef idx="minor">
+              <a:schemeClr val="lt1"/>
+            </a:fontRef>
+          </p:style>
+          <p:txBody>
+            <a:bodyPr rot="0" spcFirstLastPara="0" vertOverflow="overflow" horzOverflow="overflow" vert="horz" wrap="square" lIns="91345" tIns="45672" rIns="91345" bIns="45672" numCol="1" spcCol="0" rtlCol="0" fromWordArt="0" anchor="b" anchorCtr="0" forceAA="0" compatLnSpc="1">
+              <a:prstTxWarp prst="textNoShape">
+                <a:avLst/>
+              </a:prstTxWarp>
+              <a:noAutofit/>
+            </a:bodyPr>
+            <a:lstStyle/>
+            <a:p>
+              <a:r>
+                <a:rPr lang="en-US" sz="1200" b="1" dirty="0">
+                  <a:solidFill>
+                    <a:schemeClr val="accent1">
+                      <a:lumMod val="75000"/>
+                    </a:schemeClr>
+                  </a:solidFill>
+                </a:rPr>
+                <a:t>id</a:t>
+              </a:r>
+              <a:endParaRPr lang="en-US" sz="1200" dirty="0">
                 <a:solidFill>
                   <a:schemeClr val="accent1">
                     <a:lumMod val="75000"/>
                   </a:schemeClr>
                 </a:solidFill>
-              </a:rPr>
-              <a:t>id</a:t>
-            </a:r>
-            <a:endParaRPr lang="en-US" sz="1200" dirty="0">
-              <a:solidFill>
-                <a:schemeClr val="accent1">
-                  <a:lumMod val="75000"/>
-                </a:schemeClr>
-              </a:solidFill>
-            </a:endParaRPr>
-          </a:p>
-          <a:p>
-            <a:r>
-              <a:rPr lang="en-US" sz="1200" dirty="0">
-                <a:solidFill>
-                  <a:schemeClr val="accent1">
-                    <a:lumMod val="75000"/>
-                  </a:schemeClr>
-                </a:solidFill>
-              </a:rPr>
-              <a:t>uid</a:t>
-            </a:r>
-          </a:p>
-          <a:p>
-            <a:r>
-              <a:rPr lang="en-US" sz="1200" dirty="0">
-                <a:solidFill>
-                  <a:schemeClr val="accent1">
-                    <a:lumMod val="75000"/>
-                  </a:schemeClr>
-                </a:solidFill>
-              </a:rPr>
-              <a:t>revutc</a:t>
-            </a:r>
-          </a:p>
-          <a:p>
-            <a:r>
-              <a:rPr lang="en-US" sz="1200" dirty="0">
-                <a:solidFill>
-                  <a:schemeClr val="accent1">
-                    <a:lumMod val="75000"/>
-                  </a:schemeClr>
-                </a:solidFill>
-              </a:rPr>
-              <a:t>revuid</a:t>
-            </a:r>
-          </a:p>
-          <a:p>
-            <a:r>
-              <a:rPr lang="en-US" sz="1200" dirty="0">
-                <a:solidFill>
-                  <a:schemeClr val="accent1">
-                    <a:lumMod val="75000"/>
-                  </a:schemeClr>
-                </a:solidFill>
-              </a:rPr>
-              <a:t>permCreateUser</a:t>
-            </a:r>
-          </a:p>
-          <a:p>
-            <a:r>
-              <a:rPr lang="en-US" sz="1200" dirty="0">
-                <a:solidFill>
-                  <a:schemeClr val="accent1">
-                    <a:lumMod val="75000"/>
-                  </a:schemeClr>
-                </a:solidFill>
-              </a:rPr>
-              <a:t>permTest</a:t>
-            </a:r>
-          </a:p>
-        </p:txBody>
-      </p:sp>
-      <p:sp>
-        <p:nvSpPr>
-          <p:cNvPr id="33" name="Rectangle: Rounded Corners 32">
-            <a:extLst>
-              <a:ext uri="{FF2B5EF4-FFF2-40B4-BE49-F238E27FC236}">
-                <a16:creationId xmlns:a16="http://schemas.microsoft.com/office/drawing/2014/main" id="{D7C8A98F-B039-4388-951F-8535CAE81791}"/>
-              </a:ext>
-            </a:extLst>
-          </p:cNvPr>
-          <p:cNvSpPr/>
-          <p:nvPr/>
-        </p:nvSpPr>
-        <p:spPr>
-          <a:xfrm>
-            <a:off x="12401941" y="8213296"/>
-            <a:ext cx="1373226" cy="420441"/>
-          </a:xfrm>
-          <a:prstGeom prst="roundRect">
-            <a:avLst/>
-          </a:prstGeom>
-        </p:spPr>
-        <p:style>
-          <a:lnRef idx="2">
-            <a:schemeClr val="accent1">
-              <a:shade val="50000"/>
-            </a:schemeClr>
-          </a:lnRef>
-          <a:fillRef idx="1">
-            <a:schemeClr val="accent1"/>
-          </a:fillRef>
-          <a:effectRef idx="0">
-            <a:schemeClr val="accent1"/>
-          </a:effectRef>
-          <a:fontRef idx="minor">
-            <a:schemeClr val="lt1"/>
-          </a:fontRef>
-        </p:style>
-        <p:txBody>
-          <a:bodyPr rot="0" spcFirstLastPara="0" vertOverflow="overflow" horzOverflow="overflow" vert="horz" wrap="square" lIns="91345" tIns="45672" rIns="91345" bIns="45672" numCol="1" spcCol="0" rtlCol="0" fromWordArt="0" anchor="ctr" anchorCtr="0" forceAA="0" compatLnSpc="1">
-            <a:prstTxWarp prst="textNoShape">
+              </a:endParaRPr>
+            </a:p>
+            <a:p>
+              <a:r>
+                <a:rPr lang="en-US" sz="1200" dirty="0">
+                  <a:solidFill>
+                    <a:schemeClr val="accent1">
+                      <a:lumMod val="75000"/>
+                    </a:schemeClr>
+                  </a:solidFill>
+                </a:rPr>
+                <a:t>uid</a:t>
+              </a:r>
+            </a:p>
+            <a:p>
+              <a:r>
+                <a:rPr lang="en-US" sz="1200" dirty="0">
+                  <a:solidFill>
+                    <a:schemeClr val="accent1">
+                      <a:lumMod val="75000"/>
+                    </a:schemeClr>
+                  </a:solidFill>
+                </a:rPr>
+                <a:t>revutc</a:t>
+              </a:r>
+            </a:p>
+            <a:p>
+              <a:r>
+                <a:rPr lang="en-US" sz="1200" dirty="0">
+                  <a:solidFill>
+                    <a:schemeClr val="accent1">
+                      <a:lumMod val="75000"/>
+                    </a:schemeClr>
+                  </a:solidFill>
+                </a:rPr>
+                <a:t>revuid</a:t>
+              </a:r>
+            </a:p>
+            <a:p>
+              <a:r>
+                <a:rPr lang="en-US" sz="1200" dirty="0">
+                  <a:solidFill>
+                    <a:schemeClr val="accent1">
+                      <a:lumMod val="75000"/>
+                    </a:schemeClr>
+                  </a:solidFill>
+                </a:rPr>
+                <a:t>permCreateUser</a:t>
+              </a:r>
+            </a:p>
+            <a:p>
+              <a:r>
+                <a:rPr lang="en-US" sz="1200" dirty="0">
+                  <a:solidFill>
+                    <a:schemeClr val="accent1">
+                      <a:lumMod val="75000"/>
+                    </a:schemeClr>
+                  </a:solidFill>
+                </a:rPr>
+                <a:t>permTest</a:t>
+              </a:r>
+            </a:p>
+          </p:txBody>
+        </p:sp>
+        <p:sp>
+          <p:nvSpPr>
+            <p:cNvPr id="33" name="Rectangle: Rounded Corners 32">
+              <a:extLst>
+                <a:ext uri="{FF2B5EF4-FFF2-40B4-BE49-F238E27FC236}">
+                  <a16:creationId xmlns:a16="http://schemas.microsoft.com/office/drawing/2014/main" id="{D7C8A98F-B039-4388-951F-8535CAE81791}"/>
+                </a:ext>
+              </a:extLst>
+            </p:cNvPr>
+            <p:cNvSpPr/>
+            <p:nvPr/>
+          </p:nvSpPr>
+          <p:spPr>
+            <a:xfrm>
+              <a:off x="12401941" y="8213296"/>
+              <a:ext cx="1373226" cy="420441"/>
+            </a:xfrm>
+            <a:prstGeom prst="roundRect">
               <a:avLst/>
-            </a:prstTxWarp>
-            <a:noAutofit/>
-          </a:bodyPr>
-          <a:lstStyle/>
-          <a:p>
-            <a:pPr algn="ctr"/>
-            <a:r>
-              <a:rPr lang="en-US" sz="1200" dirty="0"/>
-              <a:t>Permissions</a:t>
-            </a:r>
-          </a:p>
-        </p:txBody>
-      </p:sp>
+            </a:prstGeom>
+          </p:spPr>
+          <p:style>
+            <a:lnRef idx="2">
+              <a:schemeClr val="accent1">
+                <a:shade val="50000"/>
+              </a:schemeClr>
+            </a:lnRef>
+            <a:fillRef idx="1">
+              <a:schemeClr val="accent1"/>
+            </a:fillRef>
+            <a:effectRef idx="0">
+              <a:schemeClr val="accent1"/>
+            </a:effectRef>
+            <a:fontRef idx="minor">
+              <a:schemeClr val="lt1"/>
+            </a:fontRef>
+          </p:style>
+          <p:txBody>
+            <a:bodyPr rot="0" spcFirstLastPara="0" vertOverflow="overflow" horzOverflow="overflow" vert="horz" wrap="square" lIns="91345" tIns="45672" rIns="91345" bIns="45672" numCol="1" spcCol="0" rtlCol="0" fromWordArt="0" anchor="ctr" anchorCtr="0" forceAA="0" compatLnSpc="1">
+              <a:prstTxWarp prst="textNoShape">
+                <a:avLst/>
+              </a:prstTxWarp>
+              <a:noAutofit/>
+            </a:bodyPr>
+            <a:lstStyle/>
+            <a:p>
+              <a:pPr algn="ctr"/>
+              <a:r>
+                <a:rPr lang="en-US" sz="1200" dirty="0"/>
+                <a:t>Permissions</a:t>
+              </a:r>
+            </a:p>
+          </p:txBody>
+        </p:sp>
+      </p:grpSp>
       <p:grpSp>
         <p:nvGrpSpPr>
           <p:cNvPr id="61" name="Group 60">
@@ -6258,14 +6281,14 @@
           <p:cNvCxnSpPr>
             <a:cxnSpLocks/>
             <a:stCxn id="27" idx="3"/>
-            <a:endCxn id="32" idx="1"/>
+            <a:endCxn id="33" idx="0"/>
           </p:cNvCxnSpPr>
           <p:nvPr/>
         </p:nvCxnSpPr>
         <p:spPr>
           <a:xfrm>
-            <a:off x="11578469" y="7151725"/>
-            <a:ext cx="823472" cy="1925934"/>
+            <a:off x="11578469" y="7151726"/>
+            <a:ext cx="307907" cy="1272094"/>
           </a:xfrm>
           <a:prstGeom prst="line">
             <a:avLst/>
@@ -6432,10 +6455,10 @@
       </p:cxnSp>
       <p:grpSp>
         <p:nvGrpSpPr>
-          <p:cNvPr id="215" name="Group 214">
+          <p:cNvPr id="23" name="Group 22">
             <a:extLst>
               <a:ext uri="{FF2B5EF4-FFF2-40B4-BE49-F238E27FC236}">
-                <a16:creationId xmlns:a16="http://schemas.microsoft.com/office/drawing/2014/main" id="{76F1D665-B9FF-43AD-9A70-1AAA02A01B5E}"/>
+                <a16:creationId xmlns:a16="http://schemas.microsoft.com/office/drawing/2014/main" id="{7CE57A79-C26B-4B2C-B5EE-FA85782C9E71}"/>
               </a:ext>
             </a:extLst>
           </p:cNvPr>
@@ -6444,10 +6467,10 @@
         </p:nvGrpSpPr>
         <p:grpSpPr>
           <a:xfrm>
-            <a:off x="12355210" y="11602898"/>
-            <a:ext cx="1373226" cy="1116185"/>
-            <a:chOff x="8672659" y="9889866"/>
-            <a:chExt cx="1373226" cy="1116185"/>
+            <a:off x="13736188" y="6303812"/>
+            <a:ext cx="1489059" cy="3916632"/>
+            <a:chOff x="13518711" y="8826850"/>
+            <a:chExt cx="1489059" cy="3916632"/>
           </a:xfrm>
         </p:grpSpPr>
         <p:sp>
@@ -6464,8 +6487,8 @@
           </p:nvSpPr>
           <p:spPr>
             <a:xfrm>
-              <a:off x="8672659" y="9889866"/>
-              <a:ext cx="1373226" cy="1116185"/>
+              <a:off x="13518711" y="8844262"/>
+              <a:ext cx="1489059" cy="3899220"/>
             </a:xfrm>
             <a:prstGeom prst="roundRect">
               <a:avLst/>
@@ -6505,27 +6528,32 @@
                     </a:schemeClr>
                   </a:solidFill>
                 </a:rPr>
-                <a:t>Id</a:t>
+                <a:t>id</a:t>
               </a:r>
             </a:p>
             <a:p>
               <a:r>
-                <a:rPr lang="en-US" sz="1200" b="1" dirty="0">
+                <a:rPr lang="en-US" sz="1200" dirty="0">
                   <a:solidFill>
                     <a:schemeClr val="accent1">
                       <a:lumMod val="75000"/>
                     </a:schemeClr>
                   </a:solidFill>
                 </a:rPr>
-                <a:t>num</a:t>
+                <a:t>category</a:t>
               </a:r>
-              <a:endParaRPr lang="en-US" sz="1200" dirty="0">
-                <a:solidFill>
-                  <a:schemeClr val="accent1">
-                    <a:lumMod val="75000"/>
-                  </a:schemeClr>
-                </a:solidFill>
-              </a:endParaRPr>
+            </a:p>
+            <a:p>
+              <a:r>
+                <a:rPr lang="en-US" sz="1200" dirty="0">
+                  <a:solidFill>
+                    <a:schemeClr val="accent1">
+                      <a:lumMod val="75000"/>
+                    </a:schemeClr>
+                  </a:solidFill>
+                </a:rPr>
+                <a:t>spare</a:t>
+              </a:r>
             </a:p>
             <a:p>
               <a:r>
@@ -6537,6 +6565,174 @@
                   </a:solidFill>
                 </a:rPr>
                 <a:t>description</a:t>
+              </a:r>
+            </a:p>
+            <a:p>
+              <a:r>
+                <a:rPr lang="en-US" sz="1200" dirty="0">
+                  <a:solidFill>
+                    <a:schemeClr val="accent1">
+                      <a:lumMod val="75000"/>
+                    </a:schemeClr>
+                  </a:solidFill>
+                </a:rPr>
+                <a:t>commonCode</a:t>
+              </a:r>
+            </a:p>
+            <a:p>
+              <a:r>
+                <a:rPr lang="en-US" sz="1200" dirty="0">
+                  <a:solidFill>
+                    <a:schemeClr val="accent1">
+                      <a:lumMod val="75000"/>
+                    </a:schemeClr>
+                  </a:solidFill>
+                </a:rPr>
+                <a:t>vendor</a:t>
+              </a:r>
+            </a:p>
+            <a:p>
+              <a:r>
+                <a:rPr lang="en-US" sz="1200" dirty="0">
+                  <a:solidFill>
+                    <a:schemeClr val="accent1">
+                      <a:lumMod val="75000"/>
+                    </a:schemeClr>
+                  </a:solidFill>
+                </a:rPr>
+                <a:t>vendorPartNo</a:t>
+              </a:r>
+            </a:p>
+            <a:p>
+              <a:r>
+                <a:rPr lang="en-US" sz="1200" dirty="0">
+                  <a:solidFill>
+                    <a:schemeClr val="accent1">
+                      <a:lumMod val="75000"/>
+                    </a:schemeClr>
+                  </a:solidFill>
+                </a:rPr>
+                <a:t>cost</a:t>
+              </a:r>
+            </a:p>
+            <a:p>
+              <a:r>
+                <a:rPr lang="en-US" sz="1200" dirty="0">
+                  <a:solidFill>
+                    <a:schemeClr val="accent1">
+                      <a:lumMod val="75000"/>
+                    </a:schemeClr>
+                  </a:solidFill>
+                </a:rPr>
+                <a:t>price</a:t>
+              </a:r>
+            </a:p>
+            <a:p>
+              <a:r>
+                <a:rPr lang="en-US" sz="1200" dirty="0">
+                  <a:solidFill>
+                    <a:schemeClr val="accent1">
+                      <a:lumMod val="75000"/>
+                    </a:schemeClr>
+                  </a:solidFill>
+                </a:rPr>
+                <a:t>vendorLeadTime</a:t>
+              </a:r>
+            </a:p>
+            <a:p>
+              <a:r>
+                <a:rPr lang="en-US" sz="1200" dirty="0">
+                  <a:solidFill>
+                    <a:schemeClr val="accent1">
+                      <a:lumMod val="75000"/>
+                    </a:schemeClr>
+                  </a:solidFill>
+                </a:rPr>
+                <a:t>mortechLeadTime</a:t>
+              </a:r>
+            </a:p>
+            <a:p>
+              <a:r>
+                <a:rPr lang="en-US" sz="1200" dirty="0">
+                  <a:solidFill>
+                    <a:schemeClr val="accent1">
+                      <a:lumMod val="75000"/>
+                    </a:schemeClr>
+                  </a:solidFill>
+                </a:rPr>
+                <a:t>sd1500</a:t>
+              </a:r>
+            </a:p>
+            <a:p>
+              <a:r>
+                <a:rPr lang="en-US" sz="1200" dirty="0">
+                  <a:solidFill>
+                    <a:schemeClr val="accent1">
+                      <a:lumMod val="75000"/>
+                    </a:schemeClr>
+                  </a:solidFill>
+                </a:rPr>
+                <a:t>sd1500s</a:t>
+              </a:r>
+            </a:p>
+            <a:p>
+              <a:r>
+                <a:rPr lang="en-US" sz="1200" dirty="0">
+                  <a:solidFill>
+                    <a:schemeClr val="accent1">
+                      <a:lumMod val="75000"/>
+                    </a:schemeClr>
+                  </a:solidFill>
+                </a:rPr>
+                <a:t>sdx</a:t>
+              </a:r>
+            </a:p>
+            <a:p>
+              <a:r>
+                <a:rPr lang="en-US" sz="1200" dirty="0">
+                  <a:solidFill>
+                    <a:schemeClr val="accent1">
+                      <a:lumMod val="75000"/>
+                    </a:schemeClr>
+                  </a:solidFill>
+                </a:rPr>
+                <a:t>hd2500</a:t>
+              </a:r>
+            </a:p>
+            <a:p>
+              <a:r>
+                <a:rPr lang="en-US" sz="1200" dirty="0">
+                  <a:solidFill>
+                    <a:schemeClr val="accent1">
+                      <a:lumMod val="75000"/>
+                    </a:schemeClr>
+                  </a:solidFill>
+                </a:rPr>
+                <a:t>hdx</a:t>
+              </a:r>
+            </a:p>
+            <a:p>
+              <a:r>
+                <a:rPr lang="en-US" sz="1200" dirty="0">
+                  <a:solidFill>
+                    <a:schemeClr val="accent1">
+                      <a:lumMod val="75000"/>
+                    </a:schemeClr>
+                  </a:solidFill>
+                </a:rPr>
+                <a:t>minOrderReq</a:t>
+              </a:r>
+            </a:p>
+            <a:p>
+              <a:r>
+                <a:rPr lang="en-US" sz="1200" dirty="0">
+                  <a:solidFill>
+                    <a:schemeClr val="accent1">
+                      <a:lumMod val="75000"/>
+                    </a:schemeClr>
+                  </a:solidFill>
+                </a:rPr>
+                <a:t>uom</a:t>
               </a:r>
             </a:p>
           </p:txBody>
@@ -6555,8 +6751,8 @@
           </p:nvSpPr>
           <p:spPr>
             <a:xfrm>
-              <a:off x="8672659" y="9889866"/>
-              <a:ext cx="1373226" cy="420440"/>
+              <a:off x="13518711" y="8826850"/>
+              <a:ext cx="1489059" cy="420440"/>
             </a:xfrm>
             <a:prstGeom prst="roundRect">
               <a:avLst/>
@@ -6590,7 +6786,7 @@
               <a:pPr algn="ctr"/>
               <a:r>
                 <a:rPr lang="en-US" sz="1200" dirty="0"/>
-                <a:t>Tools</a:t>
+                <a:t>Parts</a:t>
               </a:r>
             </a:p>
           </p:txBody>
@@ -6607,15 +6803,15 @@
           </p:cNvPr>
           <p:cNvCxnSpPr>
             <a:cxnSpLocks/>
-            <a:stCxn id="213" idx="1"/>
+            <a:stCxn id="213" idx="2"/>
             <a:endCxn id="105" idx="3"/>
           </p:cNvCxnSpPr>
           <p:nvPr/>
         </p:nvCxnSpPr>
         <p:spPr>
-          <a:xfrm flipH="1" flipV="1">
-            <a:off x="10816834" y="11396950"/>
-            <a:ext cx="1538376" cy="764040"/>
+          <a:xfrm flipH="1">
+            <a:off x="10816834" y="10220444"/>
+            <a:ext cx="3663884" cy="1176507"/>
           </a:xfrm>
           <a:prstGeom prst="line">
             <a:avLst/>
@@ -7000,7 +7196,7 @@
                     <a:srgbClr val="5B9BD5"/>
                   </a:solidFill>
                 </a:rPr>
-                <a:t>toolId</a:t>
+                <a:t>partId</a:t>
               </a:r>
             </a:p>
             <a:p>
@@ -7064,7 +7260,7 @@
               <a:pPr algn="ctr"/>
               <a:r>
                 <a:rPr lang="en-US" sz="1200" dirty="0"/>
-                <a:t>Tools on Jobs</a:t>
+                <a:t>Parts on Jobs</a:t>
               </a:r>
             </a:p>
           </p:txBody>
@@ -7882,6 +8078,610 @@
           </a:fontRef>
         </p:style>
       </p:cxnSp>
+      <p:grpSp>
+        <p:nvGrpSpPr>
+          <p:cNvPr id="2" name="Group 1">
+            <a:extLst>
+              <a:ext uri="{FF2B5EF4-FFF2-40B4-BE49-F238E27FC236}">
+                <a16:creationId xmlns:a16="http://schemas.microsoft.com/office/drawing/2014/main" id="{514CF235-D407-42AA-B2EC-30135771EEA2}"/>
+              </a:ext>
+            </a:extLst>
+          </p:cNvPr>
+          <p:cNvGrpSpPr/>
+          <p:nvPr/>
+        </p:nvGrpSpPr>
+        <p:grpSpPr>
+          <a:xfrm>
+            <a:off x="12455415" y="12258828"/>
+            <a:ext cx="1373226" cy="1126689"/>
+            <a:chOff x="11762556" y="11424641"/>
+            <a:chExt cx="1373226" cy="1126689"/>
+          </a:xfrm>
+        </p:grpSpPr>
+        <p:sp>
+          <p:nvSpPr>
+            <p:cNvPr id="91" name="Rectangle: Rounded Corners 90">
+              <a:extLst>
+                <a:ext uri="{FF2B5EF4-FFF2-40B4-BE49-F238E27FC236}">
+                  <a16:creationId xmlns:a16="http://schemas.microsoft.com/office/drawing/2014/main" id="{2F823ACA-5DFC-4003-950F-E3333F45D7A8}"/>
+                </a:ext>
+              </a:extLst>
+            </p:cNvPr>
+            <p:cNvSpPr/>
+            <p:nvPr/>
+          </p:nvSpPr>
+          <p:spPr>
+            <a:xfrm>
+              <a:off x="11762556" y="11424642"/>
+              <a:ext cx="1373226" cy="1126688"/>
+            </a:xfrm>
+            <a:prstGeom prst="roundRect">
+              <a:avLst/>
+            </a:prstGeom>
+            <a:noFill/>
+          </p:spPr>
+          <p:style>
+            <a:lnRef idx="2">
+              <a:schemeClr val="accent1">
+                <a:shade val="50000"/>
+              </a:schemeClr>
+            </a:lnRef>
+            <a:fillRef idx="1">
+              <a:schemeClr val="accent1"/>
+            </a:fillRef>
+            <a:effectRef idx="0">
+              <a:schemeClr val="accent1"/>
+            </a:effectRef>
+            <a:fontRef idx="minor">
+              <a:schemeClr val="lt1"/>
+            </a:fontRef>
+          </p:style>
+          <p:txBody>
+            <a:bodyPr rot="0" spcFirstLastPara="0" vertOverflow="overflow" horzOverflow="overflow" vert="horz" wrap="square" lIns="91345" tIns="45672" rIns="91345" bIns="45672" numCol="1" spcCol="0" rtlCol="0" fromWordArt="0" anchor="b" anchorCtr="0" forceAA="0" compatLnSpc="1">
+              <a:prstTxWarp prst="textNoShape">
+                <a:avLst/>
+              </a:prstTxWarp>
+              <a:noAutofit/>
+            </a:bodyPr>
+            <a:lstStyle/>
+            <a:p>
+              <a:r>
+                <a:rPr lang="en-US" sz="1200" b="1" dirty="0">
+                  <a:solidFill>
+                    <a:schemeClr val="accent1">
+                      <a:lumMod val="75000"/>
+                    </a:schemeClr>
+                  </a:solidFill>
+                </a:rPr>
+                <a:t>id</a:t>
+              </a:r>
+            </a:p>
+            <a:p>
+              <a:r>
+                <a:rPr lang="en-US" sz="1200" dirty="0">
+                  <a:solidFill>
+                    <a:schemeClr val="accent1">
+                      <a:lumMod val="75000"/>
+                    </a:schemeClr>
+                  </a:solidFill>
+                </a:rPr>
+                <a:t>partId</a:t>
+              </a:r>
+            </a:p>
+            <a:p>
+              <a:r>
+                <a:rPr lang="en-US" sz="1200" dirty="0">
+                  <a:solidFill>
+                    <a:schemeClr val="accent1">
+                      <a:lumMod val="75000"/>
+                    </a:schemeClr>
+                  </a:solidFill>
+                </a:rPr>
+                <a:t>alias</a:t>
+              </a:r>
+            </a:p>
+          </p:txBody>
+        </p:sp>
+        <p:sp>
+          <p:nvSpPr>
+            <p:cNvPr id="92" name="Rectangle: Rounded Corners 91">
+              <a:extLst>
+                <a:ext uri="{FF2B5EF4-FFF2-40B4-BE49-F238E27FC236}">
+                  <a16:creationId xmlns:a16="http://schemas.microsoft.com/office/drawing/2014/main" id="{EDC08078-636D-4156-828A-6BE61B82301B}"/>
+                </a:ext>
+              </a:extLst>
+            </p:cNvPr>
+            <p:cNvSpPr/>
+            <p:nvPr/>
+          </p:nvSpPr>
+          <p:spPr>
+            <a:xfrm>
+              <a:off x="11762556" y="11424641"/>
+              <a:ext cx="1373226" cy="420440"/>
+            </a:xfrm>
+            <a:prstGeom prst="roundRect">
+              <a:avLst/>
+            </a:prstGeom>
+          </p:spPr>
+          <p:style>
+            <a:lnRef idx="2">
+              <a:schemeClr val="accent1">
+                <a:shade val="50000"/>
+              </a:schemeClr>
+            </a:lnRef>
+            <a:fillRef idx="1">
+              <a:schemeClr val="accent1"/>
+            </a:fillRef>
+            <a:effectRef idx="0">
+              <a:schemeClr val="accent1"/>
+            </a:effectRef>
+            <a:fontRef idx="minor">
+              <a:schemeClr val="lt1"/>
+            </a:fontRef>
+          </p:style>
+          <p:txBody>
+            <a:bodyPr rot="0" spcFirstLastPara="0" vertOverflow="overflow" horzOverflow="overflow" vert="horz" wrap="square" lIns="91345" tIns="45672" rIns="91345" bIns="45672" numCol="1" spcCol="0" rtlCol="0" fromWordArt="0" anchor="ctr" anchorCtr="0" forceAA="0" compatLnSpc="1">
+              <a:prstTxWarp prst="textNoShape">
+                <a:avLst/>
+              </a:prstTxWarp>
+              <a:noAutofit/>
+            </a:bodyPr>
+            <a:lstStyle/>
+            <a:p>
+              <a:pPr algn="ctr"/>
+              <a:r>
+                <a:rPr lang="en-US" sz="1200" dirty="0"/>
+                <a:t>Part_Aliases</a:t>
+              </a:r>
+            </a:p>
+          </p:txBody>
+        </p:sp>
+      </p:grpSp>
+      <p:cxnSp>
+        <p:nvCxnSpPr>
+          <p:cNvPr id="93" name="Straight Connector 92">
+            <a:extLst>
+              <a:ext uri="{FF2B5EF4-FFF2-40B4-BE49-F238E27FC236}">
+                <a16:creationId xmlns:a16="http://schemas.microsoft.com/office/drawing/2014/main" id="{BB8662DC-CE2D-44D2-ACDC-290FCF69247F}"/>
+              </a:ext>
+            </a:extLst>
+          </p:cNvPr>
+          <p:cNvCxnSpPr>
+            <a:cxnSpLocks/>
+            <a:stCxn id="213" idx="2"/>
+            <a:endCxn id="92" idx="0"/>
+          </p:cNvCxnSpPr>
+          <p:nvPr/>
+        </p:nvCxnSpPr>
+        <p:spPr>
+          <a:xfrm flipH="1">
+            <a:off x="13142028" y="10220444"/>
+            <a:ext cx="1338690" cy="2038384"/>
+          </a:xfrm>
+          <a:prstGeom prst="line">
+            <a:avLst/>
+          </a:prstGeom>
+          <a:ln>
+            <a:solidFill>
+              <a:schemeClr val="accent1"/>
+            </a:solidFill>
+            <a:tailEnd type="arrow" w="lg" len="lg"/>
+          </a:ln>
+        </p:spPr>
+        <p:style>
+          <a:lnRef idx="3">
+            <a:schemeClr val="dk1"/>
+          </a:lnRef>
+          <a:fillRef idx="0">
+            <a:schemeClr val="dk1"/>
+          </a:fillRef>
+          <a:effectRef idx="2">
+            <a:schemeClr val="dk1"/>
+          </a:effectRef>
+          <a:fontRef idx="minor">
+            <a:schemeClr val="tx1"/>
+          </a:fontRef>
+        </p:style>
+      </p:cxnSp>
+      <p:grpSp>
+        <p:nvGrpSpPr>
+          <p:cNvPr id="7" name="Group 6">
+            <a:extLst>
+              <a:ext uri="{FF2B5EF4-FFF2-40B4-BE49-F238E27FC236}">
+                <a16:creationId xmlns:a16="http://schemas.microsoft.com/office/drawing/2014/main" id="{86F49829-AE7B-44CD-9E7F-CDDD332A40CB}"/>
+              </a:ext>
+            </a:extLst>
+          </p:cNvPr>
+          <p:cNvGrpSpPr/>
+          <p:nvPr/>
+        </p:nvGrpSpPr>
+        <p:grpSpPr>
+          <a:xfrm>
+            <a:off x="13852021" y="11114397"/>
+            <a:ext cx="1373226" cy="976999"/>
+            <a:chOff x="13518711" y="6916049"/>
+            <a:chExt cx="1373226" cy="976999"/>
+          </a:xfrm>
+        </p:grpSpPr>
+        <p:sp>
+          <p:nvSpPr>
+            <p:cNvPr id="102" name="Rectangle: Rounded Corners 101">
+              <a:extLst>
+                <a:ext uri="{FF2B5EF4-FFF2-40B4-BE49-F238E27FC236}">
+                  <a16:creationId xmlns:a16="http://schemas.microsoft.com/office/drawing/2014/main" id="{313B0992-B048-41F8-B7FD-62222D19CA97}"/>
+                </a:ext>
+              </a:extLst>
+            </p:cNvPr>
+            <p:cNvSpPr/>
+            <p:nvPr/>
+          </p:nvSpPr>
+          <p:spPr>
+            <a:xfrm>
+              <a:off x="13518711" y="6916050"/>
+              <a:ext cx="1373226" cy="976998"/>
+            </a:xfrm>
+            <a:prstGeom prst="roundRect">
+              <a:avLst/>
+            </a:prstGeom>
+            <a:noFill/>
+          </p:spPr>
+          <p:style>
+            <a:lnRef idx="2">
+              <a:schemeClr val="accent1">
+                <a:shade val="50000"/>
+              </a:schemeClr>
+            </a:lnRef>
+            <a:fillRef idx="1">
+              <a:schemeClr val="accent1"/>
+            </a:fillRef>
+            <a:effectRef idx="0">
+              <a:schemeClr val="accent1"/>
+            </a:effectRef>
+            <a:fontRef idx="minor">
+              <a:schemeClr val="lt1"/>
+            </a:fontRef>
+          </p:style>
+          <p:txBody>
+            <a:bodyPr rot="0" spcFirstLastPara="0" vertOverflow="overflow" horzOverflow="overflow" vert="horz" wrap="square" lIns="91345" tIns="45672" rIns="91345" bIns="45672" numCol="1" spcCol="0" rtlCol="0" fromWordArt="0" anchor="b" anchorCtr="0" forceAA="0" compatLnSpc="1">
+              <a:prstTxWarp prst="textNoShape">
+                <a:avLst/>
+              </a:prstTxWarp>
+              <a:noAutofit/>
+            </a:bodyPr>
+            <a:lstStyle/>
+            <a:p>
+              <a:r>
+                <a:rPr lang="en-US" sz="1200" b="1" dirty="0">
+                  <a:solidFill>
+                    <a:schemeClr val="accent1">
+                      <a:lumMod val="75000"/>
+                    </a:schemeClr>
+                  </a:solidFill>
+                </a:rPr>
+                <a:t>id</a:t>
+              </a:r>
+            </a:p>
+            <a:p>
+              <a:r>
+                <a:rPr lang="en-US" sz="1200" dirty="0">
+                  <a:solidFill>
+                    <a:schemeClr val="accent1">
+                      <a:lumMod val="75000"/>
+                    </a:schemeClr>
+                  </a:solidFill>
+                </a:rPr>
+                <a:t>name</a:t>
+              </a:r>
+            </a:p>
+          </p:txBody>
+        </p:sp>
+        <p:sp>
+          <p:nvSpPr>
+            <p:cNvPr id="110" name="Rectangle: Rounded Corners 109">
+              <a:extLst>
+                <a:ext uri="{FF2B5EF4-FFF2-40B4-BE49-F238E27FC236}">
+                  <a16:creationId xmlns:a16="http://schemas.microsoft.com/office/drawing/2014/main" id="{581F3252-48E0-4F97-8221-18B08AC44162}"/>
+                </a:ext>
+              </a:extLst>
+            </p:cNvPr>
+            <p:cNvSpPr/>
+            <p:nvPr/>
+          </p:nvSpPr>
+          <p:spPr>
+            <a:xfrm>
+              <a:off x="13518711" y="6916049"/>
+              <a:ext cx="1373226" cy="420440"/>
+            </a:xfrm>
+            <a:prstGeom prst="roundRect">
+              <a:avLst/>
+            </a:prstGeom>
+          </p:spPr>
+          <p:style>
+            <a:lnRef idx="2">
+              <a:schemeClr val="accent1">
+                <a:shade val="50000"/>
+              </a:schemeClr>
+            </a:lnRef>
+            <a:fillRef idx="1">
+              <a:schemeClr val="accent1"/>
+            </a:fillRef>
+            <a:effectRef idx="0">
+              <a:schemeClr val="accent1"/>
+            </a:effectRef>
+            <a:fontRef idx="minor">
+              <a:schemeClr val="lt1"/>
+            </a:fontRef>
+          </p:style>
+          <p:txBody>
+            <a:bodyPr rot="0" spcFirstLastPara="0" vertOverflow="overflow" horzOverflow="overflow" vert="horz" wrap="square" lIns="91345" tIns="45672" rIns="91345" bIns="45672" numCol="1" spcCol="0" rtlCol="0" fromWordArt="0" anchor="ctr" anchorCtr="0" forceAA="0" compatLnSpc="1">
+              <a:prstTxWarp prst="textNoShape">
+                <a:avLst/>
+              </a:prstTxWarp>
+              <a:noAutofit/>
+            </a:bodyPr>
+            <a:lstStyle/>
+            <a:p>
+              <a:pPr algn="ctr"/>
+              <a:r>
+                <a:rPr lang="en-US" sz="1200" dirty="0"/>
+                <a:t>Vendor</a:t>
+              </a:r>
+            </a:p>
+          </p:txBody>
+        </p:sp>
+      </p:grpSp>
+      <p:cxnSp>
+        <p:nvCxnSpPr>
+          <p:cNvPr id="122" name="Straight Connector 121">
+            <a:extLst>
+              <a:ext uri="{FF2B5EF4-FFF2-40B4-BE49-F238E27FC236}">
+                <a16:creationId xmlns:a16="http://schemas.microsoft.com/office/drawing/2014/main" id="{5F80A2A9-7658-4482-B549-3D13AFCE99FB}"/>
+              </a:ext>
+            </a:extLst>
+          </p:cNvPr>
+          <p:cNvCxnSpPr>
+            <a:cxnSpLocks/>
+            <a:stCxn id="110" idx="0"/>
+            <a:endCxn id="213" idx="2"/>
+          </p:cNvCxnSpPr>
+          <p:nvPr/>
+        </p:nvCxnSpPr>
+        <p:spPr>
+          <a:xfrm flipH="1" flipV="1">
+            <a:off x="14480718" y="10220444"/>
+            <a:ext cx="57916" cy="893953"/>
+          </a:xfrm>
+          <a:prstGeom prst="line">
+            <a:avLst/>
+          </a:prstGeom>
+          <a:ln>
+            <a:solidFill>
+              <a:schemeClr val="accent1"/>
+            </a:solidFill>
+            <a:tailEnd type="arrow" w="lg" len="lg"/>
+          </a:ln>
+        </p:spPr>
+        <p:style>
+          <a:lnRef idx="3">
+            <a:schemeClr val="dk1"/>
+          </a:lnRef>
+          <a:fillRef idx="0">
+            <a:schemeClr val="dk1"/>
+          </a:fillRef>
+          <a:effectRef idx="2">
+            <a:schemeClr val="dk1"/>
+          </a:effectRef>
+          <a:fontRef idx="minor">
+            <a:schemeClr val="tx1"/>
+          </a:fontRef>
+        </p:style>
+      </p:cxnSp>
+      <p:grpSp>
+        <p:nvGrpSpPr>
+          <p:cNvPr id="10" name="Group 9">
+            <a:extLst>
+              <a:ext uri="{FF2B5EF4-FFF2-40B4-BE49-F238E27FC236}">
+                <a16:creationId xmlns:a16="http://schemas.microsoft.com/office/drawing/2014/main" id="{7F141DB6-62A5-4B8B-A9E7-DEA68A5D03A3}"/>
+              </a:ext>
+            </a:extLst>
+          </p:cNvPr>
+          <p:cNvGrpSpPr/>
+          <p:nvPr/>
+        </p:nvGrpSpPr>
+        <p:grpSpPr>
+          <a:xfrm>
+            <a:off x="10738883" y="12063812"/>
+            <a:ext cx="1373226" cy="1126689"/>
+            <a:chOff x="10738883" y="12063812"/>
+            <a:chExt cx="1373226" cy="1126689"/>
+          </a:xfrm>
+        </p:grpSpPr>
+        <p:sp>
+          <p:nvSpPr>
+            <p:cNvPr id="123" name="Rectangle: Rounded Corners 122">
+              <a:extLst>
+                <a:ext uri="{FF2B5EF4-FFF2-40B4-BE49-F238E27FC236}">
+                  <a16:creationId xmlns:a16="http://schemas.microsoft.com/office/drawing/2014/main" id="{B783B05B-971B-46F7-8D8C-C1ABBB5602FC}"/>
+                </a:ext>
+              </a:extLst>
+            </p:cNvPr>
+            <p:cNvSpPr/>
+            <p:nvPr/>
+          </p:nvSpPr>
+          <p:spPr>
+            <a:xfrm>
+              <a:off x="10738883" y="12063813"/>
+              <a:ext cx="1373226" cy="1126688"/>
+            </a:xfrm>
+            <a:prstGeom prst="roundRect">
+              <a:avLst/>
+            </a:prstGeom>
+            <a:noFill/>
+          </p:spPr>
+          <p:style>
+            <a:lnRef idx="2">
+              <a:schemeClr val="accent1">
+                <a:shade val="50000"/>
+              </a:schemeClr>
+            </a:lnRef>
+            <a:fillRef idx="1">
+              <a:schemeClr val="accent1"/>
+            </a:fillRef>
+            <a:effectRef idx="0">
+              <a:schemeClr val="accent1"/>
+            </a:effectRef>
+            <a:fontRef idx="minor">
+              <a:schemeClr val="lt1"/>
+            </a:fontRef>
+          </p:style>
+          <p:txBody>
+            <a:bodyPr rot="0" spcFirstLastPara="0" vertOverflow="overflow" horzOverflow="overflow" vert="horz" wrap="square" lIns="91345" tIns="45672" rIns="91345" bIns="45672" numCol="1" spcCol="0" rtlCol="0" fromWordArt="0" anchor="b" anchorCtr="0" forceAA="0" compatLnSpc="1">
+              <a:prstTxWarp prst="textNoShape">
+                <a:avLst/>
+              </a:prstTxWarp>
+              <a:noAutofit/>
+            </a:bodyPr>
+            <a:lstStyle/>
+            <a:p>
+              <a:r>
+                <a:rPr lang="en-US" sz="1200" b="1" dirty="0">
+                  <a:solidFill>
+                    <a:schemeClr val="accent1">
+                      <a:lumMod val="75000"/>
+                    </a:schemeClr>
+                  </a:solidFill>
+                </a:rPr>
+                <a:t>Id</a:t>
+              </a:r>
+            </a:p>
+            <a:p>
+              <a:r>
+                <a:rPr lang="en-US" sz="1200" dirty="0">
+                  <a:solidFill>
+                    <a:schemeClr val="accent1">
+                      <a:lumMod val="75000"/>
+                    </a:schemeClr>
+                  </a:solidFill>
+                </a:rPr>
+                <a:t>letter</a:t>
+              </a:r>
+            </a:p>
+            <a:p>
+              <a:r>
+                <a:rPr lang="en-US" sz="1200" dirty="0">
+                  <a:solidFill>
+                    <a:schemeClr val="accent1">
+                      <a:lumMod val="75000"/>
+                    </a:schemeClr>
+                  </a:solidFill>
+                </a:rPr>
+                <a:t>category</a:t>
+              </a:r>
+            </a:p>
+          </p:txBody>
+        </p:sp>
+        <p:sp>
+          <p:nvSpPr>
+            <p:cNvPr id="125" name="Rectangle: Rounded Corners 124">
+              <a:extLst>
+                <a:ext uri="{FF2B5EF4-FFF2-40B4-BE49-F238E27FC236}">
+                  <a16:creationId xmlns:a16="http://schemas.microsoft.com/office/drawing/2014/main" id="{9027C89A-F2E8-45BE-9D72-2326FAB628D1}"/>
+                </a:ext>
+              </a:extLst>
+            </p:cNvPr>
+            <p:cNvSpPr/>
+            <p:nvPr/>
+          </p:nvSpPr>
+          <p:spPr>
+            <a:xfrm>
+              <a:off x="10738883" y="12063812"/>
+              <a:ext cx="1373226" cy="420440"/>
+            </a:xfrm>
+            <a:prstGeom prst="roundRect">
+              <a:avLst/>
+            </a:prstGeom>
+          </p:spPr>
+          <p:style>
+            <a:lnRef idx="2">
+              <a:schemeClr val="accent1">
+                <a:shade val="50000"/>
+              </a:schemeClr>
+            </a:lnRef>
+            <a:fillRef idx="1">
+              <a:schemeClr val="accent1"/>
+            </a:fillRef>
+            <a:effectRef idx="0">
+              <a:schemeClr val="accent1"/>
+            </a:effectRef>
+            <a:fontRef idx="minor">
+              <a:schemeClr val="lt1"/>
+            </a:fontRef>
+          </p:style>
+          <p:txBody>
+            <a:bodyPr rot="0" spcFirstLastPara="0" vertOverflow="overflow" horzOverflow="overflow" vert="horz" wrap="square" lIns="91345" tIns="45672" rIns="91345" bIns="45672" numCol="1" spcCol="0" rtlCol="0" fromWordArt="0" anchor="ctr" anchorCtr="0" forceAA="0" compatLnSpc="1">
+              <a:prstTxWarp prst="textNoShape">
+                <a:avLst/>
+              </a:prstTxWarp>
+              <a:noAutofit/>
+            </a:bodyPr>
+            <a:lstStyle/>
+            <a:p>
+              <a:pPr algn="ctr"/>
+              <a:r>
+                <a:rPr lang="en-US" sz="1200" dirty="0" err="1"/>
+                <a:t>Part_Categories</a:t>
+              </a:r>
+              <a:endParaRPr lang="en-US" sz="1200" dirty="0"/>
+            </a:p>
+          </p:txBody>
+        </p:sp>
+      </p:grpSp>
+      <p:cxnSp>
+        <p:nvCxnSpPr>
+          <p:cNvPr id="131" name="Straight Connector 130">
+            <a:extLst>
+              <a:ext uri="{FF2B5EF4-FFF2-40B4-BE49-F238E27FC236}">
+                <a16:creationId xmlns:a16="http://schemas.microsoft.com/office/drawing/2014/main" id="{76E1A233-8C5D-4D49-94A9-493C1FB12A1F}"/>
+              </a:ext>
+            </a:extLst>
+          </p:cNvPr>
+          <p:cNvCxnSpPr>
+            <a:cxnSpLocks/>
+            <a:stCxn id="125" idx="0"/>
+            <a:endCxn id="213" idx="2"/>
+          </p:cNvCxnSpPr>
+          <p:nvPr/>
+        </p:nvCxnSpPr>
+        <p:spPr>
+          <a:xfrm flipV="1">
+            <a:off x="11425496" y="10220444"/>
+            <a:ext cx="3055222" cy="1843368"/>
+          </a:xfrm>
+          <a:prstGeom prst="line">
+            <a:avLst/>
+          </a:prstGeom>
+          <a:ln>
+            <a:solidFill>
+              <a:schemeClr val="accent1"/>
+            </a:solidFill>
+            <a:tailEnd type="arrow" w="lg" len="lg"/>
+          </a:ln>
+        </p:spPr>
+        <p:style>
+          <a:lnRef idx="3">
+            <a:schemeClr val="dk1"/>
+          </a:lnRef>
+          <a:fillRef idx="0">
+            <a:schemeClr val="dk1"/>
+          </a:fillRef>
+          <a:effectRef idx="2">
+            <a:schemeClr val="dk1"/>
+          </a:effectRef>
+          <a:fontRef idx="minor">
+            <a:schemeClr val="tx1"/>
+          </a:fontRef>
+        </p:style>
+      </p:cxnSp>
     </p:spTree>
     <p:extLst>
       <p:ext uri="{BB962C8B-B14F-4D97-AF65-F5344CB8AC3E}">
@@ -7934,7 +8734,7 @@
         </p:nvGraphicFramePr>
         <p:xfrm>
           <a:off x="1388226" y="1165850"/>
-          <a:ext cx="12768349" cy="7696200"/>
+          <a:ext cx="12768349" cy="8854440"/>
         </p:xfrm>
         <a:graphic>
           <a:graphicData uri="http://schemas.openxmlformats.org/drawingml/2006/table">
@@ -9052,7 +9852,7 @@
         </p:nvGraphicFramePr>
         <p:xfrm>
           <a:off x="1388226" y="1165850"/>
-          <a:ext cx="12768349" cy="3246120"/>
+          <a:ext cx="12768349" cy="4096512"/>
         </p:xfrm>
         <a:graphic>
           <a:graphicData uri="http://schemas.openxmlformats.org/drawingml/2006/table">
@@ -9574,7 +10374,7 @@
         </p:nvGraphicFramePr>
         <p:xfrm>
           <a:off x="1388226" y="1165850"/>
-          <a:ext cx="12768349" cy="3246120"/>
+          <a:ext cx="12768349" cy="4096512"/>
         </p:xfrm>
         <a:graphic>
           <a:graphicData uri="http://schemas.openxmlformats.org/drawingml/2006/table">
@@ -10092,7 +10892,7 @@
         </p:nvGraphicFramePr>
         <p:xfrm>
           <a:off x="1388226" y="1165850"/>
-          <a:ext cx="12768349" cy="3246120"/>
+          <a:ext cx="12768349" cy="4096512"/>
         </p:xfrm>
         <a:graphic>
           <a:graphicData uri="http://schemas.openxmlformats.org/drawingml/2006/table">
@@ -10614,7 +11414,7 @@
         </p:nvGraphicFramePr>
         <p:xfrm>
           <a:off x="1388226" y="1165850"/>
-          <a:ext cx="12768349" cy="4130040"/>
+          <a:ext cx="12768349" cy="6327648"/>
         </p:xfrm>
         <a:graphic>
           <a:graphicData uri="http://schemas.openxmlformats.org/drawingml/2006/table">
@@ -11432,7 +12232,7 @@
         </p:nvGraphicFramePr>
         <p:xfrm>
           <a:off x="1388226" y="1165850"/>
-          <a:ext cx="12768349" cy="1539240"/>
+          <a:ext cx="12768349" cy="3072384"/>
         </p:xfrm>
         <a:graphic>
           <a:graphicData uri="http://schemas.openxmlformats.org/drawingml/2006/table">
@@ -11840,7 +12640,7 @@
         </p:nvGraphicFramePr>
         <p:xfrm>
           <a:off x="1388226" y="1165850"/>
-          <a:ext cx="12768349" cy="4800600"/>
+          <a:ext cx="12768349" cy="6236208"/>
         </p:xfrm>
         <a:graphic>
           <a:graphicData uri="http://schemas.openxmlformats.org/drawingml/2006/table">
@@ -12631,14 +13431,14 @@
           <p:nvPr>
             <p:extLst>
               <p:ext uri="{D42A27DB-BD31-4B8C-83A1-F6EECF244321}">
-                <p14:modId xmlns:p14="http://schemas.microsoft.com/office/powerpoint/2010/main" val="1927072070"/>
+                <p14:modId xmlns:p14="http://schemas.microsoft.com/office/powerpoint/2010/main" val="3775310019"/>
               </p:ext>
             </p:extLst>
           </p:nvPr>
         </p:nvGraphicFramePr>
         <p:xfrm>
-          <a:off x="1388226" y="1165850"/>
-          <a:ext cx="12768349" cy="2057400"/>
+          <a:off x="601138" y="1165851"/>
+          <a:ext cx="14342522" cy="10454640"/>
         </p:xfrm>
         <a:graphic>
           <a:graphicData uri="http://schemas.openxmlformats.org/drawingml/2006/table">
@@ -12647,35 +13447,35 @@
                 <a:tableStyleId>{5C22544A-7EE6-4342-B048-85BDC9FD1C3A}</a:tableStyleId>
               </a:tblPr>
               <a:tblGrid>
-                <a:gridCol w="1820488">
+                <a:gridCol w="3085918">
                   <a:extLst>
                     <a:ext uri="{9D8B030D-6E8A-4147-A177-3AD203B41FA5}">
                       <a16:colId xmlns:a16="http://schemas.microsoft.com/office/drawing/2014/main" val="4212076426"/>
                     </a:ext>
                   </a:extLst>
                 </a:gridCol>
-                <a:gridCol w="2310938">
+                <a:gridCol w="2959330">
                   <a:extLst>
                     <a:ext uri="{9D8B030D-6E8A-4147-A177-3AD203B41FA5}">
                       <a16:colId xmlns:a16="http://schemas.microsoft.com/office/drawing/2014/main" val="3194676290"/>
                     </a:ext>
                   </a:extLst>
                 </a:gridCol>
-                <a:gridCol w="2959331">
+                <a:gridCol w="3046254">
                   <a:extLst>
                     <a:ext uri="{9D8B030D-6E8A-4147-A177-3AD203B41FA5}">
                       <a16:colId xmlns:a16="http://schemas.microsoft.com/office/drawing/2014/main" val="1043220631"/>
                     </a:ext>
                   </a:extLst>
                 </a:gridCol>
-                <a:gridCol w="2477193">
+                <a:gridCol w="1895302">
                   <a:extLst>
                     <a:ext uri="{9D8B030D-6E8A-4147-A177-3AD203B41FA5}">
                       <a16:colId xmlns:a16="http://schemas.microsoft.com/office/drawing/2014/main" val="2850652227"/>
                     </a:ext>
                   </a:extLst>
                 </a:gridCol>
-                <a:gridCol w="3200399">
+                <a:gridCol w="3355718">
                   <a:extLst>
                     <a:ext uri="{9D8B030D-6E8A-4147-A177-3AD203B41FA5}">
                       <a16:colId xmlns:a16="http://schemas.microsoft.com/office/drawing/2014/main" val="1109386841"/>
@@ -12690,7 +13490,7 @@
                     <a:lstStyle/>
                     <a:p>
                       <a:r>
-                        <a:rPr lang="en-US" dirty="0"/>
+                        <a:rPr lang="en-US" sz="2800" dirty="0"/>
                         <a:t>Field name</a:t>
                       </a:r>
                     </a:p>
@@ -12703,7 +13503,7 @@
                     <a:lstStyle/>
                     <a:p>
                       <a:r>
-                        <a:rPr lang="en-US" dirty="0"/>
+                        <a:rPr lang="en-US" sz="2800" dirty="0"/>
                         <a:t>Type</a:t>
                       </a:r>
                     </a:p>
@@ -12716,7 +13516,7 @@
                     <a:lstStyle/>
                     <a:p>
                       <a:r>
-                        <a:rPr lang="en-US" dirty="0"/>
+                        <a:rPr lang="en-US" sz="2800" dirty="0"/>
                         <a:t>Null</a:t>
                       </a:r>
                     </a:p>
@@ -12729,7 +13529,7 @@
                     <a:lstStyle/>
                     <a:p>
                       <a:r>
-                        <a:rPr lang="en-US" dirty="0"/>
+                        <a:rPr lang="en-US" sz="2800" dirty="0"/>
                         <a:t>PK</a:t>
                       </a:r>
                     </a:p>
@@ -12742,7 +13542,7 @@
                     <a:lstStyle/>
                     <a:p>
                       <a:r>
-                        <a:rPr lang="en-US" dirty="0"/>
+                        <a:rPr lang="en-US" sz="2800" dirty="0"/>
                         <a:t>FK</a:t>
                       </a:r>
                     </a:p>
@@ -12762,7 +13562,7 @@
                     <a:lstStyle/>
                     <a:p>
                       <a:r>
-                        <a:rPr lang="en-US" sz="2800" b="1" dirty="0">
+                        <a:rPr lang="en-US" sz="2400" b="1" dirty="0">
                           <a:solidFill>
                             <a:schemeClr val="accent1">
                               <a:lumMod val="75000"/>
@@ -12781,7 +13581,7 @@
                     <a:lstStyle/>
                     <a:p>
                       <a:r>
-                        <a:rPr lang="en-US" dirty="0"/>
+                        <a:rPr lang="en-US" sz="2800" dirty="0"/>
                         <a:t>INT</a:t>
                       </a:r>
                     </a:p>
@@ -12794,7 +13594,7 @@
                     <a:lstStyle/>
                     <a:p>
                       <a:r>
-                        <a:rPr lang="en-US" dirty="0"/>
+                        <a:rPr lang="en-US" sz="2800" dirty="0"/>
                         <a:t>AUTO-INCREMENT</a:t>
                       </a:r>
                     </a:p>
@@ -12807,7 +13607,7 @@
                     <a:lstStyle/>
                     <a:p>
                       <a:r>
-                        <a:rPr lang="en-US" dirty="0"/>
+                        <a:rPr lang="en-US" sz="2800" dirty="0"/>
                         <a:t>PRIMARY KEY</a:t>
                       </a:r>
                     </a:p>
@@ -12819,7 +13619,7 @@
                     <a:bodyPr/>
                     <a:lstStyle/>
                     <a:p>
-                      <a:endParaRPr lang="en-US" dirty="0"/>
+                      <a:endParaRPr lang="en-US" sz="2800" dirty="0"/>
                     </a:p>
                   </a:txBody>
                   <a:tcPr/>
@@ -12838,7 +13638,7 @@
                     <a:p>
                       <a:pPr marL="0" algn="l" defTabSz="1371600" rtl="0" eaLnBrk="1" latinLnBrk="0" hangingPunct="1"/>
                       <a:r>
-                        <a:rPr lang="en-US" sz="2800" kern="1200" dirty="0">
+                        <a:rPr lang="en-US" sz="2400" kern="1200" dirty="0">
                           <a:solidFill>
                             <a:schemeClr val="accent1">
                               <a:lumMod val="75000"/>
@@ -12848,32 +13648,32 @@
                           <a:ea typeface="+mn-ea"/>
                           <a:cs typeface="+mn-cs"/>
                         </a:rPr>
-                        <a:t>num</a:t>
-                      </a:r>
-                    </a:p>
-                  </a:txBody>
-                  <a:tcPr/>
-                </a:tc>
-                <a:tc>
-                  <a:txBody>
-                    <a:bodyPr/>
-                    <a:lstStyle/>
-                    <a:p>
-                      <a:r>
-                        <a:rPr lang="en-US" dirty="0"/>
-                        <a:t>VARCHAR(255)</a:t>
-                      </a:r>
-                    </a:p>
-                  </a:txBody>
-                  <a:tcPr/>
-                </a:tc>
-                <a:tc>
-                  <a:txBody>
-                    <a:bodyPr/>
-                    <a:lstStyle/>
-                    <a:p>
-                      <a:r>
-                        <a:rPr lang="en-US" dirty="0"/>
+                        <a:t>category</a:t>
+                      </a:r>
+                    </a:p>
+                  </a:txBody>
+                  <a:tcPr/>
+                </a:tc>
+                <a:tc>
+                  <a:txBody>
+                    <a:bodyPr/>
+                    <a:lstStyle/>
+                    <a:p>
+                      <a:r>
+                        <a:rPr lang="en-US" sz="2800" dirty="0"/>
+                        <a:t>TINYINT</a:t>
+                      </a:r>
+                    </a:p>
+                  </a:txBody>
+                  <a:tcPr/>
+                </a:tc>
+                <a:tc>
+                  <a:txBody>
+                    <a:bodyPr/>
+                    <a:lstStyle/>
+                    <a:p>
+                      <a:r>
+                        <a:rPr lang="en-US" sz="2800" dirty="0"/>
                         <a:t>NOT NULL</a:t>
                       </a:r>
                     </a:p>
@@ -12885,17 +13685,17 @@
                     <a:bodyPr/>
                     <a:lstStyle/>
                     <a:p>
-                      <a:endParaRPr lang="en-US" dirty="0"/>
-                    </a:p>
-                  </a:txBody>
-                  <a:tcPr/>
-                </a:tc>
-                <a:tc>
-                  <a:txBody>
-                    <a:bodyPr/>
-                    <a:lstStyle/>
-                    <a:p>
-                      <a:endParaRPr lang="en-US" dirty="0"/>
+                      <a:endParaRPr lang="en-US" sz="2800" dirty="0"/>
+                    </a:p>
+                  </a:txBody>
+                  <a:tcPr/>
+                </a:tc>
+                <a:tc>
+                  <a:txBody>
+                    <a:bodyPr/>
+                    <a:lstStyle/>
+                    <a:p>
+                      <a:endParaRPr lang="en-US" sz="2800" dirty="0"/>
                     </a:p>
                   </a:txBody>
                   <a:tcPr/>
@@ -12914,7 +13714,80 @@
                     <a:p>
                       <a:pPr marL="0" algn="l" defTabSz="1371600" rtl="0" eaLnBrk="1" latinLnBrk="0" hangingPunct="1"/>
                       <a:r>
-                        <a:rPr lang="en-US" sz="2800" kern="1200" dirty="0">
+                        <a:rPr lang="en-US" sz="2400" kern="1200" dirty="0">
+                          <a:solidFill>
+                            <a:schemeClr val="accent1">
+                              <a:lumMod val="75000"/>
+                            </a:schemeClr>
+                          </a:solidFill>
+                          <a:latin typeface="+mn-lt"/>
+                          <a:ea typeface="+mn-ea"/>
+                          <a:cs typeface="+mn-cs"/>
+                        </a:rPr>
+                        <a:t>spare</a:t>
+                      </a:r>
+                    </a:p>
+                  </a:txBody>
+                  <a:tcPr/>
+                </a:tc>
+                <a:tc>
+                  <a:txBody>
+                    <a:bodyPr/>
+                    <a:lstStyle/>
+                    <a:p>
+                      <a:r>
+                        <a:rPr lang="en-US" sz="2800" dirty="0"/>
+                        <a:t>BOOLEAN</a:t>
+                      </a:r>
+                    </a:p>
+                  </a:txBody>
+                  <a:tcPr/>
+                </a:tc>
+                <a:tc>
+                  <a:txBody>
+                    <a:bodyPr/>
+                    <a:lstStyle/>
+                    <a:p>
+                      <a:endParaRPr lang="en-US" sz="2800" dirty="0"/>
+                    </a:p>
+                  </a:txBody>
+                  <a:tcPr/>
+                </a:tc>
+                <a:tc>
+                  <a:txBody>
+                    <a:bodyPr/>
+                    <a:lstStyle/>
+                    <a:p>
+                      <a:endParaRPr lang="en-US" sz="2800" dirty="0"/>
+                    </a:p>
+                  </a:txBody>
+                  <a:tcPr/>
+                </a:tc>
+                <a:tc>
+                  <a:txBody>
+                    <a:bodyPr/>
+                    <a:lstStyle/>
+                    <a:p>
+                      <a:endParaRPr lang="en-US" sz="2800" dirty="0"/>
+                    </a:p>
+                  </a:txBody>
+                  <a:tcPr/>
+                </a:tc>
+                <a:extLst>
+                  <a:ext uri="{0D108BD9-81ED-4DB2-BD59-A6C34878D82A}">
+                    <a16:rowId xmlns:a16="http://schemas.microsoft.com/office/drawing/2014/main" val="2980673268"/>
+                  </a:ext>
+                </a:extLst>
+              </a:tr>
+              <a:tr h="370840">
+                <a:tc>
+                  <a:txBody>
+                    <a:bodyPr/>
+                    <a:lstStyle/>
+                    <a:p>
+                      <a:pPr marL="0" algn="l" defTabSz="1371600" rtl="0" eaLnBrk="1" latinLnBrk="0" hangingPunct="1"/>
+                      <a:r>
+                        <a:rPr lang="en-US" sz="2400" kern="1200" dirty="0">
                           <a:solidFill>
                             <a:schemeClr val="accent1">
                               <a:lumMod val="75000"/>
@@ -12936,7 +13809,7 @@
                     <a:lstStyle/>
                     <a:p>
                       <a:r>
-                        <a:rPr lang="en-US" dirty="0"/>
+                        <a:rPr lang="en-US" sz="2800" dirty="0"/>
                         <a:t>VARCHAR(255)</a:t>
                       </a:r>
                     </a:p>
@@ -12949,7 +13822,7 @@
                     <a:lstStyle/>
                     <a:p>
                       <a:r>
-                        <a:rPr lang="en-US" dirty="0"/>
+                        <a:rPr lang="en-US" sz="2800" dirty="0"/>
                         <a:t>NOT NULL</a:t>
                       </a:r>
                     </a:p>
@@ -12961,24 +13834,1343 @@
                     <a:bodyPr/>
                     <a:lstStyle/>
                     <a:p>
-                      <a:endParaRPr lang="en-US" dirty="0"/>
-                    </a:p>
-                  </a:txBody>
-                  <a:tcPr/>
-                </a:tc>
-                <a:tc>
-                  <a:txBody>
-                    <a:bodyPr/>
-                    <a:lstStyle/>
-                    <a:p>
-                      <a:endParaRPr lang="en-US" dirty="0"/>
+                      <a:endParaRPr lang="en-US" sz="2800" dirty="0"/>
+                    </a:p>
+                  </a:txBody>
+                  <a:tcPr/>
+                </a:tc>
+                <a:tc>
+                  <a:txBody>
+                    <a:bodyPr/>
+                    <a:lstStyle/>
+                    <a:p>
+                      <a:endParaRPr lang="en-US" sz="2800" dirty="0"/>
                     </a:p>
                   </a:txBody>
                   <a:tcPr/>
                 </a:tc>
                 <a:extLst>
                   <a:ext uri="{0D108BD9-81ED-4DB2-BD59-A6C34878D82A}">
-                    <a16:rowId xmlns:a16="http://schemas.microsoft.com/office/drawing/2014/main" val="2980673268"/>
+                    <a16:rowId xmlns:a16="http://schemas.microsoft.com/office/drawing/2014/main" val="3107569031"/>
+                  </a:ext>
+                </a:extLst>
+              </a:tr>
+              <a:tr h="370840">
+                <a:tc>
+                  <a:txBody>
+                    <a:bodyPr/>
+                    <a:lstStyle/>
+                    <a:p>
+                      <a:pPr marL="0" algn="l" defTabSz="1371600" rtl="0" eaLnBrk="1" latinLnBrk="0" hangingPunct="1"/>
+                      <a:r>
+                        <a:rPr lang="en-US" sz="2400" kern="1200" dirty="0">
+                          <a:solidFill>
+                            <a:schemeClr val="accent1">
+                              <a:lumMod val="75000"/>
+                            </a:schemeClr>
+                          </a:solidFill>
+                          <a:latin typeface="+mn-lt"/>
+                          <a:ea typeface="+mn-ea"/>
+                          <a:cs typeface="+mn-cs"/>
+                        </a:rPr>
+                        <a:t>commonCode</a:t>
+                      </a:r>
+                    </a:p>
+                  </a:txBody>
+                  <a:tcPr/>
+                </a:tc>
+                <a:tc>
+                  <a:txBody>
+                    <a:bodyPr/>
+                    <a:lstStyle/>
+                    <a:p>
+                      <a:r>
+                        <a:rPr lang="en-US" sz="2800" dirty="0"/>
+                        <a:t>VARCHAR(255)</a:t>
+                      </a:r>
+                    </a:p>
+                  </a:txBody>
+                  <a:tcPr/>
+                </a:tc>
+                <a:tc>
+                  <a:txBody>
+                    <a:bodyPr/>
+                    <a:lstStyle/>
+                    <a:p>
+                      <a:endParaRPr lang="en-US" sz="2800" dirty="0"/>
+                    </a:p>
+                  </a:txBody>
+                  <a:tcPr/>
+                </a:tc>
+                <a:tc>
+                  <a:txBody>
+                    <a:bodyPr/>
+                    <a:lstStyle/>
+                    <a:p>
+                      <a:endParaRPr lang="en-US" sz="2800" dirty="0"/>
+                    </a:p>
+                  </a:txBody>
+                  <a:tcPr/>
+                </a:tc>
+                <a:tc>
+                  <a:txBody>
+                    <a:bodyPr/>
+                    <a:lstStyle/>
+                    <a:p>
+                      <a:endParaRPr lang="en-US" sz="2800" dirty="0"/>
+                    </a:p>
+                  </a:txBody>
+                  <a:tcPr/>
+                </a:tc>
+                <a:extLst>
+                  <a:ext uri="{0D108BD9-81ED-4DB2-BD59-A6C34878D82A}">
+                    <a16:rowId xmlns:a16="http://schemas.microsoft.com/office/drawing/2014/main" val="3981685889"/>
+                  </a:ext>
+                </a:extLst>
+              </a:tr>
+              <a:tr h="370840">
+                <a:tc>
+                  <a:txBody>
+                    <a:bodyPr/>
+                    <a:lstStyle/>
+                    <a:p>
+                      <a:pPr marL="0" algn="l" defTabSz="1371600" rtl="0" eaLnBrk="1" latinLnBrk="0" hangingPunct="1"/>
+                      <a:r>
+                        <a:rPr lang="en-US" sz="2400" kern="1200" dirty="0">
+                          <a:solidFill>
+                            <a:schemeClr val="accent1">
+                              <a:lumMod val="75000"/>
+                            </a:schemeClr>
+                          </a:solidFill>
+                          <a:latin typeface="+mn-lt"/>
+                          <a:ea typeface="+mn-ea"/>
+                          <a:cs typeface="+mn-cs"/>
+                        </a:rPr>
+                        <a:t>vendor</a:t>
+                      </a:r>
+                    </a:p>
+                  </a:txBody>
+                  <a:tcPr/>
+                </a:tc>
+                <a:tc>
+                  <a:txBody>
+                    <a:bodyPr/>
+                    <a:lstStyle/>
+                    <a:p>
+                      <a:r>
+                        <a:rPr lang="en-US" sz="2800" dirty="0"/>
+                        <a:t>INT</a:t>
+                      </a:r>
+                    </a:p>
+                  </a:txBody>
+                  <a:tcPr/>
+                </a:tc>
+                <a:tc>
+                  <a:txBody>
+                    <a:bodyPr/>
+                    <a:lstStyle/>
+                    <a:p>
+                      <a:endParaRPr lang="en-US" sz="2800" dirty="0"/>
+                    </a:p>
+                  </a:txBody>
+                  <a:tcPr/>
+                </a:tc>
+                <a:tc>
+                  <a:txBody>
+                    <a:bodyPr/>
+                    <a:lstStyle/>
+                    <a:p>
+                      <a:endParaRPr lang="en-US" sz="2800" dirty="0"/>
+                    </a:p>
+                  </a:txBody>
+                  <a:tcPr/>
+                </a:tc>
+                <a:tc>
+                  <a:txBody>
+                    <a:bodyPr/>
+                    <a:lstStyle/>
+                    <a:p>
+                      <a:pPr marL="0" marR="0" lvl="0" indent="0" algn="l" defTabSz="1554480" rtl="0" eaLnBrk="1" fontAlgn="auto" latinLnBrk="0" hangingPunct="1">
+                        <a:lnSpc>
+                          <a:spcPct val="100000"/>
+                        </a:lnSpc>
+                        <a:spcBef>
+                          <a:spcPts val="0"/>
+                        </a:spcBef>
+                        <a:spcAft>
+                          <a:spcPts val="0"/>
+                        </a:spcAft>
+                        <a:buClrTx/>
+                        <a:buSzTx/>
+                        <a:buFontTx/>
+                        <a:buNone/>
+                        <a:tabLst/>
+                        <a:defRPr/>
+                      </a:pPr>
+                      <a:r>
+                        <a:rPr lang="en-US" sz="2000" dirty="0"/>
+                        <a:t>FOREIGN KEY(vendor) REFERENCES vendors(id)</a:t>
+                      </a:r>
+                    </a:p>
+                  </a:txBody>
+                  <a:tcPr/>
+                </a:tc>
+                <a:extLst>
+                  <a:ext uri="{0D108BD9-81ED-4DB2-BD59-A6C34878D82A}">
+                    <a16:rowId xmlns:a16="http://schemas.microsoft.com/office/drawing/2014/main" val="436311873"/>
+                  </a:ext>
+                </a:extLst>
+              </a:tr>
+              <a:tr h="370840">
+                <a:tc>
+                  <a:txBody>
+                    <a:bodyPr/>
+                    <a:lstStyle/>
+                    <a:p>
+                      <a:pPr marL="0" algn="l" defTabSz="1371600" rtl="0" eaLnBrk="1" latinLnBrk="0" hangingPunct="1"/>
+                      <a:r>
+                        <a:rPr lang="en-US" sz="2400" kern="1200" dirty="0">
+                          <a:solidFill>
+                            <a:schemeClr val="accent1">
+                              <a:lumMod val="75000"/>
+                            </a:schemeClr>
+                          </a:solidFill>
+                          <a:latin typeface="+mn-lt"/>
+                          <a:ea typeface="+mn-ea"/>
+                          <a:cs typeface="+mn-cs"/>
+                        </a:rPr>
+                        <a:t>vendorPartNo</a:t>
+                      </a:r>
+                    </a:p>
+                  </a:txBody>
+                  <a:tcPr/>
+                </a:tc>
+                <a:tc>
+                  <a:txBody>
+                    <a:bodyPr/>
+                    <a:lstStyle/>
+                    <a:p>
+                      <a:r>
+                        <a:rPr lang="en-US" sz="2800" b="0" i="0" kern="1200" dirty="0">
+                          <a:solidFill>
+                            <a:schemeClr val="dk1"/>
+                          </a:solidFill>
+                          <a:effectLst/>
+                          <a:latin typeface="+mn-lt"/>
+                          <a:ea typeface="+mn-ea"/>
+                          <a:cs typeface="+mn-cs"/>
+                        </a:rPr>
+                        <a:t>VARCHAR(255)</a:t>
+                      </a:r>
+                      <a:endParaRPr lang="en-US" sz="2800" dirty="0"/>
+                    </a:p>
+                  </a:txBody>
+                  <a:tcPr/>
+                </a:tc>
+                <a:tc>
+                  <a:txBody>
+                    <a:bodyPr/>
+                    <a:lstStyle/>
+                    <a:p>
+                      <a:endParaRPr lang="en-US" sz="2800" dirty="0"/>
+                    </a:p>
+                  </a:txBody>
+                  <a:tcPr/>
+                </a:tc>
+                <a:tc>
+                  <a:txBody>
+                    <a:bodyPr/>
+                    <a:lstStyle/>
+                    <a:p>
+                      <a:endParaRPr lang="en-US" sz="2800" dirty="0"/>
+                    </a:p>
+                  </a:txBody>
+                  <a:tcPr/>
+                </a:tc>
+                <a:tc>
+                  <a:txBody>
+                    <a:bodyPr/>
+                    <a:lstStyle/>
+                    <a:p>
+                      <a:endParaRPr lang="en-US" sz="2800" dirty="0"/>
+                    </a:p>
+                  </a:txBody>
+                  <a:tcPr/>
+                </a:tc>
+                <a:extLst>
+                  <a:ext uri="{0D108BD9-81ED-4DB2-BD59-A6C34878D82A}">
+                    <a16:rowId xmlns:a16="http://schemas.microsoft.com/office/drawing/2014/main" val="890360591"/>
+                  </a:ext>
+                </a:extLst>
+              </a:tr>
+              <a:tr h="370840">
+                <a:tc>
+                  <a:txBody>
+                    <a:bodyPr/>
+                    <a:lstStyle/>
+                    <a:p>
+                      <a:pPr marL="0" algn="l" defTabSz="1371600" rtl="0" eaLnBrk="1" latinLnBrk="0" hangingPunct="1"/>
+                      <a:r>
+                        <a:rPr lang="en-US" sz="2400" kern="1200" dirty="0">
+                          <a:solidFill>
+                            <a:schemeClr val="accent1">
+                              <a:lumMod val="75000"/>
+                            </a:schemeClr>
+                          </a:solidFill>
+                          <a:latin typeface="+mn-lt"/>
+                          <a:ea typeface="+mn-ea"/>
+                          <a:cs typeface="+mn-cs"/>
+                        </a:rPr>
+                        <a:t>vendorLeadTime</a:t>
+                      </a:r>
+                    </a:p>
+                  </a:txBody>
+                  <a:tcPr/>
+                </a:tc>
+                <a:tc>
+                  <a:txBody>
+                    <a:bodyPr/>
+                    <a:lstStyle/>
+                    <a:p>
+                      <a:r>
+                        <a:rPr lang="en-US" sz="2800" b="0" i="0" kern="1200" dirty="0">
+                          <a:solidFill>
+                            <a:schemeClr val="dk1"/>
+                          </a:solidFill>
+                          <a:effectLst/>
+                          <a:latin typeface="+mn-lt"/>
+                          <a:ea typeface="+mn-ea"/>
+                          <a:cs typeface="+mn-cs"/>
+                        </a:rPr>
+                        <a:t>VARCHAR(255)</a:t>
+                      </a:r>
+                      <a:endParaRPr lang="en-US" sz="2800" dirty="0"/>
+                    </a:p>
+                  </a:txBody>
+                  <a:tcPr/>
+                </a:tc>
+                <a:tc>
+                  <a:txBody>
+                    <a:bodyPr/>
+                    <a:lstStyle/>
+                    <a:p>
+                      <a:endParaRPr lang="en-US" sz="2800" dirty="0"/>
+                    </a:p>
+                  </a:txBody>
+                  <a:tcPr/>
+                </a:tc>
+                <a:tc>
+                  <a:txBody>
+                    <a:bodyPr/>
+                    <a:lstStyle/>
+                    <a:p>
+                      <a:endParaRPr lang="en-US" sz="2800" dirty="0"/>
+                    </a:p>
+                  </a:txBody>
+                  <a:tcPr/>
+                </a:tc>
+                <a:tc>
+                  <a:txBody>
+                    <a:bodyPr/>
+                    <a:lstStyle/>
+                    <a:p>
+                      <a:endParaRPr lang="en-US" sz="2800" dirty="0"/>
+                    </a:p>
+                  </a:txBody>
+                  <a:tcPr/>
+                </a:tc>
+                <a:extLst>
+                  <a:ext uri="{0D108BD9-81ED-4DB2-BD59-A6C34878D82A}">
+                    <a16:rowId xmlns:a16="http://schemas.microsoft.com/office/drawing/2014/main" val="2823692099"/>
+                  </a:ext>
+                </a:extLst>
+              </a:tr>
+              <a:tr h="370840">
+                <a:tc>
+                  <a:txBody>
+                    <a:bodyPr/>
+                    <a:lstStyle/>
+                    <a:p>
+                      <a:pPr marL="0" algn="l" defTabSz="1371600" rtl="0" eaLnBrk="1" latinLnBrk="0" hangingPunct="1"/>
+                      <a:r>
+                        <a:rPr lang="en-US" sz="2400" kern="1200" dirty="0">
+                          <a:solidFill>
+                            <a:schemeClr val="accent1">
+                              <a:lumMod val="75000"/>
+                            </a:schemeClr>
+                          </a:solidFill>
+                          <a:latin typeface="+mn-lt"/>
+                          <a:ea typeface="+mn-ea"/>
+                          <a:cs typeface="+mn-cs"/>
+                        </a:rPr>
+                        <a:t>mortechLeadTime</a:t>
+                      </a:r>
+                    </a:p>
+                  </a:txBody>
+                  <a:tcPr/>
+                </a:tc>
+                <a:tc>
+                  <a:txBody>
+                    <a:bodyPr/>
+                    <a:lstStyle/>
+                    <a:p>
+                      <a:r>
+                        <a:rPr lang="en-US" sz="2800" dirty="0"/>
+                        <a:t>VARCHAR(255)</a:t>
+                      </a:r>
+                    </a:p>
+                  </a:txBody>
+                  <a:tcPr/>
+                </a:tc>
+                <a:tc>
+                  <a:txBody>
+                    <a:bodyPr/>
+                    <a:lstStyle/>
+                    <a:p>
+                      <a:pPr marL="0" marR="0" lvl="0" indent="0" algn="l" defTabSz="1554480" rtl="0" eaLnBrk="1" fontAlgn="auto" latinLnBrk="0" hangingPunct="1">
+                        <a:lnSpc>
+                          <a:spcPct val="100000"/>
+                        </a:lnSpc>
+                        <a:spcBef>
+                          <a:spcPts val="0"/>
+                        </a:spcBef>
+                        <a:spcAft>
+                          <a:spcPts val="0"/>
+                        </a:spcAft>
+                        <a:buClrTx/>
+                        <a:buSzTx/>
+                        <a:buFontTx/>
+                        <a:buNone/>
+                        <a:tabLst/>
+                        <a:defRPr/>
+                      </a:pPr>
+                      <a:endParaRPr lang="en-US" sz="2800" dirty="0"/>
+                    </a:p>
+                  </a:txBody>
+                  <a:tcPr/>
+                </a:tc>
+                <a:tc>
+                  <a:txBody>
+                    <a:bodyPr/>
+                    <a:lstStyle/>
+                    <a:p>
+                      <a:endParaRPr lang="en-US" sz="2800" dirty="0"/>
+                    </a:p>
+                  </a:txBody>
+                  <a:tcPr/>
+                </a:tc>
+                <a:tc>
+                  <a:txBody>
+                    <a:bodyPr/>
+                    <a:lstStyle/>
+                    <a:p>
+                      <a:endParaRPr lang="en-US" sz="2800" dirty="0"/>
+                    </a:p>
+                  </a:txBody>
+                  <a:tcPr/>
+                </a:tc>
+                <a:extLst>
+                  <a:ext uri="{0D108BD9-81ED-4DB2-BD59-A6C34878D82A}">
+                    <a16:rowId xmlns:a16="http://schemas.microsoft.com/office/drawing/2014/main" val="210894724"/>
+                  </a:ext>
+                </a:extLst>
+              </a:tr>
+              <a:tr h="370840">
+                <a:tc>
+                  <a:txBody>
+                    <a:bodyPr/>
+                    <a:lstStyle/>
+                    <a:p>
+                      <a:pPr marL="0" algn="l" defTabSz="1371600" rtl="0" eaLnBrk="1" latinLnBrk="0" hangingPunct="1"/>
+                      <a:r>
+                        <a:rPr lang="en-US" sz="2400" kern="1200" dirty="0">
+                          <a:solidFill>
+                            <a:schemeClr val="accent1">
+                              <a:lumMod val="75000"/>
+                            </a:schemeClr>
+                          </a:solidFill>
+                          <a:latin typeface="+mn-lt"/>
+                          <a:ea typeface="+mn-ea"/>
+                          <a:cs typeface="+mn-cs"/>
+                        </a:rPr>
+                        <a:t>cost</a:t>
+                      </a:r>
+                    </a:p>
+                  </a:txBody>
+                  <a:tcPr/>
+                </a:tc>
+                <a:tc>
+                  <a:txBody>
+                    <a:bodyPr/>
+                    <a:lstStyle/>
+                    <a:p>
+                      <a:r>
+                        <a:rPr lang="en-US" sz="2800" b="0" i="0" kern="1200" dirty="0">
+                          <a:solidFill>
+                            <a:schemeClr val="dk1"/>
+                          </a:solidFill>
+                          <a:effectLst/>
+                          <a:latin typeface="+mn-lt"/>
+                          <a:ea typeface="+mn-ea"/>
+                          <a:cs typeface="+mn-cs"/>
+                        </a:rPr>
+                        <a:t>DECIMAL(13,2)</a:t>
+                      </a:r>
+                      <a:endParaRPr lang="en-US" sz="2800" dirty="0"/>
+                    </a:p>
+                  </a:txBody>
+                  <a:tcPr/>
+                </a:tc>
+                <a:tc>
+                  <a:txBody>
+                    <a:bodyPr/>
+                    <a:lstStyle/>
+                    <a:p>
+                      <a:pPr marL="0" marR="0" lvl="0" indent="0" algn="l" defTabSz="1554480" rtl="0" eaLnBrk="1" fontAlgn="auto" latinLnBrk="0" hangingPunct="1">
+                        <a:lnSpc>
+                          <a:spcPct val="100000"/>
+                        </a:lnSpc>
+                        <a:spcBef>
+                          <a:spcPts val="0"/>
+                        </a:spcBef>
+                        <a:spcAft>
+                          <a:spcPts val="0"/>
+                        </a:spcAft>
+                        <a:buClrTx/>
+                        <a:buSzTx/>
+                        <a:buFontTx/>
+                        <a:buNone/>
+                        <a:tabLst/>
+                        <a:defRPr/>
+                      </a:pPr>
+                      <a:r>
+                        <a:rPr lang="en-US" sz="2800" dirty="0"/>
+                        <a:t>NOT NULL</a:t>
+                      </a:r>
+                    </a:p>
+                  </a:txBody>
+                  <a:tcPr/>
+                </a:tc>
+                <a:tc>
+                  <a:txBody>
+                    <a:bodyPr/>
+                    <a:lstStyle/>
+                    <a:p>
+                      <a:endParaRPr lang="en-US" sz="2800" dirty="0"/>
+                    </a:p>
+                  </a:txBody>
+                  <a:tcPr/>
+                </a:tc>
+                <a:tc>
+                  <a:txBody>
+                    <a:bodyPr/>
+                    <a:lstStyle/>
+                    <a:p>
+                      <a:endParaRPr lang="en-US" sz="2800" dirty="0"/>
+                    </a:p>
+                  </a:txBody>
+                  <a:tcPr/>
+                </a:tc>
+                <a:extLst>
+                  <a:ext uri="{0D108BD9-81ED-4DB2-BD59-A6C34878D82A}">
+                    <a16:rowId xmlns:a16="http://schemas.microsoft.com/office/drawing/2014/main" val="1050337446"/>
+                  </a:ext>
+                </a:extLst>
+              </a:tr>
+              <a:tr h="267459">
+                <a:tc>
+                  <a:txBody>
+                    <a:bodyPr/>
+                    <a:lstStyle/>
+                    <a:p>
+                      <a:pPr marL="0" algn="l" defTabSz="1371600" rtl="0" eaLnBrk="1" latinLnBrk="0" hangingPunct="1"/>
+                      <a:r>
+                        <a:rPr lang="en-US" sz="2400" kern="1200" dirty="0">
+                          <a:solidFill>
+                            <a:schemeClr val="accent1">
+                              <a:lumMod val="75000"/>
+                            </a:schemeClr>
+                          </a:solidFill>
+                          <a:latin typeface="+mn-lt"/>
+                          <a:ea typeface="+mn-ea"/>
+                          <a:cs typeface="+mn-cs"/>
+                        </a:rPr>
+                        <a:t>price</a:t>
+                      </a:r>
+                    </a:p>
+                  </a:txBody>
+                  <a:tcPr/>
+                </a:tc>
+                <a:tc>
+                  <a:txBody>
+                    <a:bodyPr/>
+                    <a:lstStyle/>
+                    <a:p>
+                      <a:r>
+                        <a:rPr lang="en-US" sz="2800" b="0" i="0" kern="1200" dirty="0">
+                          <a:solidFill>
+                            <a:schemeClr val="dk1"/>
+                          </a:solidFill>
+                          <a:effectLst/>
+                          <a:latin typeface="+mn-lt"/>
+                          <a:ea typeface="+mn-ea"/>
+                          <a:cs typeface="+mn-cs"/>
+                        </a:rPr>
+                        <a:t>DECIMAL(13,2)</a:t>
+                      </a:r>
+                      <a:endParaRPr lang="en-US" sz="2800" dirty="0"/>
+                    </a:p>
+                  </a:txBody>
+                  <a:tcPr/>
+                </a:tc>
+                <a:tc>
+                  <a:txBody>
+                    <a:bodyPr/>
+                    <a:lstStyle/>
+                    <a:p>
+                      <a:pPr marL="0" marR="0" lvl="0" indent="0" algn="l" defTabSz="1554480" rtl="0" eaLnBrk="1" fontAlgn="auto" latinLnBrk="0" hangingPunct="1">
+                        <a:lnSpc>
+                          <a:spcPct val="100000"/>
+                        </a:lnSpc>
+                        <a:spcBef>
+                          <a:spcPts val="0"/>
+                        </a:spcBef>
+                        <a:spcAft>
+                          <a:spcPts val="0"/>
+                        </a:spcAft>
+                        <a:buClrTx/>
+                        <a:buSzTx/>
+                        <a:buFontTx/>
+                        <a:buNone/>
+                        <a:tabLst/>
+                        <a:defRPr/>
+                      </a:pPr>
+                      <a:endParaRPr lang="en-US" sz="2800" dirty="0"/>
+                    </a:p>
+                  </a:txBody>
+                  <a:tcPr/>
+                </a:tc>
+                <a:tc>
+                  <a:txBody>
+                    <a:bodyPr/>
+                    <a:lstStyle/>
+                    <a:p>
+                      <a:endParaRPr lang="en-US" sz="2800" dirty="0"/>
+                    </a:p>
+                  </a:txBody>
+                  <a:tcPr/>
+                </a:tc>
+                <a:tc>
+                  <a:txBody>
+                    <a:bodyPr/>
+                    <a:lstStyle/>
+                    <a:p>
+                      <a:endParaRPr lang="en-US" sz="2800" dirty="0"/>
+                    </a:p>
+                  </a:txBody>
+                  <a:tcPr/>
+                </a:tc>
+                <a:extLst>
+                  <a:ext uri="{0D108BD9-81ED-4DB2-BD59-A6C34878D82A}">
+                    <a16:rowId xmlns:a16="http://schemas.microsoft.com/office/drawing/2014/main" val="886939396"/>
+                  </a:ext>
+                </a:extLst>
+              </a:tr>
+              <a:tr h="267459">
+                <a:tc>
+                  <a:txBody>
+                    <a:bodyPr/>
+                    <a:lstStyle/>
+                    <a:p>
+                      <a:pPr marL="0" algn="l" defTabSz="1371600" rtl="0" eaLnBrk="1" latinLnBrk="0" hangingPunct="1"/>
+                      <a:r>
+                        <a:rPr lang="en-US" sz="2400" kern="1200" dirty="0">
+                          <a:solidFill>
+                            <a:schemeClr val="accent1">
+                              <a:lumMod val="75000"/>
+                            </a:schemeClr>
+                          </a:solidFill>
+                          <a:latin typeface="+mn-lt"/>
+                          <a:ea typeface="+mn-ea"/>
+                          <a:cs typeface="+mn-cs"/>
+                        </a:rPr>
+                        <a:t>sd1500</a:t>
+                      </a:r>
+                    </a:p>
+                  </a:txBody>
+                  <a:tcPr/>
+                </a:tc>
+                <a:tc>
+                  <a:txBody>
+                    <a:bodyPr/>
+                    <a:lstStyle/>
+                    <a:p>
+                      <a:r>
+                        <a:rPr lang="en-US" sz="2800" dirty="0"/>
+                        <a:t>BOOLEAN</a:t>
+                      </a:r>
+                    </a:p>
+                  </a:txBody>
+                  <a:tcPr/>
+                </a:tc>
+                <a:tc>
+                  <a:txBody>
+                    <a:bodyPr/>
+                    <a:lstStyle/>
+                    <a:p>
+                      <a:pPr marL="0" marR="0" lvl="0" indent="0" algn="l" defTabSz="1554480" rtl="0" eaLnBrk="1" fontAlgn="auto" latinLnBrk="0" hangingPunct="1">
+                        <a:lnSpc>
+                          <a:spcPct val="100000"/>
+                        </a:lnSpc>
+                        <a:spcBef>
+                          <a:spcPts val="0"/>
+                        </a:spcBef>
+                        <a:spcAft>
+                          <a:spcPts val="0"/>
+                        </a:spcAft>
+                        <a:buClrTx/>
+                        <a:buSzTx/>
+                        <a:buFontTx/>
+                        <a:buNone/>
+                        <a:tabLst/>
+                        <a:defRPr/>
+                      </a:pPr>
+                      <a:endParaRPr lang="en-US" sz="2800" dirty="0"/>
+                    </a:p>
+                  </a:txBody>
+                  <a:tcPr/>
+                </a:tc>
+                <a:tc>
+                  <a:txBody>
+                    <a:bodyPr/>
+                    <a:lstStyle/>
+                    <a:p>
+                      <a:endParaRPr lang="en-US" sz="2800" dirty="0"/>
+                    </a:p>
+                  </a:txBody>
+                  <a:tcPr/>
+                </a:tc>
+                <a:tc>
+                  <a:txBody>
+                    <a:bodyPr/>
+                    <a:lstStyle/>
+                    <a:p>
+                      <a:endParaRPr lang="en-US" sz="2800" dirty="0"/>
+                    </a:p>
+                  </a:txBody>
+                  <a:tcPr/>
+                </a:tc>
+                <a:extLst>
+                  <a:ext uri="{0D108BD9-81ED-4DB2-BD59-A6C34878D82A}">
+                    <a16:rowId xmlns:a16="http://schemas.microsoft.com/office/drawing/2014/main" val="2262167138"/>
+                  </a:ext>
+                </a:extLst>
+              </a:tr>
+              <a:tr h="267459">
+                <a:tc>
+                  <a:txBody>
+                    <a:bodyPr/>
+                    <a:lstStyle/>
+                    <a:p>
+                      <a:pPr marL="0" algn="l" defTabSz="1371600" rtl="0" eaLnBrk="1" latinLnBrk="0" hangingPunct="1"/>
+                      <a:r>
+                        <a:rPr lang="en-US" sz="2400" kern="1200" dirty="0">
+                          <a:solidFill>
+                            <a:schemeClr val="accent1">
+                              <a:lumMod val="75000"/>
+                            </a:schemeClr>
+                          </a:solidFill>
+                          <a:latin typeface="+mn-lt"/>
+                          <a:ea typeface="+mn-ea"/>
+                          <a:cs typeface="+mn-cs"/>
+                        </a:rPr>
+                        <a:t>sd1500s</a:t>
+                      </a:r>
+                    </a:p>
+                  </a:txBody>
+                  <a:tcPr/>
+                </a:tc>
+                <a:tc>
+                  <a:txBody>
+                    <a:bodyPr/>
+                    <a:lstStyle/>
+                    <a:p>
+                      <a:pPr marL="0" marR="0" lvl="0" indent="0" algn="l" defTabSz="1554480" rtl="0" eaLnBrk="1" fontAlgn="auto" latinLnBrk="0" hangingPunct="1">
+                        <a:lnSpc>
+                          <a:spcPct val="100000"/>
+                        </a:lnSpc>
+                        <a:spcBef>
+                          <a:spcPts val="0"/>
+                        </a:spcBef>
+                        <a:spcAft>
+                          <a:spcPts val="0"/>
+                        </a:spcAft>
+                        <a:buClrTx/>
+                        <a:buSzTx/>
+                        <a:buFontTx/>
+                        <a:buNone/>
+                        <a:tabLst/>
+                        <a:defRPr/>
+                      </a:pPr>
+                      <a:r>
+                        <a:rPr lang="en-US" sz="2800" dirty="0"/>
+                        <a:t>BOOLEAN</a:t>
+                      </a:r>
+                    </a:p>
+                  </a:txBody>
+                  <a:tcPr/>
+                </a:tc>
+                <a:tc>
+                  <a:txBody>
+                    <a:bodyPr/>
+                    <a:lstStyle/>
+                    <a:p>
+                      <a:pPr marL="0" marR="0" lvl="0" indent="0" algn="l" defTabSz="1554480" rtl="0" eaLnBrk="1" fontAlgn="auto" latinLnBrk="0" hangingPunct="1">
+                        <a:lnSpc>
+                          <a:spcPct val="100000"/>
+                        </a:lnSpc>
+                        <a:spcBef>
+                          <a:spcPts val="0"/>
+                        </a:spcBef>
+                        <a:spcAft>
+                          <a:spcPts val="0"/>
+                        </a:spcAft>
+                        <a:buClrTx/>
+                        <a:buSzTx/>
+                        <a:buFontTx/>
+                        <a:buNone/>
+                        <a:tabLst/>
+                        <a:defRPr/>
+                      </a:pPr>
+                      <a:endParaRPr lang="en-US" sz="2800" dirty="0"/>
+                    </a:p>
+                  </a:txBody>
+                  <a:tcPr/>
+                </a:tc>
+                <a:tc>
+                  <a:txBody>
+                    <a:bodyPr/>
+                    <a:lstStyle/>
+                    <a:p>
+                      <a:endParaRPr lang="en-US" sz="2800" dirty="0"/>
+                    </a:p>
+                  </a:txBody>
+                  <a:tcPr/>
+                </a:tc>
+                <a:tc>
+                  <a:txBody>
+                    <a:bodyPr/>
+                    <a:lstStyle/>
+                    <a:p>
+                      <a:endParaRPr lang="en-US" sz="2800" dirty="0"/>
+                    </a:p>
+                  </a:txBody>
+                  <a:tcPr/>
+                </a:tc>
+                <a:extLst>
+                  <a:ext uri="{0D108BD9-81ED-4DB2-BD59-A6C34878D82A}">
+                    <a16:rowId xmlns:a16="http://schemas.microsoft.com/office/drawing/2014/main" val="327024077"/>
+                  </a:ext>
+                </a:extLst>
+              </a:tr>
+              <a:tr h="267459">
+                <a:tc>
+                  <a:txBody>
+                    <a:bodyPr/>
+                    <a:lstStyle/>
+                    <a:p>
+                      <a:pPr marL="0" algn="l" defTabSz="1371600" rtl="0" eaLnBrk="1" latinLnBrk="0" hangingPunct="1"/>
+                      <a:r>
+                        <a:rPr lang="en-US" sz="2400" kern="1200" dirty="0">
+                          <a:solidFill>
+                            <a:schemeClr val="accent1">
+                              <a:lumMod val="75000"/>
+                            </a:schemeClr>
+                          </a:solidFill>
+                          <a:latin typeface="+mn-lt"/>
+                          <a:ea typeface="+mn-ea"/>
+                          <a:cs typeface="+mn-cs"/>
+                        </a:rPr>
+                        <a:t>sdx</a:t>
+                      </a:r>
+                    </a:p>
+                  </a:txBody>
+                  <a:tcPr/>
+                </a:tc>
+                <a:tc>
+                  <a:txBody>
+                    <a:bodyPr/>
+                    <a:lstStyle/>
+                    <a:p>
+                      <a:pPr marL="0" marR="0" lvl="0" indent="0" algn="l" defTabSz="1554480" rtl="0" eaLnBrk="1" fontAlgn="auto" latinLnBrk="0" hangingPunct="1">
+                        <a:lnSpc>
+                          <a:spcPct val="100000"/>
+                        </a:lnSpc>
+                        <a:spcBef>
+                          <a:spcPts val="0"/>
+                        </a:spcBef>
+                        <a:spcAft>
+                          <a:spcPts val="0"/>
+                        </a:spcAft>
+                        <a:buClrTx/>
+                        <a:buSzTx/>
+                        <a:buFontTx/>
+                        <a:buNone/>
+                        <a:tabLst/>
+                        <a:defRPr/>
+                      </a:pPr>
+                      <a:r>
+                        <a:rPr lang="en-US" sz="2800" dirty="0"/>
+                        <a:t>BOOLEAN</a:t>
+                      </a:r>
+                    </a:p>
+                  </a:txBody>
+                  <a:tcPr/>
+                </a:tc>
+                <a:tc>
+                  <a:txBody>
+                    <a:bodyPr/>
+                    <a:lstStyle/>
+                    <a:p>
+                      <a:pPr marL="0" marR="0" lvl="0" indent="0" algn="l" defTabSz="1554480" rtl="0" eaLnBrk="1" fontAlgn="auto" latinLnBrk="0" hangingPunct="1">
+                        <a:lnSpc>
+                          <a:spcPct val="100000"/>
+                        </a:lnSpc>
+                        <a:spcBef>
+                          <a:spcPts val="0"/>
+                        </a:spcBef>
+                        <a:spcAft>
+                          <a:spcPts val="0"/>
+                        </a:spcAft>
+                        <a:buClrTx/>
+                        <a:buSzTx/>
+                        <a:buFontTx/>
+                        <a:buNone/>
+                        <a:tabLst/>
+                        <a:defRPr/>
+                      </a:pPr>
+                      <a:endParaRPr lang="en-US" sz="2800" dirty="0"/>
+                    </a:p>
+                  </a:txBody>
+                  <a:tcPr/>
+                </a:tc>
+                <a:tc>
+                  <a:txBody>
+                    <a:bodyPr/>
+                    <a:lstStyle/>
+                    <a:p>
+                      <a:endParaRPr lang="en-US" sz="2800" dirty="0"/>
+                    </a:p>
+                  </a:txBody>
+                  <a:tcPr/>
+                </a:tc>
+                <a:tc>
+                  <a:txBody>
+                    <a:bodyPr/>
+                    <a:lstStyle/>
+                    <a:p>
+                      <a:endParaRPr lang="en-US" sz="2800" dirty="0"/>
+                    </a:p>
+                  </a:txBody>
+                  <a:tcPr/>
+                </a:tc>
+                <a:extLst>
+                  <a:ext uri="{0D108BD9-81ED-4DB2-BD59-A6C34878D82A}">
+                    <a16:rowId xmlns:a16="http://schemas.microsoft.com/office/drawing/2014/main" val="2336510107"/>
+                  </a:ext>
+                </a:extLst>
+              </a:tr>
+              <a:tr h="267459">
+                <a:tc>
+                  <a:txBody>
+                    <a:bodyPr/>
+                    <a:lstStyle/>
+                    <a:p>
+                      <a:pPr marL="0" algn="l" defTabSz="1371600" rtl="0" eaLnBrk="1" latinLnBrk="0" hangingPunct="1"/>
+                      <a:r>
+                        <a:rPr lang="en-US" sz="2400" kern="1200" dirty="0">
+                          <a:solidFill>
+                            <a:schemeClr val="accent1">
+                              <a:lumMod val="75000"/>
+                            </a:schemeClr>
+                          </a:solidFill>
+                          <a:latin typeface="+mn-lt"/>
+                          <a:ea typeface="+mn-ea"/>
+                          <a:cs typeface="+mn-cs"/>
+                        </a:rPr>
+                        <a:t>hd2500</a:t>
+                      </a:r>
+                    </a:p>
+                  </a:txBody>
+                  <a:tcPr/>
+                </a:tc>
+                <a:tc>
+                  <a:txBody>
+                    <a:bodyPr/>
+                    <a:lstStyle/>
+                    <a:p>
+                      <a:pPr marL="0" marR="0" lvl="0" indent="0" algn="l" defTabSz="1554480" rtl="0" eaLnBrk="1" fontAlgn="auto" latinLnBrk="0" hangingPunct="1">
+                        <a:lnSpc>
+                          <a:spcPct val="100000"/>
+                        </a:lnSpc>
+                        <a:spcBef>
+                          <a:spcPts val="0"/>
+                        </a:spcBef>
+                        <a:spcAft>
+                          <a:spcPts val="0"/>
+                        </a:spcAft>
+                        <a:buClrTx/>
+                        <a:buSzTx/>
+                        <a:buFontTx/>
+                        <a:buNone/>
+                        <a:tabLst/>
+                        <a:defRPr/>
+                      </a:pPr>
+                      <a:r>
+                        <a:rPr lang="en-US" sz="2800" dirty="0"/>
+                        <a:t>BOOLEAN</a:t>
+                      </a:r>
+                    </a:p>
+                  </a:txBody>
+                  <a:tcPr/>
+                </a:tc>
+                <a:tc>
+                  <a:txBody>
+                    <a:bodyPr/>
+                    <a:lstStyle/>
+                    <a:p>
+                      <a:pPr marL="0" marR="0" lvl="0" indent="0" algn="l" defTabSz="1554480" rtl="0" eaLnBrk="1" fontAlgn="auto" latinLnBrk="0" hangingPunct="1">
+                        <a:lnSpc>
+                          <a:spcPct val="100000"/>
+                        </a:lnSpc>
+                        <a:spcBef>
+                          <a:spcPts val="0"/>
+                        </a:spcBef>
+                        <a:spcAft>
+                          <a:spcPts val="0"/>
+                        </a:spcAft>
+                        <a:buClrTx/>
+                        <a:buSzTx/>
+                        <a:buFontTx/>
+                        <a:buNone/>
+                        <a:tabLst/>
+                        <a:defRPr/>
+                      </a:pPr>
+                      <a:endParaRPr lang="en-US" sz="2800" dirty="0"/>
+                    </a:p>
+                  </a:txBody>
+                  <a:tcPr/>
+                </a:tc>
+                <a:tc>
+                  <a:txBody>
+                    <a:bodyPr/>
+                    <a:lstStyle/>
+                    <a:p>
+                      <a:endParaRPr lang="en-US" sz="2800" dirty="0"/>
+                    </a:p>
+                  </a:txBody>
+                  <a:tcPr/>
+                </a:tc>
+                <a:tc>
+                  <a:txBody>
+                    <a:bodyPr/>
+                    <a:lstStyle/>
+                    <a:p>
+                      <a:endParaRPr lang="en-US" sz="2800" dirty="0"/>
+                    </a:p>
+                  </a:txBody>
+                  <a:tcPr/>
+                </a:tc>
+                <a:extLst>
+                  <a:ext uri="{0D108BD9-81ED-4DB2-BD59-A6C34878D82A}">
+                    <a16:rowId xmlns:a16="http://schemas.microsoft.com/office/drawing/2014/main" val="1474352588"/>
+                  </a:ext>
+                </a:extLst>
+              </a:tr>
+              <a:tr h="267459">
+                <a:tc>
+                  <a:txBody>
+                    <a:bodyPr/>
+                    <a:lstStyle/>
+                    <a:p>
+                      <a:pPr marL="0" algn="l" defTabSz="1371600" rtl="0" eaLnBrk="1" latinLnBrk="0" hangingPunct="1"/>
+                      <a:r>
+                        <a:rPr lang="en-US" sz="2400" kern="1200" dirty="0">
+                          <a:solidFill>
+                            <a:schemeClr val="accent1">
+                              <a:lumMod val="75000"/>
+                            </a:schemeClr>
+                          </a:solidFill>
+                          <a:latin typeface="+mn-lt"/>
+                          <a:ea typeface="+mn-ea"/>
+                          <a:cs typeface="+mn-cs"/>
+                        </a:rPr>
+                        <a:t>hdx</a:t>
+                      </a:r>
+                    </a:p>
+                  </a:txBody>
+                  <a:tcPr/>
+                </a:tc>
+                <a:tc>
+                  <a:txBody>
+                    <a:bodyPr/>
+                    <a:lstStyle/>
+                    <a:p>
+                      <a:pPr marL="0" marR="0" lvl="0" indent="0" algn="l" defTabSz="1554480" rtl="0" eaLnBrk="1" fontAlgn="auto" latinLnBrk="0" hangingPunct="1">
+                        <a:lnSpc>
+                          <a:spcPct val="100000"/>
+                        </a:lnSpc>
+                        <a:spcBef>
+                          <a:spcPts val="0"/>
+                        </a:spcBef>
+                        <a:spcAft>
+                          <a:spcPts val="0"/>
+                        </a:spcAft>
+                        <a:buClrTx/>
+                        <a:buSzTx/>
+                        <a:buFontTx/>
+                        <a:buNone/>
+                        <a:tabLst/>
+                        <a:defRPr/>
+                      </a:pPr>
+                      <a:r>
+                        <a:rPr lang="en-US" sz="2800" dirty="0"/>
+                        <a:t>BOOLEAN</a:t>
+                      </a:r>
+                    </a:p>
+                  </a:txBody>
+                  <a:tcPr/>
+                </a:tc>
+                <a:tc>
+                  <a:txBody>
+                    <a:bodyPr/>
+                    <a:lstStyle/>
+                    <a:p>
+                      <a:pPr marL="0" marR="0" lvl="0" indent="0" algn="l" defTabSz="1554480" rtl="0" eaLnBrk="1" fontAlgn="auto" latinLnBrk="0" hangingPunct="1">
+                        <a:lnSpc>
+                          <a:spcPct val="100000"/>
+                        </a:lnSpc>
+                        <a:spcBef>
+                          <a:spcPts val="0"/>
+                        </a:spcBef>
+                        <a:spcAft>
+                          <a:spcPts val="0"/>
+                        </a:spcAft>
+                        <a:buClrTx/>
+                        <a:buSzTx/>
+                        <a:buFontTx/>
+                        <a:buNone/>
+                        <a:tabLst/>
+                        <a:defRPr/>
+                      </a:pPr>
+                      <a:endParaRPr lang="en-US" sz="2800" dirty="0"/>
+                    </a:p>
+                  </a:txBody>
+                  <a:tcPr/>
+                </a:tc>
+                <a:tc>
+                  <a:txBody>
+                    <a:bodyPr/>
+                    <a:lstStyle/>
+                    <a:p>
+                      <a:endParaRPr lang="en-US" sz="2800" dirty="0"/>
+                    </a:p>
+                  </a:txBody>
+                  <a:tcPr/>
+                </a:tc>
+                <a:tc>
+                  <a:txBody>
+                    <a:bodyPr/>
+                    <a:lstStyle/>
+                    <a:p>
+                      <a:endParaRPr lang="en-US" sz="2800" dirty="0"/>
+                    </a:p>
+                  </a:txBody>
+                  <a:tcPr/>
+                </a:tc>
+                <a:extLst>
+                  <a:ext uri="{0D108BD9-81ED-4DB2-BD59-A6C34878D82A}">
+                    <a16:rowId xmlns:a16="http://schemas.microsoft.com/office/drawing/2014/main" val="1811404756"/>
+                  </a:ext>
+                </a:extLst>
+              </a:tr>
+              <a:tr h="267459">
+                <a:tc>
+                  <a:txBody>
+                    <a:bodyPr/>
+                    <a:lstStyle/>
+                    <a:p>
+                      <a:pPr marL="0" algn="l" defTabSz="1371600" rtl="0" eaLnBrk="1" latinLnBrk="0" hangingPunct="1"/>
+                      <a:r>
+                        <a:rPr lang="en-US" sz="2400" kern="1200" dirty="0">
+                          <a:solidFill>
+                            <a:schemeClr val="accent1">
+                              <a:lumMod val="75000"/>
+                            </a:schemeClr>
+                          </a:solidFill>
+                          <a:latin typeface="+mn-lt"/>
+                          <a:ea typeface="+mn-ea"/>
+                          <a:cs typeface="+mn-cs"/>
+                        </a:rPr>
+                        <a:t>minOrderReq</a:t>
+                      </a:r>
+                    </a:p>
+                  </a:txBody>
+                  <a:tcPr/>
+                </a:tc>
+                <a:tc>
+                  <a:txBody>
+                    <a:bodyPr/>
+                    <a:lstStyle/>
+                    <a:p>
+                      <a:r>
+                        <a:rPr lang="en-US" sz="2800" dirty="0"/>
+                        <a:t>INT</a:t>
+                      </a:r>
+                    </a:p>
+                  </a:txBody>
+                  <a:tcPr/>
+                </a:tc>
+                <a:tc>
+                  <a:txBody>
+                    <a:bodyPr/>
+                    <a:lstStyle/>
+                    <a:p>
+                      <a:pPr marL="0" marR="0" lvl="0" indent="0" algn="l" defTabSz="1554480" rtl="0" eaLnBrk="1" fontAlgn="auto" latinLnBrk="0" hangingPunct="1">
+                        <a:lnSpc>
+                          <a:spcPct val="100000"/>
+                        </a:lnSpc>
+                        <a:spcBef>
+                          <a:spcPts val="0"/>
+                        </a:spcBef>
+                        <a:spcAft>
+                          <a:spcPts val="0"/>
+                        </a:spcAft>
+                        <a:buClrTx/>
+                        <a:buSzTx/>
+                        <a:buFontTx/>
+                        <a:buNone/>
+                        <a:tabLst/>
+                        <a:defRPr/>
+                      </a:pPr>
+                      <a:endParaRPr lang="en-US" sz="2800" dirty="0"/>
+                    </a:p>
+                  </a:txBody>
+                  <a:tcPr/>
+                </a:tc>
+                <a:tc>
+                  <a:txBody>
+                    <a:bodyPr/>
+                    <a:lstStyle/>
+                    <a:p>
+                      <a:endParaRPr lang="en-US" sz="2800" dirty="0"/>
+                    </a:p>
+                  </a:txBody>
+                  <a:tcPr/>
+                </a:tc>
+                <a:tc>
+                  <a:txBody>
+                    <a:bodyPr/>
+                    <a:lstStyle/>
+                    <a:p>
+                      <a:endParaRPr lang="en-US" sz="2800" dirty="0"/>
+                    </a:p>
+                  </a:txBody>
+                  <a:tcPr/>
+                </a:tc>
+                <a:extLst>
+                  <a:ext uri="{0D108BD9-81ED-4DB2-BD59-A6C34878D82A}">
+                    <a16:rowId xmlns:a16="http://schemas.microsoft.com/office/drawing/2014/main" val="2044672436"/>
+                  </a:ext>
+                </a:extLst>
+              </a:tr>
+              <a:tr h="267459">
+                <a:tc>
+                  <a:txBody>
+                    <a:bodyPr/>
+                    <a:lstStyle/>
+                    <a:p>
+                      <a:pPr marL="0" algn="l" defTabSz="1371600" rtl="0" eaLnBrk="1" latinLnBrk="0" hangingPunct="1"/>
+                      <a:r>
+                        <a:rPr lang="en-US" sz="2400" kern="1200" dirty="0">
+                          <a:solidFill>
+                            <a:schemeClr val="accent1">
+                              <a:lumMod val="75000"/>
+                            </a:schemeClr>
+                          </a:solidFill>
+                          <a:latin typeface="+mn-lt"/>
+                          <a:ea typeface="+mn-ea"/>
+                          <a:cs typeface="+mn-cs"/>
+                        </a:rPr>
+                        <a:t>uom</a:t>
+                      </a:r>
+                    </a:p>
+                  </a:txBody>
+                  <a:tcPr/>
+                </a:tc>
+                <a:tc>
+                  <a:txBody>
+                    <a:bodyPr/>
+                    <a:lstStyle/>
+                    <a:p>
+                      <a:r>
+                        <a:rPr lang="en-US" sz="2800" dirty="0"/>
+                        <a:t>VARCHAR(255)</a:t>
+                      </a:r>
+                    </a:p>
+                  </a:txBody>
+                  <a:tcPr/>
+                </a:tc>
+                <a:tc>
+                  <a:txBody>
+                    <a:bodyPr/>
+                    <a:lstStyle/>
+                    <a:p>
+                      <a:pPr marL="0" marR="0" lvl="0" indent="0" algn="l" defTabSz="1554480" rtl="0" eaLnBrk="1" fontAlgn="auto" latinLnBrk="0" hangingPunct="1">
+                        <a:lnSpc>
+                          <a:spcPct val="100000"/>
+                        </a:lnSpc>
+                        <a:spcBef>
+                          <a:spcPts val="0"/>
+                        </a:spcBef>
+                        <a:spcAft>
+                          <a:spcPts val="0"/>
+                        </a:spcAft>
+                        <a:buClrTx/>
+                        <a:buSzTx/>
+                        <a:buFontTx/>
+                        <a:buNone/>
+                        <a:tabLst/>
+                        <a:defRPr/>
+                      </a:pPr>
+                      <a:endParaRPr lang="en-US" sz="2800" dirty="0"/>
+                    </a:p>
+                  </a:txBody>
+                  <a:tcPr/>
+                </a:tc>
+                <a:tc>
+                  <a:txBody>
+                    <a:bodyPr/>
+                    <a:lstStyle/>
+                    <a:p>
+                      <a:endParaRPr lang="en-US" sz="2800" dirty="0"/>
+                    </a:p>
+                  </a:txBody>
+                  <a:tcPr/>
+                </a:tc>
+                <a:tc>
+                  <a:txBody>
+                    <a:bodyPr/>
+                    <a:lstStyle/>
+                    <a:p>
+                      <a:endParaRPr lang="en-US" sz="2800" dirty="0"/>
+                    </a:p>
+                  </a:txBody>
+                  <a:tcPr/>
+                </a:tc>
+                <a:extLst>
+                  <a:ext uri="{0D108BD9-81ED-4DB2-BD59-A6C34878D82A}">
+                    <a16:rowId xmlns:a16="http://schemas.microsoft.com/office/drawing/2014/main" val="2478531256"/>
                   </a:ext>
                 </a:extLst>
               </a:tr>
@@ -13023,7 +15215,7 @@
                   </a:schemeClr>
                 </a:solidFill>
               </a:rPr>
-              <a:t>Tools</a:t>
+              <a:t>Parts</a:t>
             </a:r>
             <a:endParaRPr lang="en-US" dirty="0">
               <a:solidFill>
@@ -13049,8 +15241,8 @@
         </p:nvSpPr>
         <p:spPr>
           <a:xfrm>
-            <a:off x="2310939" y="8545485"/>
-            <a:ext cx="10839797" cy="646331"/>
+            <a:off x="2352500" y="11903818"/>
+            <a:ext cx="10839797" cy="1477328"/>
           </a:xfrm>
           <a:prstGeom prst="rect">
             <a:avLst/>
@@ -13065,177 +15257,11 @@
           <a:p>
             <a:r>
               <a:rPr lang="en-US" dirty="0"/>
-              <a:t>CREATE TABLE tools(id INT AUTO_INCREMENT PRIMARY KEY, num VARCHAR(255) NOT NULL, description VARCHAR(255) NOT NULL);  </a:t>
+              <a:t>CREATE TABLE parts(id INT AUTO_INCREMENT PRIMARY KEY, category TINYINT NOT NULL, spare BOOLEAN, description VARCHAR(255) NOT NULL, commonCode VARCHAR(255), vendor INT, vendorPartNo VARCHAR(255), vendorLeadTime VARCHAR(255), mortechLeadTime VARCHAR(255), cost DECIMAL(13,2) NOT NULL, price DECIMAL(13,2), sd1500 BOOLEAN, sd1500s BOOLEAN, sdx BOOLEAN, hd2500 BOOLEAN, hdx BOOLEAN, minOrderReq INT, uom VARCHAR(255), FOREIGN KEY(vendor) REFERENCES vendors(id));  </a:t>
             </a:r>
           </a:p>
         </p:txBody>
       </p:sp>
-      <p:grpSp>
-        <p:nvGrpSpPr>
-          <p:cNvPr id="5" name="Group 4">
-            <a:extLst>
-              <a:ext uri="{FF2B5EF4-FFF2-40B4-BE49-F238E27FC236}">
-                <a16:creationId xmlns:a16="http://schemas.microsoft.com/office/drawing/2014/main" id="{BDF770D3-C09E-4B06-8E59-83B228AF8D47}"/>
-              </a:ext>
-            </a:extLst>
-          </p:cNvPr>
-          <p:cNvGrpSpPr/>
-          <p:nvPr/>
-        </p:nvGrpSpPr>
-        <p:grpSpPr>
-          <a:xfrm>
-            <a:off x="12355210" y="11602898"/>
-            <a:ext cx="1373226" cy="1116185"/>
-            <a:chOff x="8672659" y="9889866"/>
-            <a:chExt cx="1373226" cy="1116185"/>
-          </a:xfrm>
-        </p:grpSpPr>
-        <p:sp>
-          <p:nvSpPr>
-            <p:cNvPr id="6" name="Rectangle: Rounded Corners 5">
-              <a:extLst>
-                <a:ext uri="{FF2B5EF4-FFF2-40B4-BE49-F238E27FC236}">
-                  <a16:creationId xmlns:a16="http://schemas.microsoft.com/office/drawing/2014/main" id="{CCB9AFBC-E592-4611-9E9C-6C6E9584E92C}"/>
-                </a:ext>
-              </a:extLst>
-            </p:cNvPr>
-            <p:cNvSpPr/>
-            <p:nvPr/>
-          </p:nvSpPr>
-          <p:spPr>
-            <a:xfrm>
-              <a:off x="8672659" y="9889866"/>
-              <a:ext cx="1373226" cy="1116185"/>
-            </a:xfrm>
-            <a:prstGeom prst="roundRect">
-              <a:avLst/>
-            </a:prstGeom>
-            <a:noFill/>
-          </p:spPr>
-          <p:style>
-            <a:lnRef idx="2">
-              <a:schemeClr val="accent1">
-                <a:shade val="50000"/>
-              </a:schemeClr>
-            </a:lnRef>
-            <a:fillRef idx="1">
-              <a:schemeClr val="accent1"/>
-            </a:fillRef>
-            <a:effectRef idx="0">
-              <a:schemeClr val="accent1"/>
-            </a:effectRef>
-            <a:fontRef idx="minor">
-              <a:schemeClr val="lt1"/>
-            </a:fontRef>
-          </p:style>
-          <p:txBody>
-            <a:bodyPr rot="0" spcFirstLastPara="0" vertOverflow="overflow" horzOverflow="overflow" vert="horz" wrap="square" lIns="91345" tIns="45672" rIns="91345" bIns="45672" numCol="1" spcCol="0" rtlCol="0" fromWordArt="0" anchor="b" anchorCtr="0" forceAA="0" compatLnSpc="1">
-              <a:prstTxWarp prst="textNoShape">
-                <a:avLst/>
-              </a:prstTxWarp>
-              <a:noAutofit/>
-            </a:bodyPr>
-            <a:lstStyle/>
-            <a:p>
-              <a:r>
-                <a:rPr lang="en-US" sz="1200" b="1" dirty="0">
-                  <a:solidFill>
-                    <a:schemeClr val="accent1">
-                      <a:lumMod val="75000"/>
-                    </a:schemeClr>
-                  </a:solidFill>
-                </a:rPr>
-                <a:t>Id</a:t>
-              </a:r>
-            </a:p>
-            <a:p>
-              <a:r>
-                <a:rPr lang="en-US" sz="1200" b="1" dirty="0">
-                  <a:solidFill>
-                    <a:schemeClr val="accent1">
-                      <a:lumMod val="75000"/>
-                    </a:schemeClr>
-                  </a:solidFill>
-                </a:rPr>
-                <a:t>num</a:t>
-              </a:r>
-              <a:endParaRPr lang="en-US" sz="1200" dirty="0">
-                <a:solidFill>
-                  <a:schemeClr val="accent1">
-                    <a:lumMod val="75000"/>
-                  </a:schemeClr>
-                </a:solidFill>
-              </a:endParaRPr>
-            </a:p>
-            <a:p>
-              <a:r>
-                <a:rPr lang="en-US" sz="1200" dirty="0">
-                  <a:solidFill>
-                    <a:schemeClr val="accent1">
-                      <a:lumMod val="75000"/>
-                    </a:schemeClr>
-                  </a:solidFill>
-                </a:rPr>
-                <a:t>description</a:t>
-              </a:r>
-            </a:p>
-          </p:txBody>
-        </p:sp>
-        <p:sp>
-          <p:nvSpPr>
-            <p:cNvPr id="7" name="Rectangle: Rounded Corners 6">
-              <a:extLst>
-                <a:ext uri="{FF2B5EF4-FFF2-40B4-BE49-F238E27FC236}">
-                  <a16:creationId xmlns:a16="http://schemas.microsoft.com/office/drawing/2014/main" id="{D7BBFB15-5075-403C-BB4C-55BC7FA30A7A}"/>
-                </a:ext>
-              </a:extLst>
-            </p:cNvPr>
-            <p:cNvSpPr/>
-            <p:nvPr/>
-          </p:nvSpPr>
-          <p:spPr>
-            <a:xfrm>
-              <a:off x="8672659" y="9889866"/>
-              <a:ext cx="1373226" cy="420440"/>
-            </a:xfrm>
-            <a:prstGeom prst="roundRect">
-              <a:avLst/>
-            </a:prstGeom>
-          </p:spPr>
-          <p:style>
-            <a:lnRef idx="2">
-              <a:schemeClr val="accent1">
-                <a:shade val="50000"/>
-              </a:schemeClr>
-            </a:lnRef>
-            <a:fillRef idx="1">
-              <a:schemeClr val="accent1"/>
-            </a:fillRef>
-            <a:effectRef idx="0">
-              <a:schemeClr val="accent1"/>
-            </a:effectRef>
-            <a:fontRef idx="minor">
-              <a:schemeClr val="lt1"/>
-            </a:fontRef>
-          </p:style>
-          <p:txBody>
-            <a:bodyPr rot="0" spcFirstLastPara="0" vertOverflow="overflow" horzOverflow="overflow" vert="horz" wrap="square" lIns="91345" tIns="45672" rIns="91345" bIns="45672" numCol="1" spcCol="0" rtlCol="0" fromWordArt="0" anchor="ctr" anchorCtr="0" forceAA="0" compatLnSpc="1">
-              <a:prstTxWarp prst="textNoShape">
-                <a:avLst/>
-              </a:prstTxWarp>
-              <a:noAutofit/>
-            </a:bodyPr>
-            <a:lstStyle/>
-            <a:p>
-              <a:pPr algn="ctr"/>
-              <a:r>
-                <a:rPr lang="en-US" sz="1200" dirty="0"/>
-                <a:t>Tools</a:t>
-              </a:r>
-            </a:p>
-          </p:txBody>
-        </p:sp>
-      </p:grpSp>
     </p:spTree>
     <p:extLst>
       <p:ext uri="{BB962C8B-B14F-4D97-AF65-F5344CB8AC3E}">
@@ -13281,6 +15307,3381 @@
           <p:nvPr>
             <p:extLst>
               <p:ext uri="{D42A27DB-BD31-4B8C-83A1-F6EECF244321}">
+                <p14:modId xmlns:p14="http://schemas.microsoft.com/office/powerpoint/2010/main" val="301918097"/>
+              </p:ext>
+            </p:extLst>
+          </p:nvPr>
+        </p:nvGraphicFramePr>
+        <p:xfrm>
+          <a:off x="1388226" y="1165850"/>
+          <a:ext cx="12768349" cy="4096512"/>
+        </p:xfrm>
+        <a:graphic>
+          <a:graphicData uri="http://schemas.openxmlformats.org/drawingml/2006/table">
+            <a:tbl>
+              <a:tblPr firstRow="1" bandRow="1">
+                <a:tableStyleId>{5C22544A-7EE6-4342-B048-85BDC9FD1C3A}</a:tableStyleId>
+              </a:tblPr>
+              <a:tblGrid>
+                <a:gridCol w="2194560">
+                  <a:extLst>
+                    <a:ext uri="{9D8B030D-6E8A-4147-A177-3AD203B41FA5}">
+                      <a16:colId xmlns:a16="http://schemas.microsoft.com/office/drawing/2014/main" val="4212076426"/>
+                    </a:ext>
+                  </a:extLst>
+                </a:gridCol>
+                <a:gridCol w="1280160">
+                  <a:extLst>
+                    <a:ext uri="{9D8B030D-6E8A-4147-A177-3AD203B41FA5}">
+                      <a16:colId xmlns:a16="http://schemas.microsoft.com/office/drawing/2014/main" val="3194676290"/>
+                    </a:ext>
+                  </a:extLst>
+                </a:gridCol>
+                <a:gridCol w="2061556">
+                  <a:extLst>
+                    <a:ext uri="{9D8B030D-6E8A-4147-A177-3AD203B41FA5}">
+                      <a16:colId xmlns:a16="http://schemas.microsoft.com/office/drawing/2014/main" val="1043220631"/>
+                    </a:ext>
+                  </a:extLst>
+                </a:gridCol>
+                <a:gridCol w="2310938">
+                  <a:extLst>
+                    <a:ext uri="{9D8B030D-6E8A-4147-A177-3AD203B41FA5}">
+                      <a16:colId xmlns:a16="http://schemas.microsoft.com/office/drawing/2014/main" val="2850652227"/>
+                    </a:ext>
+                  </a:extLst>
+                </a:gridCol>
+                <a:gridCol w="4921135">
+                  <a:extLst>
+                    <a:ext uri="{9D8B030D-6E8A-4147-A177-3AD203B41FA5}">
+                      <a16:colId xmlns:a16="http://schemas.microsoft.com/office/drawing/2014/main" val="1109386841"/>
+                    </a:ext>
+                  </a:extLst>
+                </a:gridCol>
+              </a:tblGrid>
+              <a:tr h="273858">
+                <a:tc>
+                  <a:txBody>
+                    <a:bodyPr/>
+                    <a:lstStyle/>
+                    <a:p>
+                      <a:r>
+                        <a:rPr lang="en-US" dirty="0"/>
+                        <a:t>Field name</a:t>
+                      </a:r>
+                    </a:p>
+                  </a:txBody>
+                  <a:tcPr/>
+                </a:tc>
+                <a:tc>
+                  <a:txBody>
+                    <a:bodyPr/>
+                    <a:lstStyle/>
+                    <a:p>
+                      <a:r>
+                        <a:rPr lang="en-US" dirty="0"/>
+                        <a:t>Type</a:t>
+                      </a:r>
+                    </a:p>
+                  </a:txBody>
+                  <a:tcPr/>
+                </a:tc>
+                <a:tc>
+                  <a:txBody>
+                    <a:bodyPr/>
+                    <a:lstStyle/>
+                    <a:p>
+                      <a:r>
+                        <a:rPr lang="en-US" dirty="0"/>
+                        <a:t>Null</a:t>
+                      </a:r>
+                    </a:p>
+                  </a:txBody>
+                  <a:tcPr/>
+                </a:tc>
+                <a:tc>
+                  <a:txBody>
+                    <a:bodyPr/>
+                    <a:lstStyle/>
+                    <a:p>
+                      <a:r>
+                        <a:rPr lang="en-US" dirty="0"/>
+                        <a:t>PK</a:t>
+                      </a:r>
+                    </a:p>
+                  </a:txBody>
+                  <a:tcPr/>
+                </a:tc>
+                <a:tc>
+                  <a:txBody>
+                    <a:bodyPr/>
+                    <a:lstStyle/>
+                    <a:p>
+                      <a:r>
+                        <a:rPr lang="en-US" dirty="0"/>
+                        <a:t>FK</a:t>
+                      </a:r>
+                    </a:p>
+                  </a:txBody>
+                  <a:tcPr/>
+                </a:tc>
+                <a:extLst>
+                  <a:ext uri="{0D108BD9-81ED-4DB2-BD59-A6C34878D82A}">
+                    <a16:rowId xmlns:a16="http://schemas.microsoft.com/office/drawing/2014/main" val="1161880616"/>
+                  </a:ext>
+                </a:extLst>
+              </a:tr>
+              <a:tr h="370840">
+                <a:tc>
+                  <a:txBody>
+                    <a:bodyPr/>
+                    <a:lstStyle/>
+                    <a:p>
+                      <a:r>
+                        <a:rPr lang="en-US" sz="2800" b="1" dirty="0">
+                          <a:solidFill>
+                            <a:schemeClr val="accent1">
+                              <a:lumMod val="75000"/>
+                            </a:schemeClr>
+                          </a:solidFill>
+                        </a:rPr>
+                        <a:t>id</a:t>
+                      </a:r>
+                    </a:p>
+                  </a:txBody>
+                  <a:tcPr/>
+                </a:tc>
+                <a:tc>
+                  <a:txBody>
+                    <a:bodyPr/>
+                    <a:lstStyle/>
+                    <a:p>
+                      <a:r>
+                        <a:rPr lang="en-US" dirty="0"/>
+                        <a:t>INT</a:t>
+                      </a:r>
+                    </a:p>
+                  </a:txBody>
+                  <a:tcPr/>
+                </a:tc>
+                <a:tc>
+                  <a:txBody>
+                    <a:bodyPr/>
+                    <a:lstStyle/>
+                    <a:p>
+                      <a:r>
+                        <a:rPr lang="en-US" dirty="0"/>
+                        <a:t>AUTO-INCREMENT</a:t>
+                      </a:r>
+                    </a:p>
+                  </a:txBody>
+                  <a:tcPr/>
+                </a:tc>
+                <a:tc>
+                  <a:txBody>
+                    <a:bodyPr/>
+                    <a:lstStyle/>
+                    <a:p>
+                      <a:r>
+                        <a:rPr lang="en-US" dirty="0"/>
+                        <a:t>PRIMARY KEY</a:t>
+                      </a:r>
+                    </a:p>
+                  </a:txBody>
+                  <a:tcPr/>
+                </a:tc>
+                <a:tc>
+                  <a:txBody>
+                    <a:bodyPr/>
+                    <a:lstStyle/>
+                    <a:p>
+                      <a:endParaRPr lang="en-US" dirty="0"/>
+                    </a:p>
+                  </a:txBody>
+                  <a:tcPr/>
+                </a:tc>
+                <a:extLst>
+                  <a:ext uri="{0D108BD9-81ED-4DB2-BD59-A6C34878D82A}">
+                    <a16:rowId xmlns:a16="http://schemas.microsoft.com/office/drawing/2014/main" val="416920414"/>
+                  </a:ext>
+                </a:extLst>
+              </a:tr>
+              <a:tr h="370840">
+                <a:tc>
+                  <a:txBody>
+                    <a:bodyPr/>
+                    <a:lstStyle/>
+                    <a:p>
+                      <a:r>
+                        <a:rPr lang="en-US" sz="2800" kern="1200" dirty="0">
+                          <a:solidFill>
+                            <a:schemeClr val="accent1">
+                              <a:lumMod val="75000"/>
+                            </a:schemeClr>
+                          </a:solidFill>
+                          <a:latin typeface="+mn-lt"/>
+                          <a:ea typeface="+mn-ea"/>
+                          <a:cs typeface="+mn-cs"/>
+                        </a:rPr>
+                        <a:t>partId</a:t>
+                      </a:r>
+                    </a:p>
+                  </a:txBody>
+                  <a:tcPr/>
+                </a:tc>
+                <a:tc>
+                  <a:txBody>
+                    <a:bodyPr/>
+                    <a:lstStyle/>
+                    <a:p>
+                      <a:r>
+                        <a:rPr lang="en-US" dirty="0"/>
+                        <a:t>INT</a:t>
+                      </a:r>
+                    </a:p>
+                  </a:txBody>
+                  <a:tcPr/>
+                </a:tc>
+                <a:tc>
+                  <a:txBody>
+                    <a:bodyPr/>
+                    <a:lstStyle/>
+                    <a:p>
+                      <a:r>
+                        <a:rPr lang="en-US" dirty="0"/>
+                        <a:t>NOT NULL</a:t>
+                      </a:r>
+                    </a:p>
+                  </a:txBody>
+                  <a:tcPr/>
+                </a:tc>
+                <a:tc>
+                  <a:txBody>
+                    <a:bodyPr/>
+                    <a:lstStyle/>
+                    <a:p>
+                      <a:endParaRPr lang="en-US" dirty="0"/>
+                    </a:p>
+                  </a:txBody>
+                  <a:tcPr/>
+                </a:tc>
+                <a:tc>
+                  <a:txBody>
+                    <a:bodyPr/>
+                    <a:lstStyle/>
+                    <a:p>
+                      <a:pPr marL="0" marR="0" lvl="0" indent="0" algn="l" defTabSz="1371600" rtl="0" eaLnBrk="1" fontAlgn="auto" latinLnBrk="0" hangingPunct="1">
+                        <a:lnSpc>
+                          <a:spcPct val="100000"/>
+                        </a:lnSpc>
+                        <a:spcBef>
+                          <a:spcPts val="0"/>
+                        </a:spcBef>
+                        <a:spcAft>
+                          <a:spcPts val="0"/>
+                        </a:spcAft>
+                        <a:buClrTx/>
+                        <a:buSzTx/>
+                        <a:buFontTx/>
+                        <a:buNone/>
+                        <a:tabLst/>
+                        <a:defRPr/>
+                      </a:pPr>
+                      <a:r>
+                        <a:rPr lang="en-US" dirty="0"/>
+                        <a:t>FOREIGN KEY(partId) REFERENCES parts(id)</a:t>
+                      </a:r>
+                    </a:p>
+                  </a:txBody>
+                  <a:tcPr/>
+                </a:tc>
+                <a:extLst>
+                  <a:ext uri="{0D108BD9-81ED-4DB2-BD59-A6C34878D82A}">
+                    <a16:rowId xmlns:a16="http://schemas.microsoft.com/office/drawing/2014/main" val="2052542108"/>
+                  </a:ext>
+                </a:extLst>
+              </a:tr>
+              <a:tr h="370840">
+                <a:tc>
+                  <a:txBody>
+                    <a:bodyPr/>
+                    <a:lstStyle/>
+                    <a:p>
+                      <a:r>
+                        <a:rPr lang="en-US" sz="2800" kern="1200" dirty="0">
+                          <a:solidFill>
+                            <a:schemeClr val="accent1">
+                              <a:lumMod val="75000"/>
+                            </a:schemeClr>
+                          </a:solidFill>
+                          <a:latin typeface="+mn-lt"/>
+                          <a:ea typeface="+mn-ea"/>
+                          <a:cs typeface="+mn-cs"/>
+                        </a:rPr>
+                        <a:t>jid</a:t>
+                      </a:r>
+                    </a:p>
+                  </a:txBody>
+                  <a:tcPr/>
+                </a:tc>
+                <a:tc>
+                  <a:txBody>
+                    <a:bodyPr/>
+                    <a:lstStyle/>
+                    <a:p>
+                      <a:r>
+                        <a:rPr lang="en-US" dirty="0"/>
+                        <a:t>INT</a:t>
+                      </a:r>
+                    </a:p>
+                  </a:txBody>
+                  <a:tcPr/>
+                </a:tc>
+                <a:tc>
+                  <a:txBody>
+                    <a:bodyPr/>
+                    <a:lstStyle/>
+                    <a:p>
+                      <a:r>
+                        <a:rPr lang="en-US" dirty="0"/>
+                        <a:t>NOT NULL</a:t>
+                      </a:r>
+                    </a:p>
+                  </a:txBody>
+                  <a:tcPr/>
+                </a:tc>
+                <a:tc>
+                  <a:txBody>
+                    <a:bodyPr/>
+                    <a:lstStyle/>
+                    <a:p>
+                      <a:endParaRPr lang="en-US" dirty="0"/>
+                    </a:p>
+                  </a:txBody>
+                  <a:tcPr/>
+                </a:tc>
+                <a:tc>
+                  <a:txBody>
+                    <a:bodyPr/>
+                    <a:lstStyle/>
+                    <a:p>
+                      <a:pPr marL="0" marR="0" lvl="0" indent="0" algn="l" defTabSz="1371600" rtl="0" eaLnBrk="1" fontAlgn="auto" latinLnBrk="0" hangingPunct="1">
+                        <a:lnSpc>
+                          <a:spcPct val="100000"/>
+                        </a:lnSpc>
+                        <a:spcBef>
+                          <a:spcPts val="0"/>
+                        </a:spcBef>
+                        <a:spcAft>
+                          <a:spcPts val="0"/>
+                        </a:spcAft>
+                        <a:buClrTx/>
+                        <a:buSzTx/>
+                        <a:buFontTx/>
+                        <a:buNone/>
+                        <a:tabLst/>
+                        <a:defRPr/>
+                      </a:pPr>
+                      <a:r>
+                        <a:rPr lang="en-US" dirty="0"/>
+                        <a:t>FOREIGN KEY(jid) REFERENCES jobs(id)</a:t>
+                      </a:r>
+                    </a:p>
+                  </a:txBody>
+                  <a:tcPr/>
+                </a:tc>
+                <a:extLst>
+                  <a:ext uri="{0D108BD9-81ED-4DB2-BD59-A6C34878D82A}">
+                    <a16:rowId xmlns:a16="http://schemas.microsoft.com/office/drawing/2014/main" val="3170761660"/>
+                  </a:ext>
+                </a:extLst>
+              </a:tr>
+            </a:tbl>
+          </a:graphicData>
+        </a:graphic>
+      </p:graphicFrame>
+      <p:sp>
+        <p:nvSpPr>
+          <p:cNvPr id="2" name="TextBox 1">
+            <a:extLst>
+              <a:ext uri="{FF2B5EF4-FFF2-40B4-BE49-F238E27FC236}">
+                <a16:creationId xmlns:a16="http://schemas.microsoft.com/office/drawing/2014/main" id="{EB4822A1-97EA-4E11-AF40-DF8A4F2264D4}"/>
+              </a:ext>
+            </a:extLst>
+          </p:cNvPr>
+          <p:cNvSpPr txBox="1"/>
+          <p:nvPr/>
+        </p:nvSpPr>
+        <p:spPr>
+          <a:xfrm>
+            <a:off x="5180906" y="334854"/>
+            <a:ext cx="5182987" cy="830997"/>
+          </a:xfrm>
+          <a:prstGeom prst="rect">
+            <a:avLst/>
+          </a:prstGeom>
+          <a:noFill/>
+        </p:spPr>
+        <p:txBody>
+          <a:bodyPr wrap="square" rtlCol="0">
+            <a:spAutoFit/>
+          </a:bodyPr>
+          <a:lstStyle/>
+          <a:p>
+            <a:pPr algn="ctr"/>
+            <a:r>
+              <a:rPr lang="en-US" sz="4800" dirty="0">
+                <a:solidFill>
+                  <a:schemeClr val="accent1">
+                    <a:lumMod val="75000"/>
+                  </a:schemeClr>
+                </a:solidFill>
+              </a:rPr>
+              <a:t>Parts_On_Jobs</a:t>
+            </a:r>
+            <a:endParaRPr lang="en-US" dirty="0">
+              <a:solidFill>
+                <a:schemeClr val="accent1">
+                  <a:lumMod val="75000"/>
+                </a:schemeClr>
+              </a:solidFill>
+            </a:endParaRPr>
+          </a:p>
+        </p:txBody>
+      </p:sp>
+      <p:sp>
+        <p:nvSpPr>
+          <p:cNvPr id="4" name="TextBox 3">
+            <a:extLst>
+              <a:ext uri="{FF2B5EF4-FFF2-40B4-BE49-F238E27FC236}">
+                <a16:creationId xmlns:a16="http://schemas.microsoft.com/office/drawing/2014/main" id="{C4838403-53DE-4A7B-B4A6-9742F724F66C}"/>
+              </a:ext>
+            </a:extLst>
+          </p:cNvPr>
+          <p:cNvSpPr txBox="1"/>
+          <p:nvPr/>
+        </p:nvSpPr>
+        <p:spPr>
+          <a:xfrm>
+            <a:off x="2310939" y="8545485"/>
+            <a:ext cx="10839797" cy="646331"/>
+          </a:xfrm>
+          <a:prstGeom prst="rect">
+            <a:avLst/>
+          </a:prstGeom>
+          <a:noFill/>
+        </p:spPr>
+        <p:txBody>
+          <a:bodyPr wrap="square" rtlCol="0">
+            <a:spAutoFit/>
+          </a:bodyPr>
+          <a:lstStyle/>
+          <a:p>
+            <a:r>
+              <a:rPr lang="en-US" dirty="0"/>
+              <a:t>CREATE TABLE parts_on_jobs (id INT AUTO_INCREMENT PRIMARY KEY, partId INT NOT NULL, jid INT NOT NULL, FOREIGN KEY(partId) REFERENCES parts(id), FOREIGN KEY(jid) REFERENCES jobs(id));</a:t>
+            </a:r>
+          </a:p>
+        </p:txBody>
+      </p:sp>
+    </p:spTree>
+    <p:extLst>
+      <p:ext uri="{BB962C8B-B14F-4D97-AF65-F5344CB8AC3E}">
+        <p14:creationId xmlns:p14="http://schemas.microsoft.com/office/powerpoint/2010/main" val="703012077"/>
+      </p:ext>
+    </p:extLst>
+  </p:cSld>
+  <p:clrMapOvr>
+    <a:masterClrMapping/>
+  </p:clrMapOvr>
+</p:sld>
+</file>
+
+<file path=ppt/slides/slide19.xml><?xml version="1.0" encoding="utf-8"?>
+<p:sld xmlns:a="http://schemas.openxmlformats.org/drawingml/2006/main" xmlns:r="http://schemas.openxmlformats.org/officeDocument/2006/relationships" xmlns:p="http://schemas.openxmlformats.org/presentationml/2006/main">
+  <p:cSld>
+    <p:spTree>
+      <p:nvGrpSpPr>
+        <p:cNvPr id="1" name=""/>
+        <p:cNvGrpSpPr/>
+        <p:nvPr/>
+      </p:nvGrpSpPr>
+      <p:grpSpPr>
+        <a:xfrm>
+          <a:off x="0" y="0"/>
+          <a:ext cx="0" cy="0"/>
+          <a:chOff x="0" y="0"/>
+          <a:chExt cx="0" cy="0"/>
+        </a:xfrm>
+      </p:grpSpPr>
+      <p:graphicFrame>
+        <p:nvGraphicFramePr>
+          <p:cNvPr id="10" name="Table 9">
+            <a:extLst>
+              <a:ext uri="{FF2B5EF4-FFF2-40B4-BE49-F238E27FC236}">
+                <a16:creationId xmlns:a16="http://schemas.microsoft.com/office/drawing/2014/main" id="{96EC6E0D-13F0-4152-A337-15DFD1F38190}"/>
+              </a:ext>
+            </a:extLst>
+          </p:cNvPr>
+          <p:cNvGraphicFramePr>
+            <a:graphicFrameLocks noGrp="1"/>
+          </p:cNvGraphicFramePr>
+          <p:nvPr>
+            <p:extLst>
+              <p:ext uri="{D42A27DB-BD31-4B8C-83A1-F6EECF244321}">
+                <p14:modId xmlns:p14="http://schemas.microsoft.com/office/powerpoint/2010/main" val="1452892803"/>
+              </p:ext>
+            </p:extLst>
+          </p:nvPr>
+        </p:nvGraphicFramePr>
+        <p:xfrm>
+          <a:off x="1388226" y="1165850"/>
+          <a:ext cx="12768349" cy="2697480"/>
+        </p:xfrm>
+        <a:graphic>
+          <a:graphicData uri="http://schemas.openxmlformats.org/drawingml/2006/table">
+            <a:tbl>
+              <a:tblPr firstRow="1" bandRow="1">
+                <a:tableStyleId>{5C22544A-7EE6-4342-B048-85BDC9FD1C3A}</a:tableStyleId>
+              </a:tblPr>
+              <a:tblGrid>
+                <a:gridCol w="2194560">
+                  <a:extLst>
+                    <a:ext uri="{9D8B030D-6E8A-4147-A177-3AD203B41FA5}">
+                      <a16:colId xmlns:a16="http://schemas.microsoft.com/office/drawing/2014/main" val="4212076426"/>
+                    </a:ext>
+                  </a:extLst>
+                </a:gridCol>
+                <a:gridCol w="2568632">
+                  <a:extLst>
+                    <a:ext uri="{9D8B030D-6E8A-4147-A177-3AD203B41FA5}">
+                      <a16:colId xmlns:a16="http://schemas.microsoft.com/office/drawing/2014/main" val="3194676290"/>
+                    </a:ext>
+                  </a:extLst>
+                </a:gridCol>
+                <a:gridCol w="2793077">
+                  <a:extLst>
+                    <a:ext uri="{9D8B030D-6E8A-4147-A177-3AD203B41FA5}">
+                      <a16:colId xmlns:a16="http://schemas.microsoft.com/office/drawing/2014/main" val="1043220631"/>
+                    </a:ext>
+                  </a:extLst>
+                </a:gridCol>
+                <a:gridCol w="2377440">
+                  <a:extLst>
+                    <a:ext uri="{9D8B030D-6E8A-4147-A177-3AD203B41FA5}">
+                      <a16:colId xmlns:a16="http://schemas.microsoft.com/office/drawing/2014/main" val="2850652227"/>
+                    </a:ext>
+                  </a:extLst>
+                </a:gridCol>
+                <a:gridCol w="2834640">
+                  <a:extLst>
+                    <a:ext uri="{9D8B030D-6E8A-4147-A177-3AD203B41FA5}">
+                      <a16:colId xmlns:a16="http://schemas.microsoft.com/office/drawing/2014/main" val="1109386841"/>
+                    </a:ext>
+                  </a:extLst>
+                </a:gridCol>
+              </a:tblGrid>
+              <a:tr h="273858">
+                <a:tc>
+                  <a:txBody>
+                    <a:bodyPr/>
+                    <a:lstStyle/>
+                    <a:p>
+                      <a:r>
+                        <a:rPr lang="en-US" dirty="0"/>
+                        <a:t>Field name</a:t>
+                      </a:r>
+                    </a:p>
+                  </a:txBody>
+                  <a:tcPr/>
+                </a:tc>
+                <a:tc>
+                  <a:txBody>
+                    <a:bodyPr/>
+                    <a:lstStyle/>
+                    <a:p>
+                      <a:r>
+                        <a:rPr lang="en-US" dirty="0"/>
+                        <a:t>Type</a:t>
+                      </a:r>
+                    </a:p>
+                  </a:txBody>
+                  <a:tcPr/>
+                </a:tc>
+                <a:tc>
+                  <a:txBody>
+                    <a:bodyPr/>
+                    <a:lstStyle/>
+                    <a:p>
+                      <a:r>
+                        <a:rPr lang="en-US" dirty="0"/>
+                        <a:t>Null</a:t>
+                      </a:r>
+                    </a:p>
+                  </a:txBody>
+                  <a:tcPr/>
+                </a:tc>
+                <a:tc>
+                  <a:txBody>
+                    <a:bodyPr/>
+                    <a:lstStyle/>
+                    <a:p>
+                      <a:r>
+                        <a:rPr lang="en-US" dirty="0"/>
+                        <a:t>PK</a:t>
+                      </a:r>
+                    </a:p>
+                  </a:txBody>
+                  <a:tcPr/>
+                </a:tc>
+                <a:tc>
+                  <a:txBody>
+                    <a:bodyPr/>
+                    <a:lstStyle/>
+                    <a:p>
+                      <a:r>
+                        <a:rPr lang="en-US" dirty="0"/>
+                        <a:t>FK</a:t>
+                      </a:r>
+                    </a:p>
+                  </a:txBody>
+                  <a:tcPr/>
+                </a:tc>
+                <a:extLst>
+                  <a:ext uri="{0D108BD9-81ED-4DB2-BD59-A6C34878D82A}">
+                    <a16:rowId xmlns:a16="http://schemas.microsoft.com/office/drawing/2014/main" val="1161880616"/>
+                  </a:ext>
+                </a:extLst>
+              </a:tr>
+              <a:tr h="370840">
+                <a:tc>
+                  <a:txBody>
+                    <a:bodyPr/>
+                    <a:lstStyle/>
+                    <a:p>
+                      <a:r>
+                        <a:rPr lang="en-US" sz="2800" b="1" dirty="0">
+                          <a:solidFill>
+                            <a:schemeClr val="accent1">
+                              <a:lumMod val="75000"/>
+                            </a:schemeClr>
+                          </a:solidFill>
+                        </a:rPr>
+                        <a:t>id</a:t>
+                      </a:r>
+                    </a:p>
+                  </a:txBody>
+                  <a:tcPr/>
+                </a:tc>
+                <a:tc>
+                  <a:txBody>
+                    <a:bodyPr/>
+                    <a:lstStyle/>
+                    <a:p>
+                      <a:r>
+                        <a:rPr lang="en-US" dirty="0"/>
+                        <a:t>INT</a:t>
+                      </a:r>
+                    </a:p>
+                  </a:txBody>
+                  <a:tcPr/>
+                </a:tc>
+                <a:tc>
+                  <a:txBody>
+                    <a:bodyPr/>
+                    <a:lstStyle/>
+                    <a:p>
+                      <a:r>
+                        <a:rPr lang="en-US" dirty="0"/>
+                        <a:t>AUTO-INCREMENT</a:t>
+                      </a:r>
+                    </a:p>
+                  </a:txBody>
+                  <a:tcPr/>
+                </a:tc>
+                <a:tc>
+                  <a:txBody>
+                    <a:bodyPr/>
+                    <a:lstStyle/>
+                    <a:p>
+                      <a:r>
+                        <a:rPr lang="en-US" dirty="0"/>
+                        <a:t>PRIMARY KEY</a:t>
+                      </a:r>
+                    </a:p>
+                  </a:txBody>
+                  <a:tcPr/>
+                </a:tc>
+                <a:tc>
+                  <a:txBody>
+                    <a:bodyPr/>
+                    <a:lstStyle/>
+                    <a:p>
+                      <a:endParaRPr lang="en-US" dirty="0"/>
+                    </a:p>
+                  </a:txBody>
+                  <a:tcPr/>
+                </a:tc>
+                <a:extLst>
+                  <a:ext uri="{0D108BD9-81ED-4DB2-BD59-A6C34878D82A}">
+                    <a16:rowId xmlns:a16="http://schemas.microsoft.com/office/drawing/2014/main" val="416920414"/>
+                  </a:ext>
+                </a:extLst>
+              </a:tr>
+              <a:tr h="370840">
+                <a:tc>
+                  <a:txBody>
+                    <a:bodyPr/>
+                    <a:lstStyle/>
+                    <a:p>
+                      <a:r>
+                        <a:rPr lang="en-US" sz="2800" kern="1200" dirty="0">
+                          <a:solidFill>
+                            <a:schemeClr val="accent1">
+                              <a:lumMod val="75000"/>
+                            </a:schemeClr>
+                          </a:solidFill>
+                          <a:latin typeface="+mn-lt"/>
+                          <a:ea typeface="+mn-ea"/>
+                          <a:cs typeface="+mn-cs"/>
+                        </a:rPr>
+                        <a:t>letter</a:t>
+                      </a:r>
+                    </a:p>
+                  </a:txBody>
+                  <a:tcPr/>
+                </a:tc>
+                <a:tc>
+                  <a:txBody>
+                    <a:bodyPr/>
+                    <a:lstStyle/>
+                    <a:p>
+                      <a:r>
+                        <a:rPr lang="en-US" dirty="0"/>
+                        <a:t>CHAR(1)</a:t>
+                      </a:r>
+                    </a:p>
+                  </a:txBody>
+                  <a:tcPr/>
+                </a:tc>
+                <a:tc>
+                  <a:txBody>
+                    <a:bodyPr/>
+                    <a:lstStyle/>
+                    <a:p>
+                      <a:r>
+                        <a:rPr lang="en-US" dirty="0"/>
+                        <a:t>NOT NULL</a:t>
+                      </a:r>
+                    </a:p>
+                  </a:txBody>
+                  <a:tcPr/>
+                </a:tc>
+                <a:tc>
+                  <a:txBody>
+                    <a:bodyPr/>
+                    <a:lstStyle/>
+                    <a:p>
+                      <a:endParaRPr lang="en-US" dirty="0"/>
+                    </a:p>
+                  </a:txBody>
+                  <a:tcPr/>
+                </a:tc>
+                <a:tc>
+                  <a:txBody>
+                    <a:bodyPr/>
+                    <a:lstStyle/>
+                    <a:p>
+                      <a:pPr marL="0" marR="0" lvl="0" indent="0" algn="l" defTabSz="1371600" rtl="0" eaLnBrk="1" fontAlgn="auto" latinLnBrk="0" hangingPunct="1">
+                        <a:lnSpc>
+                          <a:spcPct val="100000"/>
+                        </a:lnSpc>
+                        <a:spcBef>
+                          <a:spcPts val="0"/>
+                        </a:spcBef>
+                        <a:spcAft>
+                          <a:spcPts val="0"/>
+                        </a:spcAft>
+                        <a:buClrTx/>
+                        <a:buSzTx/>
+                        <a:buFontTx/>
+                        <a:buNone/>
+                        <a:tabLst/>
+                        <a:defRPr/>
+                      </a:pPr>
+                      <a:endParaRPr lang="en-US" dirty="0"/>
+                    </a:p>
+                  </a:txBody>
+                  <a:tcPr/>
+                </a:tc>
+                <a:extLst>
+                  <a:ext uri="{0D108BD9-81ED-4DB2-BD59-A6C34878D82A}">
+                    <a16:rowId xmlns:a16="http://schemas.microsoft.com/office/drawing/2014/main" val="2052542108"/>
+                  </a:ext>
+                </a:extLst>
+              </a:tr>
+              <a:tr h="370840">
+                <a:tc>
+                  <a:txBody>
+                    <a:bodyPr/>
+                    <a:lstStyle/>
+                    <a:p>
+                      <a:r>
+                        <a:rPr lang="en-US" sz="2800" kern="1200" dirty="0">
+                          <a:solidFill>
+                            <a:schemeClr val="accent1">
+                              <a:lumMod val="75000"/>
+                            </a:schemeClr>
+                          </a:solidFill>
+                          <a:latin typeface="+mn-lt"/>
+                          <a:ea typeface="+mn-ea"/>
+                          <a:cs typeface="+mn-cs"/>
+                        </a:rPr>
+                        <a:t>name</a:t>
+                      </a:r>
+                    </a:p>
+                  </a:txBody>
+                  <a:tcPr/>
+                </a:tc>
+                <a:tc>
+                  <a:txBody>
+                    <a:bodyPr/>
+                    <a:lstStyle/>
+                    <a:p>
+                      <a:r>
+                        <a:rPr lang="en-US" dirty="0"/>
+                        <a:t>VARCHAR(255)</a:t>
+                      </a:r>
+                    </a:p>
+                  </a:txBody>
+                  <a:tcPr/>
+                </a:tc>
+                <a:tc>
+                  <a:txBody>
+                    <a:bodyPr/>
+                    <a:lstStyle/>
+                    <a:p>
+                      <a:r>
+                        <a:rPr lang="en-US" dirty="0"/>
+                        <a:t>NOT NULL</a:t>
+                      </a:r>
+                    </a:p>
+                  </a:txBody>
+                  <a:tcPr/>
+                </a:tc>
+                <a:tc>
+                  <a:txBody>
+                    <a:bodyPr/>
+                    <a:lstStyle/>
+                    <a:p>
+                      <a:endParaRPr lang="en-US" dirty="0"/>
+                    </a:p>
+                  </a:txBody>
+                  <a:tcPr/>
+                </a:tc>
+                <a:tc>
+                  <a:txBody>
+                    <a:bodyPr/>
+                    <a:lstStyle/>
+                    <a:p>
+                      <a:pPr marL="0" marR="0" lvl="0" indent="0" algn="l" defTabSz="1371600" rtl="0" eaLnBrk="1" fontAlgn="auto" latinLnBrk="0" hangingPunct="1">
+                        <a:lnSpc>
+                          <a:spcPct val="100000"/>
+                        </a:lnSpc>
+                        <a:spcBef>
+                          <a:spcPts val="0"/>
+                        </a:spcBef>
+                        <a:spcAft>
+                          <a:spcPts val="0"/>
+                        </a:spcAft>
+                        <a:buClrTx/>
+                        <a:buSzTx/>
+                        <a:buFontTx/>
+                        <a:buNone/>
+                        <a:tabLst/>
+                        <a:defRPr/>
+                      </a:pPr>
+                      <a:endParaRPr lang="en-US" dirty="0"/>
+                    </a:p>
+                  </a:txBody>
+                  <a:tcPr/>
+                </a:tc>
+                <a:extLst>
+                  <a:ext uri="{0D108BD9-81ED-4DB2-BD59-A6C34878D82A}">
+                    <a16:rowId xmlns:a16="http://schemas.microsoft.com/office/drawing/2014/main" val="2283336918"/>
+                  </a:ext>
+                </a:extLst>
+              </a:tr>
+            </a:tbl>
+          </a:graphicData>
+        </a:graphic>
+      </p:graphicFrame>
+      <p:sp>
+        <p:nvSpPr>
+          <p:cNvPr id="2" name="TextBox 1">
+            <a:extLst>
+              <a:ext uri="{FF2B5EF4-FFF2-40B4-BE49-F238E27FC236}">
+                <a16:creationId xmlns:a16="http://schemas.microsoft.com/office/drawing/2014/main" id="{EB4822A1-97EA-4E11-AF40-DF8A4F2264D4}"/>
+              </a:ext>
+            </a:extLst>
+          </p:cNvPr>
+          <p:cNvSpPr txBox="1"/>
+          <p:nvPr/>
+        </p:nvSpPr>
+        <p:spPr>
+          <a:xfrm>
+            <a:off x="5180906" y="334854"/>
+            <a:ext cx="5182987" cy="830997"/>
+          </a:xfrm>
+          <a:prstGeom prst="rect">
+            <a:avLst/>
+          </a:prstGeom>
+          <a:noFill/>
+        </p:spPr>
+        <p:txBody>
+          <a:bodyPr wrap="square" rtlCol="0">
+            <a:spAutoFit/>
+          </a:bodyPr>
+          <a:lstStyle/>
+          <a:p>
+            <a:pPr algn="ctr"/>
+            <a:r>
+              <a:rPr lang="en-US" sz="4800" dirty="0" err="1">
+                <a:solidFill>
+                  <a:schemeClr val="accent1">
+                    <a:lumMod val="75000"/>
+                  </a:schemeClr>
+                </a:solidFill>
+              </a:rPr>
+              <a:t>Part_Categories</a:t>
+            </a:r>
+            <a:endParaRPr lang="en-US" sz="4800" dirty="0">
+              <a:solidFill>
+                <a:schemeClr val="accent1">
+                  <a:lumMod val="75000"/>
+                </a:schemeClr>
+              </a:solidFill>
+            </a:endParaRPr>
+          </a:p>
+        </p:txBody>
+      </p:sp>
+      <p:sp>
+        <p:nvSpPr>
+          <p:cNvPr id="4" name="TextBox 3">
+            <a:extLst>
+              <a:ext uri="{FF2B5EF4-FFF2-40B4-BE49-F238E27FC236}">
+                <a16:creationId xmlns:a16="http://schemas.microsoft.com/office/drawing/2014/main" id="{C4838403-53DE-4A7B-B4A6-9742F724F66C}"/>
+              </a:ext>
+            </a:extLst>
+          </p:cNvPr>
+          <p:cNvSpPr txBox="1"/>
+          <p:nvPr/>
+        </p:nvSpPr>
+        <p:spPr>
+          <a:xfrm>
+            <a:off x="2310939" y="8545485"/>
+            <a:ext cx="10839797" cy="646331"/>
+          </a:xfrm>
+          <a:prstGeom prst="rect">
+            <a:avLst/>
+          </a:prstGeom>
+          <a:noFill/>
+        </p:spPr>
+        <p:txBody>
+          <a:bodyPr wrap="square" rtlCol="0">
+            <a:spAutoFit/>
+          </a:bodyPr>
+          <a:lstStyle/>
+          <a:p>
+            <a:r>
+              <a:rPr lang="en-US" dirty="0"/>
+              <a:t>CREATE TABLE </a:t>
+            </a:r>
+            <a:r>
+              <a:rPr lang="en-US" dirty="0" err="1"/>
+              <a:t>part_categories</a:t>
+            </a:r>
+            <a:r>
+              <a:rPr lang="en-US" dirty="0"/>
+              <a:t> (id INT AUTO_INCREMENT PRIMARY KEY, letter CHAR(1) NOT NULL, name VARCHAR(255) NOT NULL);</a:t>
+            </a:r>
+          </a:p>
+        </p:txBody>
+      </p:sp>
+    </p:spTree>
+    <p:extLst>
+      <p:ext uri="{BB962C8B-B14F-4D97-AF65-F5344CB8AC3E}">
+        <p14:creationId xmlns:p14="http://schemas.microsoft.com/office/powerpoint/2010/main" val="867996625"/>
+      </p:ext>
+    </p:extLst>
+  </p:cSld>
+  <p:clrMapOvr>
+    <a:masterClrMapping/>
+  </p:clrMapOvr>
+</p:sld>
+</file>
+
+<file path=ppt/slides/slide2.xml><?xml version="1.0" encoding="utf-8"?>
+<p:sld xmlns:a="http://schemas.openxmlformats.org/drawingml/2006/main" xmlns:r="http://schemas.openxmlformats.org/officeDocument/2006/relationships" xmlns:p="http://schemas.openxmlformats.org/presentationml/2006/main">
+  <p:cSld>
+    <p:spTree>
+      <p:nvGrpSpPr>
+        <p:cNvPr id="1" name=""/>
+        <p:cNvGrpSpPr/>
+        <p:nvPr/>
+      </p:nvGrpSpPr>
+      <p:grpSpPr>
+        <a:xfrm>
+          <a:off x="0" y="0"/>
+          <a:ext cx="0" cy="0"/>
+          <a:chOff x="0" y="0"/>
+          <a:chExt cx="0" cy="0"/>
+        </a:xfrm>
+      </p:grpSpPr>
+      <p:graphicFrame>
+        <p:nvGraphicFramePr>
+          <p:cNvPr id="10" name="Table 9">
+            <a:extLst>
+              <a:ext uri="{FF2B5EF4-FFF2-40B4-BE49-F238E27FC236}">
+                <a16:creationId xmlns:a16="http://schemas.microsoft.com/office/drawing/2014/main" id="{96EC6E0D-13F0-4152-A337-15DFD1F38190}"/>
+              </a:ext>
+            </a:extLst>
+          </p:cNvPr>
+          <p:cNvGraphicFramePr>
+            <a:graphicFrameLocks noGrp="1"/>
+          </p:cNvGraphicFramePr>
+          <p:nvPr>
+            <p:extLst>
+              <p:ext uri="{D42A27DB-BD31-4B8C-83A1-F6EECF244321}">
+                <p14:modId xmlns:p14="http://schemas.microsoft.com/office/powerpoint/2010/main" val="991066075"/>
+              </p:ext>
+            </p:extLst>
+          </p:nvPr>
+        </p:nvGraphicFramePr>
+        <p:xfrm>
+          <a:off x="1388226" y="1165850"/>
+          <a:ext cx="12768349" cy="12018264"/>
+        </p:xfrm>
+        <a:graphic>
+          <a:graphicData uri="http://schemas.openxmlformats.org/drawingml/2006/table">
+            <a:tbl>
+              <a:tblPr firstRow="1" bandRow="1">
+                <a:tableStyleId>{5C22544A-7EE6-4342-B048-85BDC9FD1C3A}</a:tableStyleId>
+              </a:tblPr>
+              <a:tblGrid>
+                <a:gridCol w="2194560">
+                  <a:extLst>
+                    <a:ext uri="{9D8B030D-6E8A-4147-A177-3AD203B41FA5}">
+                      <a16:colId xmlns:a16="http://schemas.microsoft.com/office/drawing/2014/main" val="4212076426"/>
+                    </a:ext>
+                  </a:extLst>
+                </a:gridCol>
+                <a:gridCol w="1280160">
+                  <a:extLst>
+                    <a:ext uri="{9D8B030D-6E8A-4147-A177-3AD203B41FA5}">
+                      <a16:colId xmlns:a16="http://schemas.microsoft.com/office/drawing/2014/main" val="3194676290"/>
+                    </a:ext>
+                  </a:extLst>
+                </a:gridCol>
+                <a:gridCol w="2061556">
+                  <a:extLst>
+                    <a:ext uri="{9D8B030D-6E8A-4147-A177-3AD203B41FA5}">
+                      <a16:colId xmlns:a16="http://schemas.microsoft.com/office/drawing/2014/main" val="1043220631"/>
+                    </a:ext>
+                  </a:extLst>
+                </a:gridCol>
+                <a:gridCol w="2310938">
+                  <a:extLst>
+                    <a:ext uri="{9D8B030D-6E8A-4147-A177-3AD203B41FA5}">
+                      <a16:colId xmlns:a16="http://schemas.microsoft.com/office/drawing/2014/main" val="2850652227"/>
+                    </a:ext>
+                  </a:extLst>
+                </a:gridCol>
+                <a:gridCol w="4921135">
+                  <a:extLst>
+                    <a:ext uri="{9D8B030D-6E8A-4147-A177-3AD203B41FA5}">
+                      <a16:colId xmlns:a16="http://schemas.microsoft.com/office/drawing/2014/main" val="1109386841"/>
+                    </a:ext>
+                  </a:extLst>
+                </a:gridCol>
+              </a:tblGrid>
+              <a:tr h="273858">
+                <a:tc>
+                  <a:txBody>
+                    <a:bodyPr/>
+                    <a:lstStyle/>
+                    <a:p>
+                      <a:r>
+                        <a:rPr lang="en-US" dirty="0"/>
+                        <a:t>Field name</a:t>
+                      </a:r>
+                    </a:p>
+                  </a:txBody>
+                  <a:tcPr/>
+                </a:tc>
+                <a:tc>
+                  <a:txBody>
+                    <a:bodyPr/>
+                    <a:lstStyle/>
+                    <a:p>
+                      <a:r>
+                        <a:rPr lang="en-US" dirty="0"/>
+                        <a:t>Type</a:t>
+                      </a:r>
+                    </a:p>
+                  </a:txBody>
+                  <a:tcPr/>
+                </a:tc>
+                <a:tc>
+                  <a:txBody>
+                    <a:bodyPr/>
+                    <a:lstStyle/>
+                    <a:p>
+                      <a:r>
+                        <a:rPr lang="en-US" dirty="0"/>
+                        <a:t>Null</a:t>
+                      </a:r>
+                    </a:p>
+                  </a:txBody>
+                  <a:tcPr/>
+                </a:tc>
+                <a:tc>
+                  <a:txBody>
+                    <a:bodyPr/>
+                    <a:lstStyle/>
+                    <a:p>
+                      <a:r>
+                        <a:rPr lang="en-US" dirty="0"/>
+                        <a:t>PK</a:t>
+                      </a:r>
+                    </a:p>
+                  </a:txBody>
+                  <a:tcPr/>
+                </a:tc>
+                <a:tc>
+                  <a:txBody>
+                    <a:bodyPr/>
+                    <a:lstStyle/>
+                    <a:p>
+                      <a:r>
+                        <a:rPr lang="en-US" dirty="0"/>
+                        <a:t>FK</a:t>
+                      </a:r>
+                    </a:p>
+                  </a:txBody>
+                  <a:tcPr/>
+                </a:tc>
+                <a:extLst>
+                  <a:ext uri="{0D108BD9-81ED-4DB2-BD59-A6C34878D82A}">
+                    <a16:rowId xmlns:a16="http://schemas.microsoft.com/office/drawing/2014/main" val="1161880616"/>
+                  </a:ext>
+                </a:extLst>
+              </a:tr>
+              <a:tr h="370840">
+                <a:tc>
+                  <a:txBody>
+                    <a:bodyPr/>
+                    <a:lstStyle/>
+                    <a:p>
+                      <a:r>
+                        <a:rPr lang="en-US" sz="2800" b="1" dirty="0">
+                          <a:solidFill>
+                            <a:schemeClr val="accent1">
+                              <a:lumMod val="75000"/>
+                            </a:schemeClr>
+                          </a:solidFill>
+                        </a:rPr>
+                        <a:t>id</a:t>
+                      </a:r>
+                    </a:p>
+                  </a:txBody>
+                  <a:tcPr/>
+                </a:tc>
+                <a:tc>
+                  <a:txBody>
+                    <a:bodyPr/>
+                    <a:lstStyle/>
+                    <a:p>
+                      <a:r>
+                        <a:rPr lang="en-US" dirty="0"/>
+                        <a:t>INT</a:t>
+                      </a:r>
+                    </a:p>
+                  </a:txBody>
+                  <a:tcPr/>
+                </a:tc>
+                <a:tc>
+                  <a:txBody>
+                    <a:bodyPr/>
+                    <a:lstStyle/>
+                    <a:p>
+                      <a:r>
+                        <a:rPr lang="en-US" dirty="0"/>
+                        <a:t>AUTO-INCREMENT</a:t>
+                      </a:r>
+                    </a:p>
+                  </a:txBody>
+                  <a:tcPr/>
+                </a:tc>
+                <a:tc>
+                  <a:txBody>
+                    <a:bodyPr/>
+                    <a:lstStyle/>
+                    <a:p>
+                      <a:r>
+                        <a:rPr lang="en-US" dirty="0"/>
+                        <a:t>PRIMARY KEY</a:t>
+                      </a:r>
+                    </a:p>
+                  </a:txBody>
+                  <a:tcPr/>
+                </a:tc>
+                <a:tc>
+                  <a:txBody>
+                    <a:bodyPr/>
+                    <a:lstStyle/>
+                    <a:p>
+                      <a:endParaRPr lang="en-US" dirty="0"/>
+                    </a:p>
+                  </a:txBody>
+                  <a:tcPr/>
+                </a:tc>
+                <a:extLst>
+                  <a:ext uri="{0D108BD9-81ED-4DB2-BD59-A6C34878D82A}">
+                    <a16:rowId xmlns:a16="http://schemas.microsoft.com/office/drawing/2014/main" val="416920414"/>
+                  </a:ext>
+                </a:extLst>
+              </a:tr>
+              <a:tr h="370840">
+                <a:tc>
+                  <a:txBody>
+                    <a:bodyPr/>
+                    <a:lstStyle/>
+                    <a:p>
+                      <a:r>
+                        <a:rPr lang="en-US" sz="2800" kern="1200" dirty="0">
+                          <a:solidFill>
+                            <a:schemeClr val="accent1">
+                              <a:lumMod val="75000"/>
+                            </a:schemeClr>
+                          </a:solidFill>
+                          <a:latin typeface="+mn-lt"/>
+                          <a:ea typeface="+mn-ea"/>
+                          <a:cs typeface="+mn-cs"/>
+                        </a:rPr>
+                        <a:t>jid</a:t>
+                      </a:r>
+                    </a:p>
+                  </a:txBody>
+                  <a:tcPr/>
+                </a:tc>
+                <a:tc>
+                  <a:txBody>
+                    <a:bodyPr/>
+                    <a:lstStyle/>
+                    <a:p>
+                      <a:r>
+                        <a:rPr lang="en-US" dirty="0"/>
+                        <a:t>INT</a:t>
+                      </a:r>
+                    </a:p>
+                  </a:txBody>
+                  <a:tcPr/>
+                </a:tc>
+                <a:tc>
+                  <a:txBody>
+                    <a:bodyPr/>
+                    <a:lstStyle/>
+                    <a:p>
+                      <a:r>
+                        <a:rPr lang="en-US" dirty="0"/>
+                        <a:t>NOT NULL</a:t>
+                      </a:r>
+                    </a:p>
+                  </a:txBody>
+                  <a:tcPr/>
+                </a:tc>
+                <a:tc>
+                  <a:txBody>
+                    <a:bodyPr/>
+                    <a:lstStyle/>
+                    <a:p>
+                      <a:endParaRPr lang="en-US" dirty="0"/>
+                    </a:p>
+                  </a:txBody>
+                  <a:tcPr/>
+                </a:tc>
+                <a:tc>
+                  <a:txBody>
+                    <a:bodyPr/>
+                    <a:lstStyle/>
+                    <a:p>
+                      <a:endParaRPr lang="en-US" dirty="0"/>
+                    </a:p>
+                  </a:txBody>
+                  <a:tcPr/>
+                </a:tc>
+                <a:extLst>
+                  <a:ext uri="{0D108BD9-81ED-4DB2-BD59-A6C34878D82A}">
+                    <a16:rowId xmlns:a16="http://schemas.microsoft.com/office/drawing/2014/main" val="1724928147"/>
+                  </a:ext>
+                </a:extLst>
+              </a:tr>
+              <a:tr h="370840">
+                <a:tc>
+                  <a:txBody>
+                    <a:bodyPr/>
+                    <a:lstStyle/>
+                    <a:p>
+                      <a:r>
+                        <a:rPr lang="en-US" sz="2800" kern="1200" dirty="0">
+                          <a:solidFill>
+                            <a:schemeClr val="accent1">
+                              <a:lumMod val="75000"/>
+                            </a:schemeClr>
+                          </a:solidFill>
+                          <a:latin typeface="+mn-lt"/>
+                          <a:ea typeface="+mn-ea"/>
+                          <a:cs typeface="+mn-cs"/>
+                        </a:rPr>
+                        <a:t>year</a:t>
+                      </a:r>
+                    </a:p>
+                  </a:txBody>
+                  <a:tcPr/>
+                </a:tc>
+                <a:tc>
+                  <a:txBody>
+                    <a:bodyPr/>
+                    <a:lstStyle/>
+                    <a:p>
+                      <a:r>
+                        <a:rPr lang="en-US" dirty="0"/>
+                        <a:t>INT</a:t>
+                      </a:r>
+                    </a:p>
+                  </a:txBody>
+                  <a:tcPr/>
+                </a:tc>
+                <a:tc>
+                  <a:txBody>
+                    <a:bodyPr/>
+                    <a:lstStyle/>
+                    <a:p>
+                      <a:r>
+                        <a:rPr lang="en-US" dirty="0"/>
+                        <a:t>NOT NULL</a:t>
+                      </a:r>
+                    </a:p>
+                  </a:txBody>
+                  <a:tcPr/>
+                </a:tc>
+                <a:tc>
+                  <a:txBody>
+                    <a:bodyPr/>
+                    <a:lstStyle/>
+                    <a:p>
+                      <a:endParaRPr lang="en-US" dirty="0"/>
+                    </a:p>
+                  </a:txBody>
+                  <a:tcPr/>
+                </a:tc>
+                <a:tc>
+                  <a:txBody>
+                    <a:bodyPr/>
+                    <a:lstStyle/>
+                    <a:p>
+                      <a:endParaRPr lang="en-US" dirty="0"/>
+                    </a:p>
+                  </a:txBody>
+                  <a:tcPr/>
+                </a:tc>
+                <a:extLst>
+                  <a:ext uri="{0D108BD9-81ED-4DB2-BD59-A6C34878D82A}">
+                    <a16:rowId xmlns:a16="http://schemas.microsoft.com/office/drawing/2014/main" val="2052542108"/>
+                  </a:ext>
+                </a:extLst>
+              </a:tr>
+              <a:tr h="370840">
+                <a:tc>
+                  <a:txBody>
+                    <a:bodyPr/>
+                    <a:lstStyle/>
+                    <a:p>
+                      <a:r>
+                        <a:rPr lang="en-US" sz="2800" kern="1200" dirty="0">
+                          <a:solidFill>
+                            <a:schemeClr val="accent1">
+                              <a:lumMod val="75000"/>
+                            </a:schemeClr>
+                          </a:solidFill>
+                          <a:latin typeface="+mn-lt"/>
+                          <a:ea typeface="+mn-ea"/>
+                          <a:cs typeface="+mn-cs"/>
+                        </a:rPr>
+                        <a:t>category</a:t>
+                      </a:r>
+                    </a:p>
+                  </a:txBody>
+                  <a:tcPr/>
+                </a:tc>
+                <a:tc>
+                  <a:txBody>
+                    <a:bodyPr/>
+                    <a:lstStyle/>
+                    <a:p>
+                      <a:r>
+                        <a:rPr lang="en-US" dirty="0"/>
+                        <a:t>INT </a:t>
+                      </a:r>
+                    </a:p>
+                  </a:txBody>
+                  <a:tcPr/>
+                </a:tc>
+                <a:tc>
+                  <a:txBody>
+                    <a:bodyPr/>
+                    <a:lstStyle/>
+                    <a:p>
+                      <a:r>
+                        <a:rPr lang="en-US" dirty="0"/>
+                        <a:t>NOT NULL</a:t>
+                      </a:r>
+                    </a:p>
+                  </a:txBody>
+                  <a:tcPr/>
+                </a:tc>
+                <a:tc>
+                  <a:txBody>
+                    <a:bodyPr/>
+                    <a:lstStyle/>
+                    <a:p>
+                      <a:endParaRPr lang="en-US" dirty="0"/>
+                    </a:p>
+                  </a:txBody>
+                  <a:tcPr/>
+                </a:tc>
+                <a:tc>
+                  <a:txBody>
+                    <a:bodyPr/>
+                    <a:lstStyle/>
+                    <a:p>
+                      <a:r>
+                        <a:rPr lang="en-US" dirty="0"/>
+                        <a:t>FOREIGN KEY(category) REFERENCES Categories(id)</a:t>
+                      </a:r>
+                    </a:p>
+                  </a:txBody>
+                  <a:tcPr/>
+                </a:tc>
+                <a:extLst>
+                  <a:ext uri="{0D108BD9-81ED-4DB2-BD59-A6C34878D82A}">
+                    <a16:rowId xmlns:a16="http://schemas.microsoft.com/office/drawing/2014/main" val="3170761660"/>
+                  </a:ext>
+                </a:extLst>
+              </a:tr>
+              <a:tr h="370840">
+                <a:tc>
+                  <a:txBody>
+                    <a:bodyPr/>
+                    <a:lstStyle/>
+                    <a:p>
+                      <a:r>
+                        <a:rPr lang="en-US" sz="2800" kern="1200" dirty="0">
+                          <a:solidFill>
+                            <a:schemeClr val="accent1">
+                              <a:lumMod val="75000"/>
+                            </a:schemeClr>
+                          </a:solidFill>
+                          <a:latin typeface="+mn-lt"/>
+                          <a:ea typeface="+mn-ea"/>
+                          <a:cs typeface="+mn-cs"/>
+                        </a:rPr>
+                        <a:t>openDate</a:t>
+                      </a:r>
+                    </a:p>
+                  </a:txBody>
+                  <a:tcPr/>
+                </a:tc>
+                <a:tc>
+                  <a:txBody>
+                    <a:bodyPr/>
+                    <a:lstStyle/>
+                    <a:p>
+                      <a:r>
+                        <a:rPr lang="en-US" dirty="0"/>
+                        <a:t>INT</a:t>
+                      </a:r>
+                    </a:p>
+                  </a:txBody>
+                  <a:tcPr/>
+                </a:tc>
+                <a:tc>
+                  <a:txBody>
+                    <a:bodyPr/>
+                    <a:lstStyle/>
+                    <a:p>
+                      <a:r>
+                        <a:rPr lang="en-US" dirty="0"/>
+                        <a:t>NOT NULL</a:t>
+                      </a:r>
+                    </a:p>
+                  </a:txBody>
+                  <a:tcPr/>
+                </a:tc>
+                <a:tc>
+                  <a:txBody>
+                    <a:bodyPr/>
+                    <a:lstStyle/>
+                    <a:p>
+                      <a:endParaRPr lang="en-US" dirty="0"/>
+                    </a:p>
+                  </a:txBody>
+                  <a:tcPr/>
+                </a:tc>
+                <a:tc>
+                  <a:txBody>
+                    <a:bodyPr/>
+                    <a:lstStyle/>
+                    <a:p>
+                      <a:endParaRPr lang="en-US" dirty="0"/>
+                    </a:p>
+                  </a:txBody>
+                  <a:tcPr/>
+                </a:tc>
+                <a:extLst>
+                  <a:ext uri="{0D108BD9-81ED-4DB2-BD59-A6C34878D82A}">
+                    <a16:rowId xmlns:a16="http://schemas.microsoft.com/office/drawing/2014/main" val="3415565037"/>
+                  </a:ext>
+                </a:extLst>
+              </a:tr>
+              <a:tr h="370840">
+                <a:tc>
+                  <a:txBody>
+                    <a:bodyPr/>
+                    <a:lstStyle/>
+                    <a:p>
+                      <a:r>
+                        <a:rPr lang="en-US" sz="2800" kern="1200" dirty="0">
+                          <a:solidFill>
+                            <a:schemeClr val="accent1">
+                              <a:lumMod val="75000"/>
+                            </a:schemeClr>
+                          </a:solidFill>
+                          <a:latin typeface="+mn-lt"/>
+                          <a:ea typeface="+mn-ea"/>
+                          <a:cs typeface="+mn-cs"/>
+                        </a:rPr>
+                        <a:t>uid</a:t>
+                      </a:r>
+                    </a:p>
+                  </a:txBody>
+                  <a:tcPr/>
+                </a:tc>
+                <a:tc>
+                  <a:txBody>
+                    <a:bodyPr/>
+                    <a:lstStyle/>
+                    <a:p>
+                      <a:r>
+                        <a:rPr lang="en-US" dirty="0"/>
+                        <a:t>INT</a:t>
+                      </a:r>
+                    </a:p>
+                  </a:txBody>
+                  <a:tcPr/>
+                </a:tc>
+                <a:tc>
+                  <a:txBody>
+                    <a:bodyPr/>
+                    <a:lstStyle/>
+                    <a:p>
+                      <a:r>
+                        <a:rPr lang="en-US" dirty="0"/>
+                        <a:t>NOT NULL</a:t>
+                      </a:r>
+                    </a:p>
+                  </a:txBody>
+                  <a:tcPr/>
+                </a:tc>
+                <a:tc>
+                  <a:txBody>
+                    <a:bodyPr/>
+                    <a:lstStyle/>
+                    <a:p>
+                      <a:endParaRPr lang="en-US" dirty="0"/>
+                    </a:p>
+                  </a:txBody>
+                  <a:tcPr/>
+                </a:tc>
+                <a:tc>
+                  <a:txBody>
+                    <a:bodyPr/>
+                    <a:lstStyle/>
+                    <a:p>
+                      <a:r>
+                        <a:rPr lang="en-US" dirty="0"/>
+                        <a:t>FOREIGN KEY(uid) REFERENCES users(id)</a:t>
+                      </a:r>
+                    </a:p>
+                  </a:txBody>
+                  <a:tcPr/>
+                </a:tc>
+                <a:extLst>
+                  <a:ext uri="{0D108BD9-81ED-4DB2-BD59-A6C34878D82A}">
+                    <a16:rowId xmlns:a16="http://schemas.microsoft.com/office/drawing/2014/main" val="901846611"/>
+                  </a:ext>
+                </a:extLst>
+              </a:tr>
+              <a:tr h="370840">
+                <a:tc>
+                  <a:txBody>
+                    <a:bodyPr/>
+                    <a:lstStyle/>
+                    <a:p>
+                      <a:r>
+                        <a:rPr lang="en-US" sz="2800" kern="1200" dirty="0">
+                          <a:solidFill>
+                            <a:schemeClr val="accent1">
+                              <a:lumMod val="75000"/>
+                            </a:schemeClr>
+                          </a:solidFill>
+                          <a:latin typeface="+mn-lt"/>
+                          <a:ea typeface="+mn-ea"/>
+                          <a:cs typeface="+mn-cs"/>
+                        </a:rPr>
+                        <a:t>releaseDate</a:t>
+                      </a:r>
+                    </a:p>
+                    <a:p>
+                      <a:endParaRPr lang="en-US" sz="2800" kern="1200" dirty="0">
+                        <a:solidFill>
+                          <a:schemeClr val="accent1">
+                            <a:lumMod val="75000"/>
+                          </a:schemeClr>
+                        </a:solidFill>
+                        <a:latin typeface="+mn-lt"/>
+                        <a:ea typeface="+mn-ea"/>
+                        <a:cs typeface="+mn-cs"/>
+                      </a:endParaRPr>
+                    </a:p>
+                  </a:txBody>
+                  <a:tcPr/>
+                </a:tc>
+                <a:tc>
+                  <a:txBody>
+                    <a:bodyPr/>
+                    <a:lstStyle/>
+                    <a:p>
+                      <a:r>
+                        <a:rPr lang="en-US" dirty="0"/>
+                        <a:t>INT</a:t>
+                      </a:r>
+                    </a:p>
+                  </a:txBody>
+                  <a:tcPr/>
+                </a:tc>
+                <a:tc>
+                  <a:txBody>
+                    <a:bodyPr/>
+                    <a:lstStyle/>
+                    <a:p>
+                      <a:r>
+                        <a:rPr lang="en-US" dirty="0"/>
+                        <a:t>NOT NULL</a:t>
+                      </a:r>
+                    </a:p>
+                  </a:txBody>
+                  <a:tcPr/>
+                </a:tc>
+                <a:tc>
+                  <a:txBody>
+                    <a:bodyPr/>
+                    <a:lstStyle/>
+                    <a:p>
+                      <a:endParaRPr lang="en-US" dirty="0"/>
+                    </a:p>
+                  </a:txBody>
+                  <a:tcPr/>
+                </a:tc>
+                <a:tc>
+                  <a:txBody>
+                    <a:bodyPr/>
+                    <a:lstStyle/>
+                    <a:p>
+                      <a:endParaRPr lang="en-US" dirty="0"/>
+                    </a:p>
+                  </a:txBody>
+                  <a:tcPr/>
+                </a:tc>
+                <a:extLst>
+                  <a:ext uri="{0D108BD9-81ED-4DB2-BD59-A6C34878D82A}">
+                    <a16:rowId xmlns:a16="http://schemas.microsoft.com/office/drawing/2014/main" val="3828588975"/>
+                  </a:ext>
+                </a:extLst>
+              </a:tr>
+              <a:tr h="370840">
+                <a:tc>
+                  <a:txBody>
+                    <a:bodyPr/>
+                    <a:lstStyle/>
+                    <a:p>
+                      <a:r>
+                        <a:rPr lang="en-US" sz="2800" kern="1200" dirty="0">
+                          <a:solidFill>
+                            <a:schemeClr val="accent1">
+                              <a:lumMod val="75000"/>
+                            </a:schemeClr>
+                          </a:solidFill>
+                          <a:latin typeface="+mn-lt"/>
+                          <a:ea typeface="+mn-ea"/>
+                          <a:cs typeface="+mn-cs"/>
+                        </a:rPr>
+                        <a:t>dueDate</a:t>
+                      </a:r>
+                    </a:p>
+                  </a:txBody>
+                  <a:tcPr/>
+                </a:tc>
+                <a:tc>
+                  <a:txBody>
+                    <a:bodyPr/>
+                    <a:lstStyle/>
+                    <a:p>
+                      <a:r>
+                        <a:rPr lang="en-US" dirty="0"/>
+                        <a:t>INT</a:t>
+                      </a:r>
+                    </a:p>
+                  </a:txBody>
+                  <a:tcPr/>
+                </a:tc>
+                <a:tc>
+                  <a:txBody>
+                    <a:bodyPr/>
+                    <a:lstStyle/>
+                    <a:p>
+                      <a:r>
+                        <a:rPr lang="en-US" dirty="0"/>
+                        <a:t>NOT NULL</a:t>
+                      </a:r>
+                    </a:p>
+                  </a:txBody>
+                  <a:tcPr/>
+                </a:tc>
+                <a:tc>
+                  <a:txBody>
+                    <a:bodyPr/>
+                    <a:lstStyle/>
+                    <a:p>
+                      <a:endParaRPr lang="en-US" dirty="0"/>
+                    </a:p>
+                  </a:txBody>
+                  <a:tcPr/>
+                </a:tc>
+                <a:tc>
+                  <a:txBody>
+                    <a:bodyPr/>
+                    <a:lstStyle/>
+                    <a:p>
+                      <a:endParaRPr lang="en-US" dirty="0"/>
+                    </a:p>
+                  </a:txBody>
+                  <a:tcPr/>
+                </a:tc>
+                <a:extLst>
+                  <a:ext uri="{0D108BD9-81ED-4DB2-BD59-A6C34878D82A}">
+                    <a16:rowId xmlns:a16="http://schemas.microsoft.com/office/drawing/2014/main" val="743427717"/>
+                  </a:ext>
+                </a:extLst>
+              </a:tr>
+              <a:tr h="370840">
+                <a:tc>
+                  <a:txBody>
+                    <a:bodyPr/>
+                    <a:lstStyle/>
+                    <a:p>
+                      <a:r>
+                        <a:rPr lang="en-US" sz="2800" kern="1200" dirty="0">
+                          <a:solidFill>
+                            <a:schemeClr val="accent1">
+                              <a:lumMod val="75000"/>
+                            </a:schemeClr>
+                          </a:solidFill>
+                          <a:latin typeface="+mn-lt"/>
+                          <a:ea typeface="+mn-ea"/>
+                          <a:cs typeface="+mn-cs"/>
+                        </a:rPr>
+                        <a:t>plant</a:t>
+                      </a:r>
+                    </a:p>
+                  </a:txBody>
+                  <a:tcPr/>
+                </a:tc>
+                <a:tc>
+                  <a:txBody>
+                    <a:bodyPr/>
+                    <a:lstStyle/>
+                    <a:p>
+                      <a:r>
+                        <a:rPr lang="en-US" dirty="0"/>
+                        <a:t>INT</a:t>
+                      </a:r>
+                    </a:p>
+                  </a:txBody>
+                  <a:tcPr/>
+                </a:tc>
+                <a:tc>
+                  <a:txBody>
+                    <a:bodyPr/>
+                    <a:lstStyle/>
+                    <a:p>
+                      <a:r>
+                        <a:rPr lang="en-US" dirty="0"/>
+                        <a:t>NOT NULL</a:t>
+                      </a:r>
+                    </a:p>
+                  </a:txBody>
+                  <a:tcPr/>
+                </a:tc>
+                <a:tc>
+                  <a:txBody>
+                    <a:bodyPr/>
+                    <a:lstStyle/>
+                    <a:p>
+                      <a:endParaRPr lang="en-US" dirty="0"/>
+                    </a:p>
+                  </a:txBody>
+                  <a:tcPr/>
+                </a:tc>
+                <a:tc>
+                  <a:txBody>
+                    <a:bodyPr/>
+                    <a:lstStyle/>
+                    <a:p>
+                      <a:pPr marL="0" marR="0" lvl="0" indent="0" algn="l" defTabSz="1371600" rtl="0" eaLnBrk="1" fontAlgn="auto" latinLnBrk="0" hangingPunct="1">
+                        <a:lnSpc>
+                          <a:spcPct val="100000"/>
+                        </a:lnSpc>
+                        <a:spcBef>
+                          <a:spcPts val="0"/>
+                        </a:spcBef>
+                        <a:spcAft>
+                          <a:spcPts val="0"/>
+                        </a:spcAft>
+                        <a:buClrTx/>
+                        <a:buSzTx/>
+                        <a:buFontTx/>
+                        <a:buNone/>
+                        <a:tabLst/>
+                        <a:defRPr/>
+                      </a:pPr>
+                      <a:r>
+                        <a:rPr lang="en-US" dirty="0"/>
+                        <a:t>FOREIGN KEY(plant) REFERENCES plants(id)</a:t>
+                      </a:r>
+                    </a:p>
+                  </a:txBody>
+                  <a:tcPr/>
+                </a:tc>
+                <a:extLst>
+                  <a:ext uri="{0D108BD9-81ED-4DB2-BD59-A6C34878D82A}">
+                    <a16:rowId xmlns:a16="http://schemas.microsoft.com/office/drawing/2014/main" val="4196653958"/>
+                  </a:ext>
+                </a:extLst>
+              </a:tr>
+              <a:tr h="370840">
+                <a:tc>
+                  <a:txBody>
+                    <a:bodyPr/>
+                    <a:lstStyle/>
+                    <a:p>
+                      <a:r>
+                        <a:rPr lang="en-US" sz="2800" kern="1200" dirty="0">
+                          <a:solidFill>
+                            <a:schemeClr val="accent1">
+                              <a:lumMod val="75000"/>
+                            </a:schemeClr>
+                          </a:solidFill>
+                          <a:latin typeface="+mn-lt"/>
+                          <a:ea typeface="+mn-ea"/>
+                          <a:cs typeface="+mn-cs"/>
+                        </a:rPr>
+                        <a:t>description</a:t>
+                      </a:r>
+                    </a:p>
+                  </a:txBody>
+                  <a:tcPr/>
+                </a:tc>
+                <a:tc>
+                  <a:txBody>
+                    <a:bodyPr/>
+                    <a:lstStyle/>
+                    <a:p>
+                      <a:r>
+                        <a:rPr lang="en-US" dirty="0"/>
+                        <a:t>TEXT</a:t>
+                      </a:r>
+                    </a:p>
+                  </a:txBody>
+                  <a:tcPr/>
+                </a:tc>
+                <a:tc>
+                  <a:txBody>
+                    <a:bodyPr/>
+                    <a:lstStyle/>
+                    <a:p>
+                      <a:r>
+                        <a:rPr lang="en-US" dirty="0"/>
+                        <a:t>NOT NULL</a:t>
+                      </a:r>
+                    </a:p>
+                  </a:txBody>
+                  <a:tcPr/>
+                </a:tc>
+                <a:tc>
+                  <a:txBody>
+                    <a:bodyPr/>
+                    <a:lstStyle/>
+                    <a:p>
+                      <a:endParaRPr lang="en-US" dirty="0"/>
+                    </a:p>
+                  </a:txBody>
+                  <a:tcPr/>
+                </a:tc>
+                <a:tc>
+                  <a:txBody>
+                    <a:bodyPr/>
+                    <a:lstStyle/>
+                    <a:p>
+                      <a:endParaRPr lang="en-US" dirty="0"/>
+                    </a:p>
+                  </a:txBody>
+                  <a:tcPr/>
+                </a:tc>
+                <a:extLst>
+                  <a:ext uri="{0D108BD9-81ED-4DB2-BD59-A6C34878D82A}">
+                    <a16:rowId xmlns:a16="http://schemas.microsoft.com/office/drawing/2014/main" val="1192778389"/>
+                  </a:ext>
+                </a:extLst>
+              </a:tr>
+              <a:tr h="370840">
+                <a:tc>
+                  <a:txBody>
+                    <a:bodyPr/>
+                    <a:lstStyle/>
+                    <a:p>
+                      <a:pPr marL="0" marR="0" lvl="0" indent="0" algn="l" defTabSz="1371600" rtl="0" eaLnBrk="1" fontAlgn="auto" latinLnBrk="0" hangingPunct="1">
+                        <a:lnSpc>
+                          <a:spcPct val="100000"/>
+                        </a:lnSpc>
+                        <a:spcBef>
+                          <a:spcPts val="0"/>
+                        </a:spcBef>
+                        <a:spcAft>
+                          <a:spcPts val="0"/>
+                        </a:spcAft>
+                        <a:buClrTx/>
+                        <a:buSzTx/>
+                        <a:buFontTx/>
+                        <a:buNone/>
+                        <a:tabLst/>
+                        <a:defRPr/>
+                      </a:pPr>
+                      <a:r>
+                        <a:rPr lang="en-US" sz="2800" kern="1200" dirty="0">
+                          <a:solidFill>
+                            <a:schemeClr val="accent1">
+                              <a:lumMod val="75000"/>
+                            </a:schemeClr>
+                          </a:solidFill>
+                          <a:latin typeface="+mn-lt"/>
+                          <a:ea typeface="+mn-ea"/>
+                          <a:cs typeface="+mn-cs"/>
+                        </a:rPr>
+                        <a:t>pm</a:t>
+                      </a:r>
+                    </a:p>
+                  </a:txBody>
+                  <a:tcPr/>
+                </a:tc>
+                <a:tc>
+                  <a:txBody>
+                    <a:bodyPr/>
+                    <a:lstStyle/>
+                    <a:p>
+                      <a:r>
+                        <a:rPr lang="en-US" dirty="0"/>
+                        <a:t>INT</a:t>
+                      </a:r>
+                    </a:p>
+                  </a:txBody>
+                  <a:tcPr/>
+                </a:tc>
+                <a:tc>
+                  <a:txBody>
+                    <a:bodyPr/>
+                    <a:lstStyle/>
+                    <a:p>
+                      <a:r>
+                        <a:rPr lang="en-US" dirty="0"/>
+                        <a:t>NOT NULL</a:t>
+                      </a:r>
+                    </a:p>
+                  </a:txBody>
+                  <a:tcPr/>
+                </a:tc>
+                <a:tc>
+                  <a:txBody>
+                    <a:bodyPr/>
+                    <a:lstStyle/>
+                    <a:p>
+                      <a:endParaRPr lang="en-US" dirty="0"/>
+                    </a:p>
+                  </a:txBody>
+                  <a:tcPr/>
+                </a:tc>
+                <a:tc>
+                  <a:txBody>
+                    <a:bodyPr/>
+                    <a:lstStyle/>
+                    <a:p>
+                      <a:r>
+                        <a:rPr lang="en-US" dirty="0"/>
+                        <a:t>FOREIGN KEY REFERENCES users(id)</a:t>
+                      </a:r>
+                    </a:p>
+                  </a:txBody>
+                  <a:tcPr/>
+                </a:tc>
+                <a:extLst>
+                  <a:ext uri="{0D108BD9-81ED-4DB2-BD59-A6C34878D82A}">
+                    <a16:rowId xmlns:a16="http://schemas.microsoft.com/office/drawing/2014/main" val="4029813163"/>
+                  </a:ext>
+                </a:extLst>
+              </a:tr>
+              <a:tr h="370840">
+                <a:tc>
+                  <a:txBody>
+                    <a:bodyPr/>
+                    <a:lstStyle/>
+                    <a:p>
+                      <a:pPr marL="0" marR="0" lvl="0" indent="0" algn="l" defTabSz="1371600" rtl="0" eaLnBrk="1" fontAlgn="auto" latinLnBrk="0" hangingPunct="1">
+                        <a:lnSpc>
+                          <a:spcPct val="100000"/>
+                        </a:lnSpc>
+                        <a:spcBef>
+                          <a:spcPts val="0"/>
+                        </a:spcBef>
+                        <a:spcAft>
+                          <a:spcPts val="0"/>
+                        </a:spcAft>
+                        <a:buClrTx/>
+                        <a:buSzTx/>
+                        <a:buFontTx/>
+                        <a:buNone/>
+                        <a:tabLst/>
+                        <a:defRPr/>
+                      </a:pPr>
+                      <a:r>
+                        <a:rPr lang="en-US" sz="2800" kern="1200" dirty="0">
+                          <a:solidFill>
+                            <a:schemeClr val="accent1">
+                              <a:lumMod val="75000"/>
+                            </a:schemeClr>
+                          </a:solidFill>
+                          <a:latin typeface="+mn-lt"/>
+                          <a:ea typeface="+mn-ea"/>
+                          <a:cs typeface="+mn-cs"/>
+                        </a:rPr>
+                        <a:t>closeDate</a:t>
+                      </a:r>
+                    </a:p>
+                  </a:txBody>
+                  <a:tcPr/>
+                </a:tc>
+                <a:tc>
+                  <a:txBody>
+                    <a:bodyPr/>
+                    <a:lstStyle/>
+                    <a:p>
+                      <a:r>
+                        <a:rPr lang="en-US" dirty="0"/>
+                        <a:t>INT</a:t>
+                      </a:r>
+                    </a:p>
+                  </a:txBody>
+                  <a:tcPr/>
+                </a:tc>
+                <a:tc>
+                  <a:txBody>
+                    <a:bodyPr/>
+                    <a:lstStyle/>
+                    <a:p>
+                      <a:r>
+                        <a:rPr lang="en-US" dirty="0"/>
+                        <a:t>NOT NULL</a:t>
+                      </a:r>
+                    </a:p>
+                  </a:txBody>
+                  <a:tcPr/>
+                </a:tc>
+                <a:tc>
+                  <a:txBody>
+                    <a:bodyPr/>
+                    <a:lstStyle/>
+                    <a:p>
+                      <a:endParaRPr lang="en-US" dirty="0"/>
+                    </a:p>
+                  </a:txBody>
+                  <a:tcPr/>
+                </a:tc>
+                <a:tc>
+                  <a:txBody>
+                    <a:bodyPr/>
+                    <a:lstStyle/>
+                    <a:p>
+                      <a:endParaRPr lang="en-US" dirty="0"/>
+                    </a:p>
+                  </a:txBody>
+                  <a:tcPr/>
+                </a:tc>
+                <a:extLst>
+                  <a:ext uri="{0D108BD9-81ED-4DB2-BD59-A6C34878D82A}">
+                    <a16:rowId xmlns:a16="http://schemas.microsoft.com/office/drawing/2014/main" val="3326065082"/>
+                  </a:ext>
+                </a:extLst>
+              </a:tr>
+              <a:tr h="370840">
+                <a:tc>
+                  <a:txBody>
+                    <a:bodyPr/>
+                    <a:lstStyle/>
+                    <a:p>
+                      <a:pPr marL="0" marR="0" lvl="0" indent="0" algn="l" defTabSz="1371600" rtl="0" eaLnBrk="1" fontAlgn="auto" latinLnBrk="0" hangingPunct="1">
+                        <a:lnSpc>
+                          <a:spcPct val="100000"/>
+                        </a:lnSpc>
+                        <a:spcBef>
+                          <a:spcPts val="0"/>
+                        </a:spcBef>
+                        <a:spcAft>
+                          <a:spcPts val="0"/>
+                        </a:spcAft>
+                        <a:buClrTx/>
+                        <a:buSzTx/>
+                        <a:buFontTx/>
+                        <a:buNone/>
+                        <a:tabLst/>
+                        <a:defRPr/>
+                      </a:pPr>
+                      <a:r>
+                        <a:rPr lang="en-US" sz="2800" kern="1200" dirty="0">
+                          <a:solidFill>
+                            <a:schemeClr val="accent1">
+                              <a:lumMod val="75000"/>
+                            </a:schemeClr>
+                          </a:solidFill>
+                          <a:latin typeface="+mn-lt"/>
+                          <a:ea typeface="+mn-ea"/>
+                          <a:cs typeface="+mn-cs"/>
+                        </a:rPr>
+                        <a:t>revuid</a:t>
+                      </a:r>
+                    </a:p>
+                  </a:txBody>
+                  <a:tcPr/>
+                </a:tc>
+                <a:tc>
+                  <a:txBody>
+                    <a:bodyPr/>
+                    <a:lstStyle/>
+                    <a:p>
+                      <a:r>
+                        <a:rPr lang="en-US" dirty="0"/>
+                        <a:t>INT</a:t>
+                      </a:r>
+                    </a:p>
+                  </a:txBody>
+                  <a:tcPr/>
+                </a:tc>
+                <a:tc>
+                  <a:txBody>
+                    <a:bodyPr/>
+                    <a:lstStyle/>
+                    <a:p>
+                      <a:endParaRPr lang="en-US" dirty="0"/>
+                    </a:p>
+                  </a:txBody>
+                  <a:tcPr/>
+                </a:tc>
+                <a:tc>
+                  <a:txBody>
+                    <a:bodyPr/>
+                    <a:lstStyle/>
+                    <a:p>
+                      <a:endParaRPr lang="en-US" dirty="0"/>
+                    </a:p>
+                  </a:txBody>
+                  <a:tcPr/>
+                </a:tc>
+                <a:tc>
+                  <a:txBody>
+                    <a:bodyPr/>
+                    <a:lstStyle/>
+                    <a:p>
+                      <a:r>
+                        <a:rPr lang="en-US" dirty="0"/>
+                        <a:t>FOREIGN KEY REFERENCES users(id)</a:t>
+                      </a:r>
+                    </a:p>
+                  </a:txBody>
+                  <a:tcPr/>
+                </a:tc>
+                <a:extLst>
+                  <a:ext uri="{0D108BD9-81ED-4DB2-BD59-A6C34878D82A}">
+                    <a16:rowId xmlns:a16="http://schemas.microsoft.com/office/drawing/2014/main" val="3149320601"/>
+                  </a:ext>
+                </a:extLst>
+              </a:tr>
+              <a:tr h="370840">
+                <a:tc>
+                  <a:txBody>
+                    <a:bodyPr/>
+                    <a:lstStyle/>
+                    <a:p>
+                      <a:pPr marL="0" marR="0" lvl="0" indent="0" algn="l" defTabSz="1371600" rtl="0" eaLnBrk="1" fontAlgn="auto" latinLnBrk="0" hangingPunct="1">
+                        <a:lnSpc>
+                          <a:spcPct val="100000"/>
+                        </a:lnSpc>
+                        <a:spcBef>
+                          <a:spcPts val="0"/>
+                        </a:spcBef>
+                        <a:spcAft>
+                          <a:spcPts val="0"/>
+                        </a:spcAft>
+                        <a:buClrTx/>
+                        <a:buSzTx/>
+                        <a:buFontTx/>
+                        <a:buNone/>
+                        <a:tabLst/>
+                        <a:defRPr/>
+                      </a:pPr>
+                      <a:r>
+                        <a:rPr lang="en-US" sz="2800" kern="1200" dirty="0">
+                          <a:solidFill>
+                            <a:schemeClr val="accent1">
+                              <a:lumMod val="75000"/>
+                            </a:schemeClr>
+                          </a:solidFill>
+                          <a:latin typeface="+mn-lt"/>
+                          <a:ea typeface="+mn-ea"/>
+                          <a:cs typeface="+mn-cs"/>
+                        </a:rPr>
+                        <a:t>revutc</a:t>
+                      </a:r>
+                    </a:p>
+                  </a:txBody>
+                  <a:tcPr/>
+                </a:tc>
+                <a:tc>
+                  <a:txBody>
+                    <a:bodyPr/>
+                    <a:lstStyle/>
+                    <a:p>
+                      <a:r>
+                        <a:rPr lang="en-US" dirty="0"/>
+                        <a:t>INT</a:t>
+                      </a:r>
+                    </a:p>
+                  </a:txBody>
+                  <a:tcPr/>
+                </a:tc>
+                <a:tc>
+                  <a:txBody>
+                    <a:bodyPr/>
+                    <a:lstStyle/>
+                    <a:p>
+                      <a:endParaRPr lang="en-US" dirty="0"/>
+                    </a:p>
+                  </a:txBody>
+                  <a:tcPr/>
+                </a:tc>
+                <a:tc>
+                  <a:txBody>
+                    <a:bodyPr/>
+                    <a:lstStyle/>
+                    <a:p>
+                      <a:endParaRPr lang="en-US" dirty="0"/>
+                    </a:p>
+                  </a:txBody>
+                  <a:tcPr/>
+                </a:tc>
+                <a:tc>
+                  <a:txBody>
+                    <a:bodyPr/>
+                    <a:lstStyle/>
+                    <a:p>
+                      <a:endParaRPr lang="en-US" dirty="0"/>
+                    </a:p>
+                  </a:txBody>
+                  <a:tcPr/>
+                </a:tc>
+                <a:extLst>
+                  <a:ext uri="{0D108BD9-81ED-4DB2-BD59-A6C34878D82A}">
+                    <a16:rowId xmlns:a16="http://schemas.microsoft.com/office/drawing/2014/main" val="3288697652"/>
+                  </a:ext>
+                </a:extLst>
+              </a:tr>
+            </a:tbl>
+          </a:graphicData>
+        </a:graphic>
+      </p:graphicFrame>
+      <p:sp>
+        <p:nvSpPr>
+          <p:cNvPr id="2" name="TextBox 1">
+            <a:extLst>
+              <a:ext uri="{FF2B5EF4-FFF2-40B4-BE49-F238E27FC236}">
+                <a16:creationId xmlns:a16="http://schemas.microsoft.com/office/drawing/2014/main" id="{EB4822A1-97EA-4E11-AF40-DF8A4F2264D4}"/>
+              </a:ext>
+            </a:extLst>
+          </p:cNvPr>
+          <p:cNvSpPr txBox="1"/>
+          <p:nvPr/>
+        </p:nvSpPr>
+        <p:spPr>
+          <a:xfrm>
+            <a:off x="7124007" y="334854"/>
+            <a:ext cx="1296784" cy="830997"/>
+          </a:xfrm>
+          <a:prstGeom prst="rect">
+            <a:avLst/>
+          </a:prstGeom>
+          <a:noFill/>
+        </p:spPr>
+        <p:txBody>
+          <a:bodyPr wrap="square" rtlCol="0">
+            <a:spAutoFit/>
+          </a:bodyPr>
+          <a:lstStyle/>
+          <a:p>
+            <a:pPr algn="ctr"/>
+            <a:r>
+              <a:rPr lang="en-US" sz="4800" dirty="0">
+                <a:solidFill>
+                  <a:schemeClr val="accent1">
+                    <a:lumMod val="75000"/>
+                  </a:schemeClr>
+                </a:solidFill>
+              </a:rPr>
+              <a:t>Jobs</a:t>
+            </a:r>
+            <a:endParaRPr lang="en-US" dirty="0">
+              <a:solidFill>
+                <a:schemeClr val="accent1">
+                  <a:lumMod val="75000"/>
+                </a:schemeClr>
+              </a:solidFill>
+            </a:endParaRPr>
+          </a:p>
+        </p:txBody>
+      </p:sp>
+    </p:spTree>
+    <p:extLst>
+      <p:ext uri="{BB962C8B-B14F-4D97-AF65-F5344CB8AC3E}">
+        <p14:creationId xmlns:p14="http://schemas.microsoft.com/office/powerpoint/2010/main" val="929811163"/>
+      </p:ext>
+    </p:extLst>
+  </p:cSld>
+  <p:clrMapOvr>
+    <a:masterClrMapping/>
+  </p:clrMapOvr>
+</p:sld>
+</file>
+
+<file path=ppt/slides/slide20.xml><?xml version="1.0" encoding="utf-8"?>
+<p:sld xmlns:a="http://schemas.openxmlformats.org/drawingml/2006/main" xmlns:r="http://schemas.openxmlformats.org/officeDocument/2006/relationships" xmlns:p="http://schemas.openxmlformats.org/presentationml/2006/main">
+  <p:cSld>
+    <p:spTree>
+      <p:nvGrpSpPr>
+        <p:cNvPr id="1" name=""/>
+        <p:cNvGrpSpPr/>
+        <p:nvPr/>
+      </p:nvGrpSpPr>
+      <p:grpSpPr>
+        <a:xfrm>
+          <a:off x="0" y="0"/>
+          <a:ext cx="0" cy="0"/>
+          <a:chOff x="0" y="0"/>
+          <a:chExt cx="0" cy="0"/>
+        </a:xfrm>
+      </p:grpSpPr>
+      <p:graphicFrame>
+        <p:nvGraphicFramePr>
+          <p:cNvPr id="10" name="Table 9">
+            <a:extLst>
+              <a:ext uri="{FF2B5EF4-FFF2-40B4-BE49-F238E27FC236}">
+                <a16:creationId xmlns:a16="http://schemas.microsoft.com/office/drawing/2014/main" id="{96EC6E0D-13F0-4152-A337-15DFD1F38190}"/>
+              </a:ext>
+            </a:extLst>
+          </p:cNvPr>
+          <p:cNvGraphicFramePr>
+            <a:graphicFrameLocks noGrp="1"/>
+          </p:cNvGraphicFramePr>
+          <p:nvPr>
+            <p:extLst>
+              <p:ext uri="{D42A27DB-BD31-4B8C-83A1-F6EECF244321}">
+                <p14:modId xmlns:p14="http://schemas.microsoft.com/office/powerpoint/2010/main" val="3965488819"/>
+              </p:ext>
+            </p:extLst>
+          </p:nvPr>
+        </p:nvGraphicFramePr>
+        <p:xfrm>
+          <a:off x="1388226" y="1165850"/>
+          <a:ext cx="12768349" cy="4096512"/>
+        </p:xfrm>
+        <a:graphic>
+          <a:graphicData uri="http://schemas.openxmlformats.org/drawingml/2006/table">
+            <a:tbl>
+              <a:tblPr firstRow="1" bandRow="1">
+                <a:tableStyleId>{5C22544A-7EE6-4342-B048-85BDC9FD1C3A}</a:tableStyleId>
+              </a:tblPr>
+              <a:tblGrid>
+                <a:gridCol w="2194560">
+                  <a:extLst>
+                    <a:ext uri="{9D8B030D-6E8A-4147-A177-3AD203B41FA5}">
+                      <a16:colId xmlns:a16="http://schemas.microsoft.com/office/drawing/2014/main" val="4212076426"/>
+                    </a:ext>
+                  </a:extLst>
+                </a:gridCol>
+                <a:gridCol w="2053243">
+                  <a:extLst>
+                    <a:ext uri="{9D8B030D-6E8A-4147-A177-3AD203B41FA5}">
+                      <a16:colId xmlns:a16="http://schemas.microsoft.com/office/drawing/2014/main" val="3194676290"/>
+                    </a:ext>
+                  </a:extLst>
+                </a:gridCol>
+                <a:gridCol w="1928553">
+                  <a:extLst>
+                    <a:ext uri="{9D8B030D-6E8A-4147-A177-3AD203B41FA5}">
+                      <a16:colId xmlns:a16="http://schemas.microsoft.com/office/drawing/2014/main" val="1043220631"/>
+                    </a:ext>
+                  </a:extLst>
+                </a:gridCol>
+                <a:gridCol w="1670858">
+                  <a:extLst>
+                    <a:ext uri="{9D8B030D-6E8A-4147-A177-3AD203B41FA5}">
+                      <a16:colId xmlns:a16="http://schemas.microsoft.com/office/drawing/2014/main" val="2850652227"/>
+                    </a:ext>
+                  </a:extLst>
+                </a:gridCol>
+                <a:gridCol w="4921135">
+                  <a:extLst>
+                    <a:ext uri="{9D8B030D-6E8A-4147-A177-3AD203B41FA5}">
+                      <a16:colId xmlns:a16="http://schemas.microsoft.com/office/drawing/2014/main" val="1109386841"/>
+                    </a:ext>
+                  </a:extLst>
+                </a:gridCol>
+              </a:tblGrid>
+              <a:tr h="273858">
+                <a:tc>
+                  <a:txBody>
+                    <a:bodyPr/>
+                    <a:lstStyle/>
+                    <a:p>
+                      <a:r>
+                        <a:rPr lang="en-US" dirty="0"/>
+                        <a:t>Field name</a:t>
+                      </a:r>
+                    </a:p>
+                  </a:txBody>
+                  <a:tcPr/>
+                </a:tc>
+                <a:tc>
+                  <a:txBody>
+                    <a:bodyPr/>
+                    <a:lstStyle/>
+                    <a:p>
+                      <a:r>
+                        <a:rPr lang="en-US" dirty="0"/>
+                        <a:t>Type</a:t>
+                      </a:r>
+                    </a:p>
+                  </a:txBody>
+                  <a:tcPr/>
+                </a:tc>
+                <a:tc>
+                  <a:txBody>
+                    <a:bodyPr/>
+                    <a:lstStyle/>
+                    <a:p>
+                      <a:r>
+                        <a:rPr lang="en-US" dirty="0"/>
+                        <a:t>Null</a:t>
+                      </a:r>
+                    </a:p>
+                  </a:txBody>
+                  <a:tcPr/>
+                </a:tc>
+                <a:tc>
+                  <a:txBody>
+                    <a:bodyPr/>
+                    <a:lstStyle/>
+                    <a:p>
+                      <a:r>
+                        <a:rPr lang="en-US" dirty="0"/>
+                        <a:t>PK</a:t>
+                      </a:r>
+                    </a:p>
+                  </a:txBody>
+                  <a:tcPr/>
+                </a:tc>
+                <a:tc>
+                  <a:txBody>
+                    <a:bodyPr/>
+                    <a:lstStyle/>
+                    <a:p>
+                      <a:r>
+                        <a:rPr lang="en-US" dirty="0"/>
+                        <a:t>FK</a:t>
+                      </a:r>
+                    </a:p>
+                  </a:txBody>
+                  <a:tcPr/>
+                </a:tc>
+                <a:extLst>
+                  <a:ext uri="{0D108BD9-81ED-4DB2-BD59-A6C34878D82A}">
+                    <a16:rowId xmlns:a16="http://schemas.microsoft.com/office/drawing/2014/main" val="1161880616"/>
+                  </a:ext>
+                </a:extLst>
+              </a:tr>
+              <a:tr h="370840">
+                <a:tc>
+                  <a:txBody>
+                    <a:bodyPr/>
+                    <a:lstStyle/>
+                    <a:p>
+                      <a:r>
+                        <a:rPr lang="en-US" sz="2800" b="1" dirty="0">
+                          <a:solidFill>
+                            <a:schemeClr val="accent1">
+                              <a:lumMod val="75000"/>
+                            </a:schemeClr>
+                          </a:solidFill>
+                        </a:rPr>
+                        <a:t>id</a:t>
+                      </a:r>
+                    </a:p>
+                  </a:txBody>
+                  <a:tcPr/>
+                </a:tc>
+                <a:tc>
+                  <a:txBody>
+                    <a:bodyPr/>
+                    <a:lstStyle/>
+                    <a:p>
+                      <a:r>
+                        <a:rPr lang="en-US" dirty="0"/>
+                        <a:t>INT</a:t>
+                      </a:r>
+                    </a:p>
+                  </a:txBody>
+                  <a:tcPr/>
+                </a:tc>
+                <a:tc>
+                  <a:txBody>
+                    <a:bodyPr/>
+                    <a:lstStyle/>
+                    <a:p>
+                      <a:r>
+                        <a:rPr lang="en-US" dirty="0"/>
+                        <a:t>AUTO-INCREMENT</a:t>
+                      </a:r>
+                    </a:p>
+                  </a:txBody>
+                  <a:tcPr/>
+                </a:tc>
+                <a:tc>
+                  <a:txBody>
+                    <a:bodyPr/>
+                    <a:lstStyle/>
+                    <a:p>
+                      <a:r>
+                        <a:rPr lang="en-US" dirty="0"/>
+                        <a:t>PRIMARY KEY</a:t>
+                      </a:r>
+                    </a:p>
+                  </a:txBody>
+                  <a:tcPr/>
+                </a:tc>
+                <a:tc>
+                  <a:txBody>
+                    <a:bodyPr/>
+                    <a:lstStyle/>
+                    <a:p>
+                      <a:endParaRPr lang="en-US" dirty="0"/>
+                    </a:p>
+                  </a:txBody>
+                  <a:tcPr/>
+                </a:tc>
+                <a:extLst>
+                  <a:ext uri="{0D108BD9-81ED-4DB2-BD59-A6C34878D82A}">
+                    <a16:rowId xmlns:a16="http://schemas.microsoft.com/office/drawing/2014/main" val="416920414"/>
+                  </a:ext>
+                </a:extLst>
+              </a:tr>
+              <a:tr h="370840">
+                <a:tc>
+                  <a:txBody>
+                    <a:bodyPr/>
+                    <a:lstStyle/>
+                    <a:p>
+                      <a:r>
+                        <a:rPr lang="en-US" sz="2800" kern="1200" dirty="0">
+                          <a:solidFill>
+                            <a:schemeClr val="accent1">
+                              <a:lumMod val="75000"/>
+                            </a:schemeClr>
+                          </a:solidFill>
+                          <a:latin typeface="+mn-lt"/>
+                          <a:ea typeface="+mn-ea"/>
+                          <a:cs typeface="+mn-cs"/>
+                        </a:rPr>
+                        <a:t>partId</a:t>
+                      </a:r>
+                    </a:p>
+                  </a:txBody>
+                  <a:tcPr/>
+                </a:tc>
+                <a:tc>
+                  <a:txBody>
+                    <a:bodyPr/>
+                    <a:lstStyle/>
+                    <a:p>
+                      <a:r>
+                        <a:rPr lang="en-US" dirty="0"/>
+                        <a:t>INT</a:t>
+                      </a:r>
+                    </a:p>
+                  </a:txBody>
+                  <a:tcPr/>
+                </a:tc>
+                <a:tc>
+                  <a:txBody>
+                    <a:bodyPr/>
+                    <a:lstStyle/>
+                    <a:p>
+                      <a:r>
+                        <a:rPr lang="en-US" dirty="0"/>
+                        <a:t>NOT NULL</a:t>
+                      </a:r>
+                    </a:p>
+                  </a:txBody>
+                  <a:tcPr/>
+                </a:tc>
+                <a:tc>
+                  <a:txBody>
+                    <a:bodyPr/>
+                    <a:lstStyle/>
+                    <a:p>
+                      <a:endParaRPr lang="en-US" dirty="0"/>
+                    </a:p>
+                  </a:txBody>
+                  <a:tcPr/>
+                </a:tc>
+                <a:tc>
+                  <a:txBody>
+                    <a:bodyPr/>
+                    <a:lstStyle/>
+                    <a:p>
+                      <a:pPr marL="0" marR="0" lvl="0" indent="0" algn="l" defTabSz="1371600" rtl="0" eaLnBrk="1" fontAlgn="auto" latinLnBrk="0" hangingPunct="1">
+                        <a:lnSpc>
+                          <a:spcPct val="100000"/>
+                        </a:lnSpc>
+                        <a:spcBef>
+                          <a:spcPts val="0"/>
+                        </a:spcBef>
+                        <a:spcAft>
+                          <a:spcPts val="0"/>
+                        </a:spcAft>
+                        <a:buClrTx/>
+                        <a:buSzTx/>
+                        <a:buFontTx/>
+                        <a:buNone/>
+                        <a:tabLst/>
+                        <a:defRPr/>
+                      </a:pPr>
+                      <a:r>
+                        <a:rPr lang="en-US" dirty="0"/>
+                        <a:t>FOREIGN KEY(partId) REFERENCES parts(id)</a:t>
+                      </a:r>
+                    </a:p>
+                  </a:txBody>
+                  <a:tcPr/>
+                </a:tc>
+                <a:extLst>
+                  <a:ext uri="{0D108BD9-81ED-4DB2-BD59-A6C34878D82A}">
+                    <a16:rowId xmlns:a16="http://schemas.microsoft.com/office/drawing/2014/main" val="2052542108"/>
+                  </a:ext>
+                </a:extLst>
+              </a:tr>
+              <a:tr h="428623">
+                <a:tc>
+                  <a:txBody>
+                    <a:bodyPr/>
+                    <a:lstStyle/>
+                    <a:p>
+                      <a:r>
+                        <a:rPr lang="en-US" sz="2800" kern="1200" dirty="0">
+                          <a:solidFill>
+                            <a:schemeClr val="accent1">
+                              <a:lumMod val="75000"/>
+                            </a:schemeClr>
+                          </a:solidFill>
+                          <a:latin typeface="+mn-lt"/>
+                          <a:ea typeface="+mn-ea"/>
+                          <a:cs typeface="+mn-cs"/>
+                        </a:rPr>
+                        <a:t>alias</a:t>
+                      </a:r>
+                    </a:p>
+                  </a:txBody>
+                  <a:tcPr/>
+                </a:tc>
+                <a:tc>
+                  <a:txBody>
+                    <a:bodyPr/>
+                    <a:lstStyle/>
+                    <a:p>
+                      <a:r>
+                        <a:rPr lang="en-US" dirty="0"/>
+                        <a:t>VARCHAR(255)</a:t>
+                      </a:r>
+                    </a:p>
+                  </a:txBody>
+                  <a:tcPr/>
+                </a:tc>
+                <a:tc>
+                  <a:txBody>
+                    <a:bodyPr/>
+                    <a:lstStyle/>
+                    <a:p>
+                      <a:r>
+                        <a:rPr lang="en-US" dirty="0"/>
+                        <a:t>NOT NULL</a:t>
+                      </a:r>
+                    </a:p>
+                  </a:txBody>
+                  <a:tcPr/>
+                </a:tc>
+                <a:tc>
+                  <a:txBody>
+                    <a:bodyPr/>
+                    <a:lstStyle/>
+                    <a:p>
+                      <a:endParaRPr lang="en-US" dirty="0"/>
+                    </a:p>
+                  </a:txBody>
+                  <a:tcPr/>
+                </a:tc>
+                <a:tc>
+                  <a:txBody>
+                    <a:bodyPr/>
+                    <a:lstStyle/>
+                    <a:p>
+                      <a:pPr marL="0" marR="0" lvl="0" indent="0" algn="l" defTabSz="1371600" rtl="0" eaLnBrk="1" fontAlgn="auto" latinLnBrk="0" hangingPunct="1">
+                        <a:lnSpc>
+                          <a:spcPct val="100000"/>
+                        </a:lnSpc>
+                        <a:spcBef>
+                          <a:spcPts val="0"/>
+                        </a:spcBef>
+                        <a:spcAft>
+                          <a:spcPts val="0"/>
+                        </a:spcAft>
+                        <a:buClrTx/>
+                        <a:buSzTx/>
+                        <a:buFontTx/>
+                        <a:buNone/>
+                        <a:tabLst/>
+                        <a:defRPr/>
+                      </a:pPr>
+                      <a:endParaRPr lang="en-US" dirty="0"/>
+                    </a:p>
+                  </a:txBody>
+                  <a:tcPr/>
+                </a:tc>
+                <a:extLst>
+                  <a:ext uri="{0D108BD9-81ED-4DB2-BD59-A6C34878D82A}">
+                    <a16:rowId xmlns:a16="http://schemas.microsoft.com/office/drawing/2014/main" val="3170761660"/>
+                  </a:ext>
+                </a:extLst>
+              </a:tr>
+            </a:tbl>
+          </a:graphicData>
+        </a:graphic>
+      </p:graphicFrame>
+      <p:sp>
+        <p:nvSpPr>
+          <p:cNvPr id="2" name="TextBox 1">
+            <a:extLst>
+              <a:ext uri="{FF2B5EF4-FFF2-40B4-BE49-F238E27FC236}">
+                <a16:creationId xmlns:a16="http://schemas.microsoft.com/office/drawing/2014/main" id="{EB4822A1-97EA-4E11-AF40-DF8A4F2264D4}"/>
+              </a:ext>
+            </a:extLst>
+          </p:cNvPr>
+          <p:cNvSpPr txBox="1"/>
+          <p:nvPr/>
+        </p:nvSpPr>
+        <p:spPr>
+          <a:xfrm>
+            <a:off x="5180906" y="334854"/>
+            <a:ext cx="5182987" cy="830997"/>
+          </a:xfrm>
+          <a:prstGeom prst="rect">
+            <a:avLst/>
+          </a:prstGeom>
+          <a:noFill/>
+        </p:spPr>
+        <p:txBody>
+          <a:bodyPr wrap="square" rtlCol="0">
+            <a:spAutoFit/>
+          </a:bodyPr>
+          <a:lstStyle/>
+          <a:p>
+            <a:pPr algn="ctr"/>
+            <a:r>
+              <a:rPr lang="en-US" sz="4800" dirty="0">
+                <a:solidFill>
+                  <a:schemeClr val="accent1">
+                    <a:lumMod val="75000"/>
+                  </a:schemeClr>
+                </a:solidFill>
+              </a:rPr>
+              <a:t>Part_Aliases</a:t>
+            </a:r>
+            <a:endParaRPr lang="en-US" dirty="0">
+              <a:solidFill>
+                <a:schemeClr val="accent1">
+                  <a:lumMod val="75000"/>
+                </a:schemeClr>
+              </a:solidFill>
+            </a:endParaRPr>
+          </a:p>
+        </p:txBody>
+      </p:sp>
+      <p:sp>
+        <p:nvSpPr>
+          <p:cNvPr id="4" name="TextBox 3">
+            <a:extLst>
+              <a:ext uri="{FF2B5EF4-FFF2-40B4-BE49-F238E27FC236}">
+                <a16:creationId xmlns:a16="http://schemas.microsoft.com/office/drawing/2014/main" id="{C4838403-53DE-4A7B-B4A6-9742F724F66C}"/>
+              </a:ext>
+            </a:extLst>
+          </p:cNvPr>
+          <p:cNvSpPr txBox="1"/>
+          <p:nvPr/>
+        </p:nvSpPr>
+        <p:spPr>
+          <a:xfrm>
+            <a:off x="2310939" y="8545485"/>
+            <a:ext cx="10839797" cy="646331"/>
+          </a:xfrm>
+          <a:prstGeom prst="rect">
+            <a:avLst/>
+          </a:prstGeom>
+          <a:noFill/>
+        </p:spPr>
+        <p:txBody>
+          <a:bodyPr wrap="square" rtlCol="0">
+            <a:spAutoFit/>
+          </a:bodyPr>
+          <a:lstStyle/>
+          <a:p>
+            <a:r>
+              <a:rPr lang="en-US" dirty="0"/>
+              <a:t>CREATE TABLE </a:t>
+            </a:r>
+            <a:r>
+              <a:rPr lang="en-US" dirty="0" err="1"/>
+              <a:t>part_aliases</a:t>
+            </a:r>
+            <a:r>
+              <a:rPr lang="en-US" dirty="0"/>
+              <a:t> (id INT AUTO_INCREMENT PRIMARY KEY, partId INT NOT NULL, alias VARCHAR(255) NOT NULL, FOREIGN KEY(partId) REFERENCES parts(id));</a:t>
+            </a:r>
+          </a:p>
+        </p:txBody>
+      </p:sp>
+    </p:spTree>
+    <p:extLst>
+      <p:ext uri="{BB962C8B-B14F-4D97-AF65-F5344CB8AC3E}">
+        <p14:creationId xmlns:p14="http://schemas.microsoft.com/office/powerpoint/2010/main" val="1903048957"/>
+      </p:ext>
+    </p:extLst>
+  </p:cSld>
+  <p:clrMapOvr>
+    <a:masterClrMapping/>
+  </p:clrMapOvr>
+</p:sld>
+</file>
+
+<file path=ppt/slides/slide21.xml><?xml version="1.0" encoding="utf-8"?>
+<p:sld xmlns:a="http://schemas.openxmlformats.org/drawingml/2006/main" xmlns:r="http://schemas.openxmlformats.org/officeDocument/2006/relationships" xmlns:p="http://schemas.openxmlformats.org/presentationml/2006/main">
+  <p:cSld>
+    <p:spTree>
+      <p:nvGrpSpPr>
+        <p:cNvPr id="1" name=""/>
+        <p:cNvGrpSpPr/>
+        <p:nvPr/>
+      </p:nvGrpSpPr>
+      <p:grpSpPr>
+        <a:xfrm>
+          <a:off x="0" y="0"/>
+          <a:ext cx="0" cy="0"/>
+          <a:chOff x="0" y="0"/>
+          <a:chExt cx="0" cy="0"/>
+        </a:xfrm>
+      </p:grpSpPr>
+      <p:graphicFrame>
+        <p:nvGraphicFramePr>
+          <p:cNvPr id="10" name="Table 9">
+            <a:extLst>
+              <a:ext uri="{FF2B5EF4-FFF2-40B4-BE49-F238E27FC236}">
+                <a16:creationId xmlns:a16="http://schemas.microsoft.com/office/drawing/2014/main" id="{96EC6E0D-13F0-4152-A337-15DFD1F38190}"/>
+              </a:ext>
+            </a:extLst>
+          </p:cNvPr>
+          <p:cNvGraphicFramePr>
+            <a:graphicFrameLocks noGrp="1"/>
+          </p:cNvGraphicFramePr>
+          <p:nvPr>
+            <p:extLst>
+              <p:ext uri="{D42A27DB-BD31-4B8C-83A1-F6EECF244321}">
+                <p14:modId xmlns:p14="http://schemas.microsoft.com/office/powerpoint/2010/main" val="438569070"/>
+              </p:ext>
+            </p:extLst>
+          </p:nvPr>
+        </p:nvGraphicFramePr>
+        <p:xfrm>
+          <a:off x="1388226" y="1165850"/>
+          <a:ext cx="12768349" cy="1673352"/>
+        </p:xfrm>
+        <a:graphic>
+          <a:graphicData uri="http://schemas.openxmlformats.org/drawingml/2006/table">
+            <a:tbl>
+              <a:tblPr firstRow="1" bandRow="1">
+                <a:tableStyleId>{5C22544A-7EE6-4342-B048-85BDC9FD1C3A}</a:tableStyleId>
+              </a:tblPr>
+              <a:tblGrid>
+                <a:gridCol w="2194560">
+                  <a:extLst>
+                    <a:ext uri="{9D8B030D-6E8A-4147-A177-3AD203B41FA5}">
+                      <a16:colId xmlns:a16="http://schemas.microsoft.com/office/drawing/2014/main" val="4212076426"/>
+                    </a:ext>
+                  </a:extLst>
+                </a:gridCol>
+                <a:gridCol w="2734887">
+                  <a:extLst>
+                    <a:ext uri="{9D8B030D-6E8A-4147-A177-3AD203B41FA5}">
+                      <a16:colId xmlns:a16="http://schemas.microsoft.com/office/drawing/2014/main" val="3194676290"/>
+                    </a:ext>
+                  </a:extLst>
+                </a:gridCol>
+                <a:gridCol w="3707476">
+                  <a:extLst>
+                    <a:ext uri="{9D8B030D-6E8A-4147-A177-3AD203B41FA5}">
+                      <a16:colId xmlns:a16="http://schemas.microsoft.com/office/drawing/2014/main" val="1043220631"/>
+                    </a:ext>
+                  </a:extLst>
+                </a:gridCol>
+                <a:gridCol w="2377440">
+                  <a:extLst>
+                    <a:ext uri="{9D8B030D-6E8A-4147-A177-3AD203B41FA5}">
+                      <a16:colId xmlns:a16="http://schemas.microsoft.com/office/drawing/2014/main" val="2850652227"/>
+                    </a:ext>
+                  </a:extLst>
+                </a:gridCol>
+                <a:gridCol w="1753986">
+                  <a:extLst>
+                    <a:ext uri="{9D8B030D-6E8A-4147-A177-3AD203B41FA5}">
+                      <a16:colId xmlns:a16="http://schemas.microsoft.com/office/drawing/2014/main" val="1109386841"/>
+                    </a:ext>
+                  </a:extLst>
+                </a:gridCol>
+              </a:tblGrid>
+              <a:tr h="273858">
+                <a:tc>
+                  <a:txBody>
+                    <a:bodyPr/>
+                    <a:lstStyle/>
+                    <a:p>
+                      <a:r>
+                        <a:rPr lang="en-US" dirty="0"/>
+                        <a:t>Field name</a:t>
+                      </a:r>
+                    </a:p>
+                  </a:txBody>
+                  <a:tcPr/>
+                </a:tc>
+                <a:tc>
+                  <a:txBody>
+                    <a:bodyPr/>
+                    <a:lstStyle/>
+                    <a:p>
+                      <a:r>
+                        <a:rPr lang="en-US" dirty="0"/>
+                        <a:t>Type</a:t>
+                      </a:r>
+                    </a:p>
+                  </a:txBody>
+                  <a:tcPr/>
+                </a:tc>
+                <a:tc>
+                  <a:txBody>
+                    <a:bodyPr/>
+                    <a:lstStyle/>
+                    <a:p>
+                      <a:r>
+                        <a:rPr lang="en-US" dirty="0"/>
+                        <a:t>Null</a:t>
+                      </a:r>
+                    </a:p>
+                  </a:txBody>
+                  <a:tcPr/>
+                </a:tc>
+                <a:tc>
+                  <a:txBody>
+                    <a:bodyPr/>
+                    <a:lstStyle/>
+                    <a:p>
+                      <a:r>
+                        <a:rPr lang="en-US" dirty="0"/>
+                        <a:t>PK</a:t>
+                      </a:r>
+                    </a:p>
+                  </a:txBody>
+                  <a:tcPr/>
+                </a:tc>
+                <a:tc>
+                  <a:txBody>
+                    <a:bodyPr/>
+                    <a:lstStyle/>
+                    <a:p>
+                      <a:r>
+                        <a:rPr lang="en-US" dirty="0"/>
+                        <a:t>FK</a:t>
+                      </a:r>
+                    </a:p>
+                  </a:txBody>
+                  <a:tcPr/>
+                </a:tc>
+                <a:extLst>
+                  <a:ext uri="{0D108BD9-81ED-4DB2-BD59-A6C34878D82A}">
+                    <a16:rowId xmlns:a16="http://schemas.microsoft.com/office/drawing/2014/main" val="1161880616"/>
+                  </a:ext>
+                </a:extLst>
+              </a:tr>
+              <a:tr h="370840">
+                <a:tc>
+                  <a:txBody>
+                    <a:bodyPr/>
+                    <a:lstStyle/>
+                    <a:p>
+                      <a:r>
+                        <a:rPr lang="en-US" sz="2800" b="1" dirty="0">
+                          <a:solidFill>
+                            <a:schemeClr val="accent1">
+                              <a:lumMod val="75000"/>
+                            </a:schemeClr>
+                          </a:solidFill>
+                        </a:rPr>
+                        <a:t>id</a:t>
+                      </a:r>
+                    </a:p>
+                  </a:txBody>
+                  <a:tcPr/>
+                </a:tc>
+                <a:tc>
+                  <a:txBody>
+                    <a:bodyPr/>
+                    <a:lstStyle/>
+                    <a:p>
+                      <a:r>
+                        <a:rPr lang="en-US" dirty="0"/>
+                        <a:t>INT</a:t>
+                      </a:r>
+                    </a:p>
+                  </a:txBody>
+                  <a:tcPr/>
+                </a:tc>
+                <a:tc>
+                  <a:txBody>
+                    <a:bodyPr/>
+                    <a:lstStyle/>
+                    <a:p>
+                      <a:r>
+                        <a:rPr lang="en-US" dirty="0"/>
+                        <a:t>AUTO-INCREMENT</a:t>
+                      </a:r>
+                    </a:p>
+                  </a:txBody>
+                  <a:tcPr/>
+                </a:tc>
+                <a:tc>
+                  <a:txBody>
+                    <a:bodyPr/>
+                    <a:lstStyle/>
+                    <a:p>
+                      <a:r>
+                        <a:rPr lang="en-US" dirty="0"/>
+                        <a:t>PRIMARY KEY</a:t>
+                      </a:r>
+                    </a:p>
+                  </a:txBody>
+                  <a:tcPr/>
+                </a:tc>
+                <a:tc>
+                  <a:txBody>
+                    <a:bodyPr/>
+                    <a:lstStyle/>
+                    <a:p>
+                      <a:endParaRPr lang="en-US" dirty="0"/>
+                    </a:p>
+                  </a:txBody>
+                  <a:tcPr/>
+                </a:tc>
+                <a:extLst>
+                  <a:ext uri="{0D108BD9-81ED-4DB2-BD59-A6C34878D82A}">
+                    <a16:rowId xmlns:a16="http://schemas.microsoft.com/office/drawing/2014/main" val="416920414"/>
+                  </a:ext>
+                </a:extLst>
+              </a:tr>
+              <a:tr h="370840">
+                <a:tc>
+                  <a:txBody>
+                    <a:bodyPr/>
+                    <a:lstStyle/>
+                    <a:p>
+                      <a:r>
+                        <a:rPr lang="en-US" sz="2800" kern="1200" dirty="0">
+                          <a:solidFill>
+                            <a:schemeClr val="accent1">
+                              <a:lumMod val="75000"/>
+                            </a:schemeClr>
+                          </a:solidFill>
+                          <a:latin typeface="+mn-lt"/>
+                          <a:ea typeface="+mn-ea"/>
+                          <a:cs typeface="+mn-cs"/>
+                        </a:rPr>
+                        <a:t>name</a:t>
+                      </a:r>
+                    </a:p>
+                  </a:txBody>
+                  <a:tcPr/>
+                </a:tc>
+                <a:tc>
+                  <a:txBody>
+                    <a:bodyPr/>
+                    <a:lstStyle/>
+                    <a:p>
+                      <a:r>
+                        <a:rPr lang="en-US" dirty="0"/>
+                        <a:t>VARCHAR(255)</a:t>
+                      </a:r>
+                    </a:p>
+                  </a:txBody>
+                  <a:tcPr/>
+                </a:tc>
+                <a:tc>
+                  <a:txBody>
+                    <a:bodyPr/>
+                    <a:lstStyle/>
+                    <a:p>
+                      <a:r>
+                        <a:rPr lang="en-US" dirty="0"/>
+                        <a:t>NOT NULL</a:t>
+                      </a:r>
+                    </a:p>
+                  </a:txBody>
+                  <a:tcPr/>
+                </a:tc>
+                <a:tc>
+                  <a:txBody>
+                    <a:bodyPr/>
+                    <a:lstStyle/>
+                    <a:p>
+                      <a:endParaRPr lang="en-US" dirty="0"/>
+                    </a:p>
+                  </a:txBody>
+                  <a:tcPr/>
+                </a:tc>
+                <a:tc>
+                  <a:txBody>
+                    <a:bodyPr/>
+                    <a:lstStyle/>
+                    <a:p>
+                      <a:pPr marL="0" marR="0" lvl="0" indent="0" algn="l" defTabSz="1371600" rtl="0" eaLnBrk="1" fontAlgn="auto" latinLnBrk="0" hangingPunct="1">
+                        <a:lnSpc>
+                          <a:spcPct val="100000"/>
+                        </a:lnSpc>
+                        <a:spcBef>
+                          <a:spcPts val="0"/>
+                        </a:spcBef>
+                        <a:spcAft>
+                          <a:spcPts val="0"/>
+                        </a:spcAft>
+                        <a:buClrTx/>
+                        <a:buSzTx/>
+                        <a:buFontTx/>
+                        <a:buNone/>
+                        <a:tabLst/>
+                        <a:defRPr/>
+                      </a:pPr>
+                      <a:endParaRPr lang="en-US" dirty="0"/>
+                    </a:p>
+                  </a:txBody>
+                  <a:tcPr/>
+                </a:tc>
+                <a:extLst>
+                  <a:ext uri="{0D108BD9-81ED-4DB2-BD59-A6C34878D82A}">
+                    <a16:rowId xmlns:a16="http://schemas.microsoft.com/office/drawing/2014/main" val="3170761660"/>
+                  </a:ext>
+                </a:extLst>
+              </a:tr>
+            </a:tbl>
+          </a:graphicData>
+        </a:graphic>
+      </p:graphicFrame>
+      <p:sp>
+        <p:nvSpPr>
+          <p:cNvPr id="2" name="TextBox 1">
+            <a:extLst>
+              <a:ext uri="{FF2B5EF4-FFF2-40B4-BE49-F238E27FC236}">
+                <a16:creationId xmlns:a16="http://schemas.microsoft.com/office/drawing/2014/main" id="{EB4822A1-97EA-4E11-AF40-DF8A4F2264D4}"/>
+              </a:ext>
+            </a:extLst>
+          </p:cNvPr>
+          <p:cNvSpPr txBox="1"/>
+          <p:nvPr/>
+        </p:nvSpPr>
+        <p:spPr>
+          <a:xfrm>
+            <a:off x="5180906" y="334854"/>
+            <a:ext cx="5182987" cy="830997"/>
+          </a:xfrm>
+          <a:prstGeom prst="rect">
+            <a:avLst/>
+          </a:prstGeom>
+          <a:noFill/>
+        </p:spPr>
+        <p:txBody>
+          <a:bodyPr wrap="square" rtlCol="0">
+            <a:spAutoFit/>
+          </a:bodyPr>
+          <a:lstStyle/>
+          <a:p>
+            <a:pPr algn="ctr"/>
+            <a:r>
+              <a:rPr lang="en-US" sz="4800" dirty="0">
+                <a:solidFill>
+                  <a:schemeClr val="accent1">
+                    <a:lumMod val="75000"/>
+                  </a:schemeClr>
+                </a:solidFill>
+              </a:rPr>
+              <a:t>Vendors</a:t>
+            </a:r>
+            <a:endParaRPr lang="en-US" dirty="0">
+              <a:solidFill>
+                <a:schemeClr val="accent1">
+                  <a:lumMod val="75000"/>
+                </a:schemeClr>
+              </a:solidFill>
+            </a:endParaRPr>
+          </a:p>
+        </p:txBody>
+      </p:sp>
+      <p:sp>
+        <p:nvSpPr>
+          <p:cNvPr id="4" name="TextBox 3">
+            <a:extLst>
+              <a:ext uri="{FF2B5EF4-FFF2-40B4-BE49-F238E27FC236}">
+                <a16:creationId xmlns:a16="http://schemas.microsoft.com/office/drawing/2014/main" id="{C4838403-53DE-4A7B-B4A6-9742F724F66C}"/>
+              </a:ext>
+            </a:extLst>
+          </p:cNvPr>
+          <p:cNvSpPr txBox="1"/>
+          <p:nvPr/>
+        </p:nvSpPr>
+        <p:spPr>
+          <a:xfrm>
+            <a:off x="2310939" y="8545485"/>
+            <a:ext cx="10839797" cy="369332"/>
+          </a:xfrm>
+          <a:prstGeom prst="rect">
+            <a:avLst/>
+          </a:prstGeom>
+          <a:noFill/>
+        </p:spPr>
+        <p:txBody>
+          <a:bodyPr wrap="square" rtlCol="0">
+            <a:spAutoFit/>
+          </a:bodyPr>
+          <a:lstStyle/>
+          <a:p>
+            <a:r>
+              <a:rPr lang="en-US" dirty="0"/>
+              <a:t>CREATE TABLE vendors (id INT AUTO_INCREMENT PRIMARY KEY, name VARCHAR(255) NOT NULL);</a:t>
+            </a:r>
+          </a:p>
+        </p:txBody>
+      </p:sp>
+    </p:spTree>
+    <p:extLst>
+      <p:ext uri="{BB962C8B-B14F-4D97-AF65-F5344CB8AC3E}">
+        <p14:creationId xmlns:p14="http://schemas.microsoft.com/office/powerpoint/2010/main" val="2562666205"/>
+      </p:ext>
+    </p:extLst>
+  </p:cSld>
+  <p:clrMapOvr>
+    <a:masterClrMapping/>
+  </p:clrMapOvr>
+</p:sld>
+</file>
+
+<file path=ppt/slides/slide22.xml><?xml version="1.0" encoding="utf-8"?>
+<p:sld xmlns:a="http://schemas.openxmlformats.org/drawingml/2006/main" xmlns:r="http://schemas.openxmlformats.org/officeDocument/2006/relationships" xmlns:p="http://schemas.openxmlformats.org/presentationml/2006/main">
+  <p:cSld>
+    <p:spTree>
+      <p:nvGrpSpPr>
+        <p:cNvPr id="1" name=""/>
+        <p:cNvGrpSpPr/>
+        <p:nvPr/>
+      </p:nvGrpSpPr>
+      <p:grpSpPr>
+        <a:xfrm>
+          <a:off x="0" y="0"/>
+          <a:ext cx="0" cy="0"/>
+          <a:chOff x="0" y="0"/>
+          <a:chExt cx="0" cy="0"/>
+        </a:xfrm>
+      </p:grpSpPr>
+      <p:graphicFrame>
+        <p:nvGraphicFramePr>
+          <p:cNvPr id="10" name="Table 9">
+            <a:extLst>
+              <a:ext uri="{FF2B5EF4-FFF2-40B4-BE49-F238E27FC236}">
+                <a16:creationId xmlns:a16="http://schemas.microsoft.com/office/drawing/2014/main" id="{96EC6E0D-13F0-4152-A337-15DFD1F38190}"/>
+              </a:ext>
+            </a:extLst>
+          </p:cNvPr>
+          <p:cNvGraphicFramePr>
+            <a:graphicFrameLocks noGrp="1"/>
+          </p:cNvGraphicFramePr>
+          <p:nvPr>
+            <p:extLst>
+              <p:ext uri="{D42A27DB-BD31-4B8C-83A1-F6EECF244321}">
                 <p14:modId xmlns:p14="http://schemas.microsoft.com/office/powerpoint/2010/main" val="970050095"/>
               </p:ext>
             </p:extLst>
@@ -13288,7 +18689,7 @@
         </p:nvGraphicFramePr>
         <p:xfrm>
           <a:off x="1388225" y="1165850"/>
-          <a:ext cx="12768349" cy="6659880"/>
+          <a:ext cx="12768349" cy="7738872"/>
         </p:xfrm>
         <a:graphic>
           <a:graphicData uri="http://schemas.openxmlformats.org/drawingml/2006/table">
@@ -14175,1907 +19576,7 @@
 </p:sld>
 </file>
 
-<file path=ppt/slides/slide19.xml><?xml version="1.0" encoding="utf-8"?>
-<p:sld xmlns:a="http://schemas.openxmlformats.org/drawingml/2006/main" xmlns:r="http://schemas.openxmlformats.org/officeDocument/2006/relationships" xmlns:p="http://schemas.openxmlformats.org/presentationml/2006/main">
-  <p:cSld>
-    <p:spTree>
-      <p:nvGrpSpPr>
-        <p:cNvPr id="1" name=""/>
-        <p:cNvGrpSpPr/>
-        <p:nvPr/>
-      </p:nvGrpSpPr>
-      <p:grpSpPr>
-        <a:xfrm>
-          <a:off x="0" y="0"/>
-          <a:ext cx="0" cy="0"/>
-          <a:chOff x="0" y="0"/>
-          <a:chExt cx="0" cy="0"/>
-        </a:xfrm>
-      </p:grpSpPr>
-      <p:graphicFrame>
-        <p:nvGraphicFramePr>
-          <p:cNvPr id="10" name="Table 9">
-            <a:extLst>
-              <a:ext uri="{FF2B5EF4-FFF2-40B4-BE49-F238E27FC236}">
-                <a16:creationId xmlns:a16="http://schemas.microsoft.com/office/drawing/2014/main" id="{96EC6E0D-13F0-4152-A337-15DFD1F38190}"/>
-              </a:ext>
-            </a:extLst>
-          </p:cNvPr>
-          <p:cNvGraphicFramePr>
-            <a:graphicFrameLocks noGrp="1"/>
-          </p:cNvGraphicFramePr>
-          <p:nvPr>
-            <p:extLst>
-              <p:ext uri="{D42A27DB-BD31-4B8C-83A1-F6EECF244321}">
-                <p14:modId xmlns:p14="http://schemas.microsoft.com/office/powerpoint/2010/main" val="1574533195"/>
-              </p:ext>
-            </p:extLst>
-          </p:nvPr>
-        </p:nvGraphicFramePr>
-        <p:xfrm>
-          <a:off x="1388226" y="1165850"/>
-          <a:ext cx="12768349" cy="3246120"/>
-        </p:xfrm>
-        <a:graphic>
-          <a:graphicData uri="http://schemas.openxmlformats.org/drawingml/2006/table">
-            <a:tbl>
-              <a:tblPr firstRow="1" bandRow="1">
-                <a:tableStyleId>{5C22544A-7EE6-4342-B048-85BDC9FD1C3A}</a:tableStyleId>
-              </a:tblPr>
-              <a:tblGrid>
-                <a:gridCol w="2194560">
-                  <a:extLst>
-                    <a:ext uri="{9D8B030D-6E8A-4147-A177-3AD203B41FA5}">
-                      <a16:colId xmlns:a16="http://schemas.microsoft.com/office/drawing/2014/main" val="4212076426"/>
-                    </a:ext>
-                  </a:extLst>
-                </a:gridCol>
-                <a:gridCol w="1280160">
-                  <a:extLst>
-                    <a:ext uri="{9D8B030D-6E8A-4147-A177-3AD203B41FA5}">
-                      <a16:colId xmlns:a16="http://schemas.microsoft.com/office/drawing/2014/main" val="3194676290"/>
-                    </a:ext>
-                  </a:extLst>
-                </a:gridCol>
-                <a:gridCol w="2061556">
-                  <a:extLst>
-                    <a:ext uri="{9D8B030D-6E8A-4147-A177-3AD203B41FA5}">
-                      <a16:colId xmlns:a16="http://schemas.microsoft.com/office/drawing/2014/main" val="1043220631"/>
-                    </a:ext>
-                  </a:extLst>
-                </a:gridCol>
-                <a:gridCol w="2310938">
-                  <a:extLst>
-                    <a:ext uri="{9D8B030D-6E8A-4147-A177-3AD203B41FA5}">
-                      <a16:colId xmlns:a16="http://schemas.microsoft.com/office/drawing/2014/main" val="2850652227"/>
-                    </a:ext>
-                  </a:extLst>
-                </a:gridCol>
-                <a:gridCol w="4921135">
-                  <a:extLst>
-                    <a:ext uri="{9D8B030D-6E8A-4147-A177-3AD203B41FA5}">
-                      <a16:colId xmlns:a16="http://schemas.microsoft.com/office/drawing/2014/main" val="1109386841"/>
-                    </a:ext>
-                  </a:extLst>
-                </a:gridCol>
-              </a:tblGrid>
-              <a:tr h="273858">
-                <a:tc>
-                  <a:txBody>
-                    <a:bodyPr/>
-                    <a:lstStyle/>
-                    <a:p>
-                      <a:r>
-                        <a:rPr lang="en-US" dirty="0"/>
-                        <a:t>Field name</a:t>
-                      </a:r>
-                    </a:p>
-                  </a:txBody>
-                  <a:tcPr/>
-                </a:tc>
-                <a:tc>
-                  <a:txBody>
-                    <a:bodyPr/>
-                    <a:lstStyle/>
-                    <a:p>
-                      <a:r>
-                        <a:rPr lang="en-US" dirty="0"/>
-                        <a:t>Type</a:t>
-                      </a:r>
-                    </a:p>
-                  </a:txBody>
-                  <a:tcPr/>
-                </a:tc>
-                <a:tc>
-                  <a:txBody>
-                    <a:bodyPr/>
-                    <a:lstStyle/>
-                    <a:p>
-                      <a:r>
-                        <a:rPr lang="en-US" dirty="0"/>
-                        <a:t>Null</a:t>
-                      </a:r>
-                    </a:p>
-                  </a:txBody>
-                  <a:tcPr/>
-                </a:tc>
-                <a:tc>
-                  <a:txBody>
-                    <a:bodyPr/>
-                    <a:lstStyle/>
-                    <a:p>
-                      <a:r>
-                        <a:rPr lang="en-US" dirty="0"/>
-                        <a:t>PK</a:t>
-                      </a:r>
-                    </a:p>
-                  </a:txBody>
-                  <a:tcPr/>
-                </a:tc>
-                <a:tc>
-                  <a:txBody>
-                    <a:bodyPr/>
-                    <a:lstStyle/>
-                    <a:p>
-                      <a:r>
-                        <a:rPr lang="en-US" dirty="0"/>
-                        <a:t>FK</a:t>
-                      </a:r>
-                    </a:p>
-                  </a:txBody>
-                  <a:tcPr/>
-                </a:tc>
-                <a:extLst>
-                  <a:ext uri="{0D108BD9-81ED-4DB2-BD59-A6C34878D82A}">
-                    <a16:rowId xmlns:a16="http://schemas.microsoft.com/office/drawing/2014/main" val="1161880616"/>
-                  </a:ext>
-                </a:extLst>
-              </a:tr>
-              <a:tr h="370840">
-                <a:tc>
-                  <a:txBody>
-                    <a:bodyPr/>
-                    <a:lstStyle/>
-                    <a:p>
-                      <a:r>
-                        <a:rPr lang="en-US" sz="2800" b="1" dirty="0">
-                          <a:solidFill>
-                            <a:schemeClr val="accent1">
-                              <a:lumMod val="75000"/>
-                            </a:schemeClr>
-                          </a:solidFill>
-                        </a:rPr>
-                        <a:t>id</a:t>
-                      </a:r>
-                    </a:p>
-                  </a:txBody>
-                  <a:tcPr/>
-                </a:tc>
-                <a:tc>
-                  <a:txBody>
-                    <a:bodyPr/>
-                    <a:lstStyle/>
-                    <a:p>
-                      <a:r>
-                        <a:rPr lang="en-US" dirty="0"/>
-                        <a:t>INT</a:t>
-                      </a:r>
-                    </a:p>
-                  </a:txBody>
-                  <a:tcPr/>
-                </a:tc>
-                <a:tc>
-                  <a:txBody>
-                    <a:bodyPr/>
-                    <a:lstStyle/>
-                    <a:p>
-                      <a:r>
-                        <a:rPr lang="en-US" dirty="0"/>
-                        <a:t>AUTO-INCREMENT</a:t>
-                      </a:r>
-                    </a:p>
-                  </a:txBody>
-                  <a:tcPr/>
-                </a:tc>
-                <a:tc>
-                  <a:txBody>
-                    <a:bodyPr/>
-                    <a:lstStyle/>
-                    <a:p>
-                      <a:r>
-                        <a:rPr lang="en-US" dirty="0"/>
-                        <a:t>PRIMARY KEY</a:t>
-                      </a:r>
-                    </a:p>
-                  </a:txBody>
-                  <a:tcPr/>
-                </a:tc>
-                <a:tc>
-                  <a:txBody>
-                    <a:bodyPr/>
-                    <a:lstStyle/>
-                    <a:p>
-                      <a:endParaRPr lang="en-US" dirty="0"/>
-                    </a:p>
-                  </a:txBody>
-                  <a:tcPr/>
-                </a:tc>
-                <a:extLst>
-                  <a:ext uri="{0D108BD9-81ED-4DB2-BD59-A6C34878D82A}">
-                    <a16:rowId xmlns:a16="http://schemas.microsoft.com/office/drawing/2014/main" val="416920414"/>
-                  </a:ext>
-                </a:extLst>
-              </a:tr>
-              <a:tr h="370840">
-                <a:tc>
-                  <a:txBody>
-                    <a:bodyPr/>
-                    <a:lstStyle/>
-                    <a:p>
-                      <a:r>
-                        <a:rPr lang="en-US" sz="2800" kern="1200" dirty="0">
-                          <a:solidFill>
-                            <a:schemeClr val="accent1">
-                              <a:lumMod val="75000"/>
-                            </a:schemeClr>
-                          </a:solidFill>
-                          <a:latin typeface="+mn-lt"/>
-                          <a:ea typeface="+mn-ea"/>
-                          <a:cs typeface="+mn-cs"/>
-                        </a:rPr>
-                        <a:t>toolId</a:t>
-                      </a:r>
-                    </a:p>
-                  </a:txBody>
-                  <a:tcPr/>
-                </a:tc>
-                <a:tc>
-                  <a:txBody>
-                    <a:bodyPr/>
-                    <a:lstStyle/>
-                    <a:p>
-                      <a:r>
-                        <a:rPr lang="en-US" dirty="0"/>
-                        <a:t>INT</a:t>
-                      </a:r>
-                    </a:p>
-                  </a:txBody>
-                  <a:tcPr/>
-                </a:tc>
-                <a:tc>
-                  <a:txBody>
-                    <a:bodyPr/>
-                    <a:lstStyle/>
-                    <a:p>
-                      <a:r>
-                        <a:rPr lang="en-US" dirty="0"/>
-                        <a:t>NOT NULL</a:t>
-                      </a:r>
-                    </a:p>
-                  </a:txBody>
-                  <a:tcPr/>
-                </a:tc>
-                <a:tc>
-                  <a:txBody>
-                    <a:bodyPr/>
-                    <a:lstStyle/>
-                    <a:p>
-                      <a:endParaRPr lang="en-US" dirty="0"/>
-                    </a:p>
-                  </a:txBody>
-                  <a:tcPr/>
-                </a:tc>
-                <a:tc>
-                  <a:txBody>
-                    <a:bodyPr/>
-                    <a:lstStyle/>
-                    <a:p>
-                      <a:pPr marL="0" marR="0" lvl="0" indent="0" algn="l" defTabSz="1371600" rtl="0" eaLnBrk="1" fontAlgn="auto" latinLnBrk="0" hangingPunct="1">
-                        <a:lnSpc>
-                          <a:spcPct val="100000"/>
-                        </a:lnSpc>
-                        <a:spcBef>
-                          <a:spcPts val="0"/>
-                        </a:spcBef>
-                        <a:spcAft>
-                          <a:spcPts val="0"/>
-                        </a:spcAft>
-                        <a:buClrTx/>
-                        <a:buSzTx/>
-                        <a:buFontTx/>
-                        <a:buNone/>
-                        <a:tabLst/>
-                        <a:defRPr/>
-                      </a:pPr>
-                      <a:r>
-                        <a:rPr lang="en-US" dirty="0"/>
-                        <a:t>FOREIGN KEY(tool) REFERENCES tools(id)</a:t>
-                      </a:r>
-                    </a:p>
-                  </a:txBody>
-                  <a:tcPr/>
-                </a:tc>
-                <a:extLst>
-                  <a:ext uri="{0D108BD9-81ED-4DB2-BD59-A6C34878D82A}">
-                    <a16:rowId xmlns:a16="http://schemas.microsoft.com/office/drawing/2014/main" val="2052542108"/>
-                  </a:ext>
-                </a:extLst>
-              </a:tr>
-              <a:tr h="370840">
-                <a:tc>
-                  <a:txBody>
-                    <a:bodyPr/>
-                    <a:lstStyle/>
-                    <a:p>
-                      <a:r>
-                        <a:rPr lang="en-US" sz="2800" kern="1200" dirty="0">
-                          <a:solidFill>
-                            <a:schemeClr val="accent1">
-                              <a:lumMod val="75000"/>
-                            </a:schemeClr>
-                          </a:solidFill>
-                          <a:latin typeface="+mn-lt"/>
-                          <a:ea typeface="+mn-ea"/>
-                          <a:cs typeface="+mn-cs"/>
-                        </a:rPr>
-                        <a:t>jid</a:t>
-                      </a:r>
-                    </a:p>
-                  </a:txBody>
-                  <a:tcPr/>
-                </a:tc>
-                <a:tc>
-                  <a:txBody>
-                    <a:bodyPr/>
-                    <a:lstStyle/>
-                    <a:p>
-                      <a:r>
-                        <a:rPr lang="en-US" dirty="0"/>
-                        <a:t>INT</a:t>
-                      </a:r>
-                    </a:p>
-                  </a:txBody>
-                  <a:tcPr/>
-                </a:tc>
-                <a:tc>
-                  <a:txBody>
-                    <a:bodyPr/>
-                    <a:lstStyle/>
-                    <a:p>
-                      <a:r>
-                        <a:rPr lang="en-US" dirty="0"/>
-                        <a:t>NOT NULL</a:t>
-                      </a:r>
-                    </a:p>
-                  </a:txBody>
-                  <a:tcPr/>
-                </a:tc>
-                <a:tc>
-                  <a:txBody>
-                    <a:bodyPr/>
-                    <a:lstStyle/>
-                    <a:p>
-                      <a:endParaRPr lang="en-US" dirty="0"/>
-                    </a:p>
-                  </a:txBody>
-                  <a:tcPr/>
-                </a:tc>
-                <a:tc>
-                  <a:txBody>
-                    <a:bodyPr/>
-                    <a:lstStyle/>
-                    <a:p>
-                      <a:pPr marL="0" marR="0" lvl="0" indent="0" algn="l" defTabSz="1371600" rtl="0" eaLnBrk="1" fontAlgn="auto" latinLnBrk="0" hangingPunct="1">
-                        <a:lnSpc>
-                          <a:spcPct val="100000"/>
-                        </a:lnSpc>
-                        <a:spcBef>
-                          <a:spcPts val="0"/>
-                        </a:spcBef>
-                        <a:spcAft>
-                          <a:spcPts val="0"/>
-                        </a:spcAft>
-                        <a:buClrTx/>
-                        <a:buSzTx/>
-                        <a:buFontTx/>
-                        <a:buNone/>
-                        <a:tabLst/>
-                        <a:defRPr/>
-                      </a:pPr>
-                      <a:r>
-                        <a:rPr lang="en-US" dirty="0"/>
-                        <a:t>FOREIGN KEY(jid) REFERENCES jobs(id)</a:t>
-                      </a:r>
-                    </a:p>
-                  </a:txBody>
-                  <a:tcPr/>
-                </a:tc>
-                <a:extLst>
-                  <a:ext uri="{0D108BD9-81ED-4DB2-BD59-A6C34878D82A}">
-                    <a16:rowId xmlns:a16="http://schemas.microsoft.com/office/drawing/2014/main" val="3170761660"/>
-                  </a:ext>
-                </a:extLst>
-              </a:tr>
-            </a:tbl>
-          </a:graphicData>
-        </a:graphic>
-      </p:graphicFrame>
-      <p:sp>
-        <p:nvSpPr>
-          <p:cNvPr id="2" name="TextBox 1">
-            <a:extLst>
-              <a:ext uri="{FF2B5EF4-FFF2-40B4-BE49-F238E27FC236}">
-                <a16:creationId xmlns:a16="http://schemas.microsoft.com/office/drawing/2014/main" id="{EB4822A1-97EA-4E11-AF40-DF8A4F2264D4}"/>
-              </a:ext>
-            </a:extLst>
-          </p:cNvPr>
-          <p:cNvSpPr txBox="1"/>
-          <p:nvPr/>
-        </p:nvSpPr>
-        <p:spPr>
-          <a:xfrm>
-            <a:off x="5180906" y="334854"/>
-            <a:ext cx="5182987" cy="830997"/>
-          </a:xfrm>
-          <a:prstGeom prst="rect">
-            <a:avLst/>
-          </a:prstGeom>
-          <a:noFill/>
-        </p:spPr>
-        <p:txBody>
-          <a:bodyPr wrap="square" rtlCol="0">
-            <a:spAutoFit/>
-          </a:bodyPr>
-          <a:lstStyle/>
-          <a:p>
-            <a:pPr algn="ctr"/>
-            <a:r>
-              <a:rPr lang="en-US" sz="4800" dirty="0">
-                <a:solidFill>
-                  <a:schemeClr val="accent1">
-                    <a:lumMod val="75000"/>
-                  </a:schemeClr>
-                </a:solidFill>
-              </a:rPr>
-              <a:t>Tools_On_Jobs</a:t>
-            </a:r>
-            <a:endParaRPr lang="en-US" dirty="0">
-              <a:solidFill>
-                <a:schemeClr val="accent1">
-                  <a:lumMod val="75000"/>
-                </a:schemeClr>
-              </a:solidFill>
-            </a:endParaRPr>
-          </a:p>
-        </p:txBody>
-      </p:sp>
-      <p:sp>
-        <p:nvSpPr>
-          <p:cNvPr id="4" name="TextBox 3">
-            <a:extLst>
-              <a:ext uri="{FF2B5EF4-FFF2-40B4-BE49-F238E27FC236}">
-                <a16:creationId xmlns:a16="http://schemas.microsoft.com/office/drawing/2014/main" id="{C4838403-53DE-4A7B-B4A6-9742F724F66C}"/>
-              </a:ext>
-            </a:extLst>
-          </p:cNvPr>
-          <p:cNvSpPr txBox="1"/>
-          <p:nvPr/>
-        </p:nvSpPr>
-        <p:spPr>
-          <a:xfrm>
-            <a:off x="2310939" y="8545485"/>
-            <a:ext cx="10839797" cy="646331"/>
-          </a:xfrm>
-          <a:prstGeom prst="rect">
-            <a:avLst/>
-          </a:prstGeom>
-          <a:noFill/>
-        </p:spPr>
-        <p:txBody>
-          <a:bodyPr wrap="square" rtlCol="0">
-            <a:spAutoFit/>
-          </a:bodyPr>
-          <a:lstStyle/>
-          <a:p>
-            <a:r>
-              <a:rPr lang="en-US" dirty="0"/>
-              <a:t>CREATE TABLE tools_on_jobs (id INT AUTO_INCREMENT PRIMARY KEY, toolId INT NOT NULL, jid INT NOT NULL, FOREIGN KEY(toolId) REFERENCES tools(id), FOREIGN KEY(jid) REFERENCES jobs(id));</a:t>
-            </a:r>
-          </a:p>
-        </p:txBody>
-      </p:sp>
-    </p:spTree>
-    <p:extLst>
-      <p:ext uri="{BB962C8B-B14F-4D97-AF65-F5344CB8AC3E}">
-        <p14:creationId xmlns:p14="http://schemas.microsoft.com/office/powerpoint/2010/main" val="703012077"/>
-      </p:ext>
-    </p:extLst>
-  </p:cSld>
-  <p:clrMapOvr>
-    <a:masterClrMapping/>
-  </p:clrMapOvr>
-</p:sld>
-</file>
-
-<file path=ppt/slides/slide2.xml><?xml version="1.0" encoding="utf-8"?>
-<p:sld xmlns:a="http://schemas.openxmlformats.org/drawingml/2006/main" xmlns:r="http://schemas.openxmlformats.org/officeDocument/2006/relationships" xmlns:p="http://schemas.openxmlformats.org/presentationml/2006/main">
-  <p:cSld>
-    <p:spTree>
-      <p:nvGrpSpPr>
-        <p:cNvPr id="1" name=""/>
-        <p:cNvGrpSpPr/>
-        <p:nvPr/>
-      </p:nvGrpSpPr>
-      <p:grpSpPr>
-        <a:xfrm>
-          <a:off x="0" y="0"/>
-          <a:ext cx="0" cy="0"/>
-          <a:chOff x="0" y="0"/>
-          <a:chExt cx="0" cy="0"/>
-        </a:xfrm>
-      </p:grpSpPr>
-      <p:graphicFrame>
-        <p:nvGraphicFramePr>
-          <p:cNvPr id="10" name="Table 9">
-            <a:extLst>
-              <a:ext uri="{FF2B5EF4-FFF2-40B4-BE49-F238E27FC236}">
-                <a16:creationId xmlns:a16="http://schemas.microsoft.com/office/drawing/2014/main" id="{96EC6E0D-13F0-4152-A337-15DFD1F38190}"/>
-              </a:ext>
-            </a:extLst>
-          </p:cNvPr>
-          <p:cNvGraphicFramePr>
-            <a:graphicFrameLocks noGrp="1"/>
-          </p:cNvGraphicFramePr>
-          <p:nvPr>
-            <p:extLst>
-              <p:ext uri="{D42A27DB-BD31-4B8C-83A1-F6EECF244321}">
-                <p14:modId xmlns:p14="http://schemas.microsoft.com/office/powerpoint/2010/main" val="991066075"/>
-              </p:ext>
-            </p:extLst>
-          </p:nvPr>
-        </p:nvGraphicFramePr>
-        <p:xfrm>
-          <a:off x="1388226" y="1165850"/>
-          <a:ext cx="12768349" cy="10561320"/>
-        </p:xfrm>
-        <a:graphic>
-          <a:graphicData uri="http://schemas.openxmlformats.org/drawingml/2006/table">
-            <a:tbl>
-              <a:tblPr firstRow="1" bandRow="1">
-                <a:tableStyleId>{5C22544A-7EE6-4342-B048-85BDC9FD1C3A}</a:tableStyleId>
-              </a:tblPr>
-              <a:tblGrid>
-                <a:gridCol w="2194560">
-                  <a:extLst>
-                    <a:ext uri="{9D8B030D-6E8A-4147-A177-3AD203B41FA5}">
-                      <a16:colId xmlns:a16="http://schemas.microsoft.com/office/drawing/2014/main" val="4212076426"/>
-                    </a:ext>
-                  </a:extLst>
-                </a:gridCol>
-                <a:gridCol w="1280160">
-                  <a:extLst>
-                    <a:ext uri="{9D8B030D-6E8A-4147-A177-3AD203B41FA5}">
-                      <a16:colId xmlns:a16="http://schemas.microsoft.com/office/drawing/2014/main" val="3194676290"/>
-                    </a:ext>
-                  </a:extLst>
-                </a:gridCol>
-                <a:gridCol w="2061556">
-                  <a:extLst>
-                    <a:ext uri="{9D8B030D-6E8A-4147-A177-3AD203B41FA5}">
-                      <a16:colId xmlns:a16="http://schemas.microsoft.com/office/drawing/2014/main" val="1043220631"/>
-                    </a:ext>
-                  </a:extLst>
-                </a:gridCol>
-                <a:gridCol w="2310938">
-                  <a:extLst>
-                    <a:ext uri="{9D8B030D-6E8A-4147-A177-3AD203B41FA5}">
-                      <a16:colId xmlns:a16="http://schemas.microsoft.com/office/drawing/2014/main" val="2850652227"/>
-                    </a:ext>
-                  </a:extLst>
-                </a:gridCol>
-                <a:gridCol w="4921135">
-                  <a:extLst>
-                    <a:ext uri="{9D8B030D-6E8A-4147-A177-3AD203B41FA5}">
-                      <a16:colId xmlns:a16="http://schemas.microsoft.com/office/drawing/2014/main" val="1109386841"/>
-                    </a:ext>
-                  </a:extLst>
-                </a:gridCol>
-              </a:tblGrid>
-              <a:tr h="273858">
-                <a:tc>
-                  <a:txBody>
-                    <a:bodyPr/>
-                    <a:lstStyle/>
-                    <a:p>
-                      <a:r>
-                        <a:rPr lang="en-US" dirty="0"/>
-                        <a:t>Field name</a:t>
-                      </a:r>
-                    </a:p>
-                  </a:txBody>
-                  <a:tcPr/>
-                </a:tc>
-                <a:tc>
-                  <a:txBody>
-                    <a:bodyPr/>
-                    <a:lstStyle/>
-                    <a:p>
-                      <a:r>
-                        <a:rPr lang="en-US" dirty="0"/>
-                        <a:t>Type</a:t>
-                      </a:r>
-                    </a:p>
-                  </a:txBody>
-                  <a:tcPr/>
-                </a:tc>
-                <a:tc>
-                  <a:txBody>
-                    <a:bodyPr/>
-                    <a:lstStyle/>
-                    <a:p>
-                      <a:r>
-                        <a:rPr lang="en-US" dirty="0"/>
-                        <a:t>Null</a:t>
-                      </a:r>
-                    </a:p>
-                  </a:txBody>
-                  <a:tcPr/>
-                </a:tc>
-                <a:tc>
-                  <a:txBody>
-                    <a:bodyPr/>
-                    <a:lstStyle/>
-                    <a:p>
-                      <a:r>
-                        <a:rPr lang="en-US" dirty="0"/>
-                        <a:t>PK</a:t>
-                      </a:r>
-                    </a:p>
-                  </a:txBody>
-                  <a:tcPr/>
-                </a:tc>
-                <a:tc>
-                  <a:txBody>
-                    <a:bodyPr/>
-                    <a:lstStyle/>
-                    <a:p>
-                      <a:r>
-                        <a:rPr lang="en-US" dirty="0"/>
-                        <a:t>FK</a:t>
-                      </a:r>
-                    </a:p>
-                  </a:txBody>
-                  <a:tcPr/>
-                </a:tc>
-                <a:extLst>
-                  <a:ext uri="{0D108BD9-81ED-4DB2-BD59-A6C34878D82A}">
-                    <a16:rowId xmlns:a16="http://schemas.microsoft.com/office/drawing/2014/main" val="1161880616"/>
-                  </a:ext>
-                </a:extLst>
-              </a:tr>
-              <a:tr h="370840">
-                <a:tc>
-                  <a:txBody>
-                    <a:bodyPr/>
-                    <a:lstStyle/>
-                    <a:p>
-                      <a:r>
-                        <a:rPr lang="en-US" sz="2800" b="1" dirty="0">
-                          <a:solidFill>
-                            <a:schemeClr val="accent1">
-                              <a:lumMod val="75000"/>
-                            </a:schemeClr>
-                          </a:solidFill>
-                        </a:rPr>
-                        <a:t>id</a:t>
-                      </a:r>
-                    </a:p>
-                  </a:txBody>
-                  <a:tcPr/>
-                </a:tc>
-                <a:tc>
-                  <a:txBody>
-                    <a:bodyPr/>
-                    <a:lstStyle/>
-                    <a:p>
-                      <a:r>
-                        <a:rPr lang="en-US" dirty="0"/>
-                        <a:t>INT</a:t>
-                      </a:r>
-                    </a:p>
-                  </a:txBody>
-                  <a:tcPr/>
-                </a:tc>
-                <a:tc>
-                  <a:txBody>
-                    <a:bodyPr/>
-                    <a:lstStyle/>
-                    <a:p>
-                      <a:r>
-                        <a:rPr lang="en-US" dirty="0"/>
-                        <a:t>AUTO-INCREMENT</a:t>
-                      </a:r>
-                    </a:p>
-                  </a:txBody>
-                  <a:tcPr/>
-                </a:tc>
-                <a:tc>
-                  <a:txBody>
-                    <a:bodyPr/>
-                    <a:lstStyle/>
-                    <a:p>
-                      <a:r>
-                        <a:rPr lang="en-US" dirty="0"/>
-                        <a:t>PRIMARY KEY</a:t>
-                      </a:r>
-                    </a:p>
-                  </a:txBody>
-                  <a:tcPr/>
-                </a:tc>
-                <a:tc>
-                  <a:txBody>
-                    <a:bodyPr/>
-                    <a:lstStyle/>
-                    <a:p>
-                      <a:endParaRPr lang="en-US" dirty="0"/>
-                    </a:p>
-                  </a:txBody>
-                  <a:tcPr/>
-                </a:tc>
-                <a:extLst>
-                  <a:ext uri="{0D108BD9-81ED-4DB2-BD59-A6C34878D82A}">
-                    <a16:rowId xmlns:a16="http://schemas.microsoft.com/office/drawing/2014/main" val="416920414"/>
-                  </a:ext>
-                </a:extLst>
-              </a:tr>
-              <a:tr h="370840">
-                <a:tc>
-                  <a:txBody>
-                    <a:bodyPr/>
-                    <a:lstStyle/>
-                    <a:p>
-                      <a:r>
-                        <a:rPr lang="en-US" sz="2800" kern="1200" dirty="0">
-                          <a:solidFill>
-                            <a:schemeClr val="accent1">
-                              <a:lumMod val="75000"/>
-                            </a:schemeClr>
-                          </a:solidFill>
-                          <a:latin typeface="+mn-lt"/>
-                          <a:ea typeface="+mn-ea"/>
-                          <a:cs typeface="+mn-cs"/>
-                        </a:rPr>
-                        <a:t>jid</a:t>
-                      </a:r>
-                    </a:p>
-                  </a:txBody>
-                  <a:tcPr/>
-                </a:tc>
-                <a:tc>
-                  <a:txBody>
-                    <a:bodyPr/>
-                    <a:lstStyle/>
-                    <a:p>
-                      <a:r>
-                        <a:rPr lang="en-US" dirty="0"/>
-                        <a:t>INT</a:t>
-                      </a:r>
-                    </a:p>
-                  </a:txBody>
-                  <a:tcPr/>
-                </a:tc>
-                <a:tc>
-                  <a:txBody>
-                    <a:bodyPr/>
-                    <a:lstStyle/>
-                    <a:p>
-                      <a:r>
-                        <a:rPr lang="en-US" dirty="0"/>
-                        <a:t>NOT NULL</a:t>
-                      </a:r>
-                    </a:p>
-                  </a:txBody>
-                  <a:tcPr/>
-                </a:tc>
-                <a:tc>
-                  <a:txBody>
-                    <a:bodyPr/>
-                    <a:lstStyle/>
-                    <a:p>
-                      <a:endParaRPr lang="en-US" dirty="0"/>
-                    </a:p>
-                  </a:txBody>
-                  <a:tcPr/>
-                </a:tc>
-                <a:tc>
-                  <a:txBody>
-                    <a:bodyPr/>
-                    <a:lstStyle/>
-                    <a:p>
-                      <a:endParaRPr lang="en-US" dirty="0"/>
-                    </a:p>
-                  </a:txBody>
-                  <a:tcPr/>
-                </a:tc>
-                <a:extLst>
-                  <a:ext uri="{0D108BD9-81ED-4DB2-BD59-A6C34878D82A}">
-                    <a16:rowId xmlns:a16="http://schemas.microsoft.com/office/drawing/2014/main" val="1724928147"/>
-                  </a:ext>
-                </a:extLst>
-              </a:tr>
-              <a:tr h="370840">
-                <a:tc>
-                  <a:txBody>
-                    <a:bodyPr/>
-                    <a:lstStyle/>
-                    <a:p>
-                      <a:r>
-                        <a:rPr lang="en-US" sz="2800" kern="1200" dirty="0">
-                          <a:solidFill>
-                            <a:schemeClr val="accent1">
-                              <a:lumMod val="75000"/>
-                            </a:schemeClr>
-                          </a:solidFill>
-                          <a:latin typeface="+mn-lt"/>
-                          <a:ea typeface="+mn-ea"/>
-                          <a:cs typeface="+mn-cs"/>
-                        </a:rPr>
-                        <a:t>year</a:t>
-                      </a:r>
-                    </a:p>
-                  </a:txBody>
-                  <a:tcPr/>
-                </a:tc>
-                <a:tc>
-                  <a:txBody>
-                    <a:bodyPr/>
-                    <a:lstStyle/>
-                    <a:p>
-                      <a:r>
-                        <a:rPr lang="en-US" dirty="0"/>
-                        <a:t>INT</a:t>
-                      </a:r>
-                    </a:p>
-                  </a:txBody>
-                  <a:tcPr/>
-                </a:tc>
-                <a:tc>
-                  <a:txBody>
-                    <a:bodyPr/>
-                    <a:lstStyle/>
-                    <a:p>
-                      <a:r>
-                        <a:rPr lang="en-US" dirty="0"/>
-                        <a:t>NOT NULL</a:t>
-                      </a:r>
-                    </a:p>
-                  </a:txBody>
-                  <a:tcPr/>
-                </a:tc>
-                <a:tc>
-                  <a:txBody>
-                    <a:bodyPr/>
-                    <a:lstStyle/>
-                    <a:p>
-                      <a:endParaRPr lang="en-US" dirty="0"/>
-                    </a:p>
-                  </a:txBody>
-                  <a:tcPr/>
-                </a:tc>
-                <a:tc>
-                  <a:txBody>
-                    <a:bodyPr/>
-                    <a:lstStyle/>
-                    <a:p>
-                      <a:endParaRPr lang="en-US" dirty="0"/>
-                    </a:p>
-                  </a:txBody>
-                  <a:tcPr/>
-                </a:tc>
-                <a:extLst>
-                  <a:ext uri="{0D108BD9-81ED-4DB2-BD59-A6C34878D82A}">
-                    <a16:rowId xmlns:a16="http://schemas.microsoft.com/office/drawing/2014/main" val="2052542108"/>
-                  </a:ext>
-                </a:extLst>
-              </a:tr>
-              <a:tr h="370840">
-                <a:tc>
-                  <a:txBody>
-                    <a:bodyPr/>
-                    <a:lstStyle/>
-                    <a:p>
-                      <a:r>
-                        <a:rPr lang="en-US" sz="2800" kern="1200" dirty="0">
-                          <a:solidFill>
-                            <a:schemeClr val="accent1">
-                              <a:lumMod val="75000"/>
-                            </a:schemeClr>
-                          </a:solidFill>
-                          <a:latin typeface="+mn-lt"/>
-                          <a:ea typeface="+mn-ea"/>
-                          <a:cs typeface="+mn-cs"/>
-                        </a:rPr>
-                        <a:t>category</a:t>
-                      </a:r>
-                    </a:p>
-                  </a:txBody>
-                  <a:tcPr/>
-                </a:tc>
-                <a:tc>
-                  <a:txBody>
-                    <a:bodyPr/>
-                    <a:lstStyle/>
-                    <a:p>
-                      <a:r>
-                        <a:rPr lang="en-US" dirty="0"/>
-                        <a:t>INT </a:t>
-                      </a:r>
-                    </a:p>
-                  </a:txBody>
-                  <a:tcPr/>
-                </a:tc>
-                <a:tc>
-                  <a:txBody>
-                    <a:bodyPr/>
-                    <a:lstStyle/>
-                    <a:p>
-                      <a:r>
-                        <a:rPr lang="en-US" dirty="0"/>
-                        <a:t>NOT NULL</a:t>
-                      </a:r>
-                    </a:p>
-                  </a:txBody>
-                  <a:tcPr/>
-                </a:tc>
-                <a:tc>
-                  <a:txBody>
-                    <a:bodyPr/>
-                    <a:lstStyle/>
-                    <a:p>
-                      <a:endParaRPr lang="en-US" dirty="0"/>
-                    </a:p>
-                  </a:txBody>
-                  <a:tcPr/>
-                </a:tc>
-                <a:tc>
-                  <a:txBody>
-                    <a:bodyPr/>
-                    <a:lstStyle/>
-                    <a:p>
-                      <a:r>
-                        <a:rPr lang="en-US" dirty="0"/>
-                        <a:t>FOREIGN KEY(category) REFERENCES Categories(id)</a:t>
-                      </a:r>
-                    </a:p>
-                  </a:txBody>
-                  <a:tcPr/>
-                </a:tc>
-                <a:extLst>
-                  <a:ext uri="{0D108BD9-81ED-4DB2-BD59-A6C34878D82A}">
-                    <a16:rowId xmlns:a16="http://schemas.microsoft.com/office/drawing/2014/main" val="3170761660"/>
-                  </a:ext>
-                </a:extLst>
-              </a:tr>
-              <a:tr h="370840">
-                <a:tc>
-                  <a:txBody>
-                    <a:bodyPr/>
-                    <a:lstStyle/>
-                    <a:p>
-                      <a:r>
-                        <a:rPr lang="en-US" sz="2800" kern="1200" dirty="0">
-                          <a:solidFill>
-                            <a:schemeClr val="accent1">
-                              <a:lumMod val="75000"/>
-                            </a:schemeClr>
-                          </a:solidFill>
-                          <a:latin typeface="+mn-lt"/>
-                          <a:ea typeface="+mn-ea"/>
-                          <a:cs typeface="+mn-cs"/>
-                        </a:rPr>
-                        <a:t>openDate</a:t>
-                      </a:r>
-                    </a:p>
-                  </a:txBody>
-                  <a:tcPr/>
-                </a:tc>
-                <a:tc>
-                  <a:txBody>
-                    <a:bodyPr/>
-                    <a:lstStyle/>
-                    <a:p>
-                      <a:r>
-                        <a:rPr lang="en-US" dirty="0"/>
-                        <a:t>INT</a:t>
-                      </a:r>
-                    </a:p>
-                  </a:txBody>
-                  <a:tcPr/>
-                </a:tc>
-                <a:tc>
-                  <a:txBody>
-                    <a:bodyPr/>
-                    <a:lstStyle/>
-                    <a:p>
-                      <a:r>
-                        <a:rPr lang="en-US" dirty="0"/>
-                        <a:t>NOT NULL</a:t>
-                      </a:r>
-                    </a:p>
-                  </a:txBody>
-                  <a:tcPr/>
-                </a:tc>
-                <a:tc>
-                  <a:txBody>
-                    <a:bodyPr/>
-                    <a:lstStyle/>
-                    <a:p>
-                      <a:endParaRPr lang="en-US" dirty="0"/>
-                    </a:p>
-                  </a:txBody>
-                  <a:tcPr/>
-                </a:tc>
-                <a:tc>
-                  <a:txBody>
-                    <a:bodyPr/>
-                    <a:lstStyle/>
-                    <a:p>
-                      <a:endParaRPr lang="en-US" dirty="0"/>
-                    </a:p>
-                  </a:txBody>
-                  <a:tcPr/>
-                </a:tc>
-                <a:extLst>
-                  <a:ext uri="{0D108BD9-81ED-4DB2-BD59-A6C34878D82A}">
-                    <a16:rowId xmlns:a16="http://schemas.microsoft.com/office/drawing/2014/main" val="3415565037"/>
-                  </a:ext>
-                </a:extLst>
-              </a:tr>
-              <a:tr h="370840">
-                <a:tc>
-                  <a:txBody>
-                    <a:bodyPr/>
-                    <a:lstStyle/>
-                    <a:p>
-                      <a:r>
-                        <a:rPr lang="en-US" sz="2800" kern="1200" dirty="0">
-                          <a:solidFill>
-                            <a:schemeClr val="accent1">
-                              <a:lumMod val="75000"/>
-                            </a:schemeClr>
-                          </a:solidFill>
-                          <a:latin typeface="+mn-lt"/>
-                          <a:ea typeface="+mn-ea"/>
-                          <a:cs typeface="+mn-cs"/>
-                        </a:rPr>
-                        <a:t>uid</a:t>
-                      </a:r>
-                    </a:p>
-                  </a:txBody>
-                  <a:tcPr/>
-                </a:tc>
-                <a:tc>
-                  <a:txBody>
-                    <a:bodyPr/>
-                    <a:lstStyle/>
-                    <a:p>
-                      <a:r>
-                        <a:rPr lang="en-US" dirty="0"/>
-                        <a:t>INT</a:t>
-                      </a:r>
-                    </a:p>
-                  </a:txBody>
-                  <a:tcPr/>
-                </a:tc>
-                <a:tc>
-                  <a:txBody>
-                    <a:bodyPr/>
-                    <a:lstStyle/>
-                    <a:p>
-                      <a:r>
-                        <a:rPr lang="en-US" dirty="0"/>
-                        <a:t>NOT NULL</a:t>
-                      </a:r>
-                    </a:p>
-                  </a:txBody>
-                  <a:tcPr/>
-                </a:tc>
-                <a:tc>
-                  <a:txBody>
-                    <a:bodyPr/>
-                    <a:lstStyle/>
-                    <a:p>
-                      <a:endParaRPr lang="en-US" dirty="0"/>
-                    </a:p>
-                  </a:txBody>
-                  <a:tcPr/>
-                </a:tc>
-                <a:tc>
-                  <a:txBody>
-                    <a:bodyPr/>
-                    <a:lstStyle/>
-                    <a:p>
-                      <a:r>
-                        <a:rPr lang="en-US" dirty="0"/>
-                        <a:t>FOREIGN KEY(uid) REFERENCES users(id)</a:t>
-                      </a:r>
-                    </a:p>
-                  </a:txBody>
-                  <a:tcPr/>
-                </a:tc>
-                <a:extLst>
-                  <a:ext uri="{0D108BD9-81ED-4DB2-BD59-A6C34878D82A}">
-                    <a16:rowId xmlns:a16="http://schemas.microsoft.com/office/drawing/2014/main" val="901846611"/>
-                  </a:ext>
-                </a:extLst>
-              </a:tr>
-              <a:tr h="370840">
-                <a:tc>
-                  <a:txBody>
-                    <a:bodyPr/>
-                    <a:lstStyle/>
-                    <a:p>
-                      <a:r>
-                        <a:rPr lang="en-US" sz="2800" kern="1200" dirty="0">
-                          <a:solidFill>
-                            <a:schemeClr val="accent1">
-                              <a:lumMod val="75000"/>
-                            </a:schemeClr>
-                          </a:solidFill>
-                          <a:latin typeface="+mn-lt"/>
-                          <a:ea typeface="+mn-ea"/>
-                          <a:cs typeface="+mn-cs"/>
-                        </a:rPr>
-                        <a:t>releaseDate</a:t>
-                      </a:r>
-                    </a:p>
-                    <a:p>
-                      <a:endParaRPr lang="en-US" sz="2800" kern="1200" dirty="0">
-                        <a:solidFill>
-                          <a:schemeClr val="accent1">
-                            <a:lumMod val="75000"/>
-                          </a:schemeClr>
-                        </a:solidFill>
-                        <a:latin typeface="+mn-lt"/>
-                        <a:ea typeface="+mn-ea"/>
-                        <a:cs typeface="+mn-cs"/>
-                      </a:endParaRPr>
-                    </a:p>
-                  </a:txBody>
-                  <a:tcPr/>
-                </a:tc>
-                <a:tc>
-                  <a:txBody>
-                    <a:bodyPr/>
-                    <a:lstStyle/>
-                    <a:p>
-                      <a:r>
-                        <a:rPr lang="en-US" dirty="0"/>
-                        <a:t>INT</a:t>
-                      </a:r>
-                    </a:p>
-                  </a:txBody>
-                  <a:tcPr/>
-                </a:tc>
-                <a:tc>
-                  <a:txBody>
-                    <a:bodyPr/>
-                    <a:lstStyle/>
-                    <a:p>
-                      <a:r>
-                        <a:rPr lang="en-US" dirty="0"/>
-                        <a:t>NOT NULL</a:t>
-                      </a:r>
-                    </a:p>
-                  </a:txBody>
-                  <a:tcPr/>
-                </a:tc>
-                <a:tc>
-                  <a:txBody>
-                    <a:bodyPr/>
-                    <a:lstStyle/>
-                    <a:p>
-                      <a:endParaRPr lang="en-US" dirty="0"/>
-                    </a:p>
-                  </a:txBody>
-                  <a:tcPr/>
-                </a:tc>
-                <a:tc>
-                  <a:txBody>
-                    <a:bodyPr/>
-                    <a:lstStyle/>
-                    <a:p>
-                      <a:endParaRPr lang="en-US" dirty="0"/>
-                    </a:p>
-                  </a:txBody>
-                  <a:tcPr/>
-                </a:tc>
-                <a:extLst>
-                  <a:ext uri="{0D108BD9-81ED-4DB2-BD59-A6C34878D82A}">
-                    <a16:rowId xmlns:a16="http://schemas.microsoft.com/office/drawing/2014/main" val="3828588975"/>
-                  </a:ext>
-                </a:extLst>
-              </a:tr>
-              <a:tr h="370840">
-                <a:tc>
-                  <a:txBody>
-                    <a:bodyPr/>
-                    <a:lstStyle/>
-                    <a:p>
-                      <a:r>
-                        <a:rPr lang="en-US" sz="2800" kern="1200" dirty="0">
-                          <a:solidFill>
-                            <a:schemeClr val="accent1">
-                              <a:lumMod val="75000"/>
-                            </a:schemeClr>
-                          </a:solidFill>
-                          <a:latin typeface="+mn-lt"/>
-                          <a:ea typeface="+mn-ea"/>
-                          <a:cs typeface="+mn-cs"/>
-                        </a:rPr>
-                        <a:t>dueDate</a:t>
-                      </a:r>
-                    </a:p>
-                  </a:txBody>
-                  <a:tcPr/>
-                </a:tc>
-                <a:tc>
-                  <a:txBody>
-                    <a:bodyPr/>
-                    <a:lstStyle/>
-                    <a:p>
-                      <a:r>
-                        <a:rPr lang="en-US" dirty="0"/>
-                        <a:t>INT</a:t>
-                      </a:r>
-                    </a:p>
-                  </a:txBody>
-                  <a:tcPr/>
-                </a:tc>
-                <a:tc>
-                  <a:txBody>
-                    <a:bodyPr/>
-                    <a:lstStyle/>
-                    <a:p>
-                      <a:r>
-                        <a:rPr lang="en-US" dirty="0"/>
-                        <a:t>NOT NULL</a:t>
-                      </a:r>
-                    </a:p>
-                  </a:txBody>
-                  <a:tcPr/>
-                </a:tc>
-                <a:tc>
-                  <a:txBody>
-                    <a:bodyPr/>
-                    <a:lstStyle/>
-                    <a:p>
-                      <a:endParaRPr lang="en-US" dirty="0"/>
-                    </a:p>
-                  </a:txBody>
-                  <a:tcPr/>
-                </a:tc>
-                <a:tc>
-                  <a:txBody>
-                    <a:bodyPr/>
-                    <a:lstStyle/>
-                    <a:p>
-                      <a:endParaRPr lang="en-US" dirty="0"/>
-                    </a:p>
-                  </a:txBody>
-                  <a:tcPr/>
-                </a:tc>
-                <a:extLst>
-                  <a:ext uri="{0D108BD9-81ED-4DB2-BD59-A6C34878D82A}">
-                    <a16:rowId xmlns:a16="http://schemas.microsoft.com/office/drawing/2014/main" val="743427717"/>
-                  </a:ext>
-                </a:extLst>
-              </a:tr>
-              <a:tr h="370840">
-                <a:tc>
-                  <a:txBody>
-                    <a:bodyPr/>
-                    <a:lstStyle/>
-                    <a:p>
-                      <a:r>
-                        <a:rPr lang="en-US" sz="2800" kern="1200" dirty="0">
-                          <a:solidFill>
-                            <a:schemeClr val="accent1">
-                              <a:lumMod val="75000"/>
-                            </a:schemeClr>
-                          </a:solidFill>
-                          <a:latin typeface="+mn-lt"/>
-                          <a:ea typeface="+mn-ea"/>
-                          <a:cs typeface="+mn-cs"/>
-                        </a:rPr>
-                        <a:t>plant</a:t>
-                      </a:r>
-                    </a:p>
-                  </a:txBody>
-                  <a:tcPr/>
-                </a:tc>
-                <a:tc>
-                  <a:txBody>
-                    <a:bodyPr/>
-                    <a:lstStyle/>
-                    <a:p>
-                      <a:r>
-                        <a:rPr lang="en-US" dirty="0"/>
-                        <a:t>INT</a:t>
-                      </a:r>
-                    </a:p>
-                  </a:txBody>
-                  <a:tcPr/>
-                </a:tc>
-                <a:tc>
-                  <a:txBody>
-                    <a:bodyPr/>
-                    <a:lstStyle/>
-                    <a:p>
-                      <a:r>
-                        <a:rPr lang="en-US" dirty="0"/>
-                        <a:t>NOT NULL</a:t>
-                      </a:r>
-                    </a:p>
-                  </a:txBody>
-                  <a:tcPr/>
-                </a:tc>
-                <a:tc>
-                  <a:txBody>
-                    <a:bodyPr/>
-                    <a:lstStyle/>
-                    <a:p>
-                      <a:endParaRPr lang="en-US" dirty="0"/>
-                    </a:p>
-                  </a:txBody>
-                  <a:tcPr/>
-                </a:tc>
-                <a:tc>
-                  <a:txBody>
-                    <a:bodyPr/>
-                    <a:lstStyle/>
-                    <a:p>
-                      <a:pPr marL="0" marR="0" lvl="0" indent="0" algn="l" defTabSz="1371600" rtl="0" eaLnBrk="1" fontAlgn="auto" latinLnBrk="0" hangingPunct="1">
-                        <a:lnSpc>
-                          <a:spcPct val="100000"/>
-                        </a:lnSpc>
-                        <a:spcBef>
-                          <a:spcPts val="0"/>
-                        </a:spcBef>
-                        <a:spcAft>
-                          <a:spcPts val="0"/>
-                        </a:spcAft>
-                        <a:buClrTx/>
-                        <a:buSzTx/>
-                        <a:buFontTx/>
-                        <a:buNone/>
-                        <a:tabLst/>
-                        <a:defRPr/>
-                      </a:pPr>
-                      <a:r>
-                        <a:rPr lang="en-US" dirty="0"/>
-                        <a:t>FOREIGN KEY(plant) REFERENCES plants(id)</a:t>
-                      </a:r>
-                    </a:p>
-                  </a:txBody>
-                  <a:tcPr/>
-                </a:tc>
-                <a:extLst>
-                  <a:ext uri="{0D108BD9-81ED-4DB2-BD59-A6C34878D82A}">
-                    <a16:rowId xmlns:a16="http://schemas.microsoft.com/office/drawing/2014/main" val="4196653958"/>
-                  </a:ext>
-                </a:extLst>
-              </a:tr>
-              <a:tr h="370840">
-                <a:tc>
-                  <a:txBody>
-                    <a:bodyPr/>
-                    <a:lstStyle/>
-                    <a:p>
-                      <a:r>
-                        <a:rPr lang="en-US" sz="2800" kern="1200" dirty="0">
-                          <a:solidFill>
-                            <a:schemeClr val="accent1">
-                              <a:lumMod val="75000"/>
-                            </a:schemeClr>
-                          </a:solidFill>
-                          <a:latin typeface="+mn-lt"/>
-                          <a:ea typeface="+mn-ea"/>
-                          <a:cs typeface="+mn-cs"/>
-                        </a:rPr>
-                        <a:t>description</a:t>
-                      </a:r>
-                    </a:p>
-                  </a:txBody>
-                  <a:tcPr/>
-                </a:tc>
-                <a:tc>
-                  <a:txBody>
-                    <a:bodyPr/>
-                    <a:lstStyle/>
-                    <a:p>
-                      <a:r>
-                        <a:rPr lang="en-US" dirty="0"/>
-                        <a:t>TEXT</a:t>
-                      </a:r>
-                    </a:p>
-                  </a:txBody>
-                  <a:tcPr/>
-                </a:tc>
-                <a:tc>
-                  <a:txBody>
-                    <a:bodyPr/>
-                    <a:lstStyle/>
-                    <a:p>
-                      <a:r>
-                        <a:rPr lang="en-US" dirty="0"/>
-                        <a:t>NOT NULL</a:t>
-                      </a:r>
-                    </a:p>
-                  </a:txBody>
-                  <a:tcPr/>
-                </a:tc>
-                <a:tc>
-                  <a:txBody>
-                    <a:bodyPr/>
-                    <a:lstStyle/>
-                    <a:p>
-                      <a:endParaRPr lang="en-US" dirty="0"/>
-                    </a:p>
-                  </a:txBody>
-                  <a:tcPr/>
-                </a:tc>
-                <a:tc>
-                  <a:txBody>
-                    <a:bodyPr/>
-                    <a:lstStyle/>
-                    <a:p>
-                      <a:endParaRPr lang="en-US" dirty="0"/>
-                    </a:p>
-                  </a:txBody>
-                  <a:tcPr/>
-                </a:tc>
-                <a:extLst>
-                  <a:ext uri="{0D108BD9-81ED-4DB2-BD59-A6C34878D82A}">
-                    <a16:rowId xmlns:a16="http://schemas.microsoft.com/office/drawing/2014/main" val="1192778389"/>
-                  </a:ext>
-                </a:extLst>
-              </a:tr>
-              <a:tr h="370840">
-                <a:tc>
-                  <a:txBody>
-                    <a:bodyPr/>
-                    <a:lstStyle/>
-                    <a:p>
-                      <a:pPr marL="0" marR="0" lvl="0" indent="0" algn="l" defTabSz="1371600" rtl="0" eaLnBrk="1" fontAlgn="auto" latinLnBrk="0" hangingPunct="1">
-                        <a:lnSpc>
-                          <a:spcPct val="100000"/>
-                        </a:lnSpc>
-                        <a:spcBef>
-                          <a:spcPts val="0"/>
-                        </a:spcBef>
-                        <a:spcAft>
-                          <a:spcPts val="0"/>
-                        </a:spcAft>
-                        <a:buClrTx/>
-                        <a:buSzTx/>
-                        <a:buFontTx/>
-                        <a:buNone/>
-                        <a:tabLst/>
-                        <a:defRPr/>
-                      </a:pPr>
-                      <a:r>
-                        <a:rPr lang="en-US" sz="2800" kern="1200" dirty="0">
-                          <a:solidFill>
-                            <a:schemeClr val="accent1">
-                              <a:lumMod val="75000"/>
-                            </a:schemeClr>
-                          </a:solidFill>
-                          <a:latin typeface="+mn-lt"/>
-                          <a:ea typeface="+mn-ea"/>
-                          <a:cs typeface="+mn-cs"/>
-                        </a:rPr>
-                        <a:t>pm</a:t>
-                      </a:r>
-                    </a:p>
-                  </a:txBody>
-                  <a:tcPr/>
-                </a:tc>
-                <a:tc>
-                  <a:txBody>
-                    <a:bodyPr/>
-                    <a:lstStyle/>
-                    <a:p>
-                      <a:r>
-                        <a:rPr lang="en-US" dirty="0"/>
-                        <a:t>INT</a:t>
-                      </a:r>
-                    </a:p>
-                  </a:txBody>
-                  <a:tcPr/>
-                </a:tc>
-                <a:tc>
-                  <a:txBody>
-                    <a:bodyPr/>
-                    <a:lstStyle/>
-                    <a:p>
-                      <a:r>
-                        <a:rPr lang="en-US" dirty="0"/>
-                        <a:t>NOT NULL</a:t>
-                      </a:r>
-                    </a:p>
-                  </a:txBody>
-                  <a:tcPr/>
-                </a:tc>
-                <a:tc>
-                  <a:txBody>
-                    <a:bodyPr/>
-                    <a:lstStyle/>
-                    <a:p>
-                      <a:endParaRPr lang="en-US" dirty="0"/>
-                    </a:p>
-                  </a:txBody>
-                  <a:tcPr/>
-                </a:tc>
-                <a:tc>
-                  <a:txBody>
-                    <a:bodyPr/>
-                    <a:lstStyle/>
-                    <a:p>
-                      <a:r>
-                        <a:rPr lang="en-US" dirty="0"/>
-                        <a:t>FOREIGN KEY REFERENCES users(id)</a:t>
-                      </a:r>
-                    </a:p>
-                  </a:txBody>
-                  <a:tcPr/>
-                </a:tc>
-                <a:extLst>
-                  <a:ext uri="{0D108BD9-81ED-4DB2-BD59-A6C34878D82A}">
-                    <a16:rowId xmlns:a16="http://schemas.microsoft.com/office/drawing/2014/main" val="4029813163"/>
-                  </a:ext>
-                </a:extLst>
-              </a:tr>
-              <a:tr h="370840">
-                <a:tc>
-                  <a:txBody>
-                    <a:bodyPr/>
-                    <a:lstStyle/>
-                    <a:p>
-                      <a:pPr marL="0" marR="0" lvl="0" indent="0" algn="l" defTabSz="1371600" rtl="0" eaLnBrk="1" fontAlgn="auto" latinLnBrk="0" hangingPunct="1">
-                        <a:lnSpc>
-                          <a:spcPct val="100000"/>
-                        </a:lnSpc>
-                        <a:spcBef>
-                          <a:spcPts val="0"/>
-                        </a:spcBef>
-                        <a:spcAft>
-                          <a:spcPts val="0"/>
-                        </a:spcAft>
-                        <a:buClrTx/>
-                        <a:buSzTx/>
-                        <a:buFontTx/>
-                        <a:buNone/>
-                        <a:tabLst/>
-                        <a:defRPr/>
-                      </a:pPr>
-                      <a:r>
-                        <a:rPr lang="en-US" sz="2800" kern="1200" dirty="0">
-                          <a:solidFill>
-                            <a:schemeClr val="accent1">
-                              <a:lumMod val="75000"/>
-                            </a:schemeClr>
-                          </a:solidFill>
-                          <a:latin typeface="+mn-lt"/>
-                          <a:ea typeface="+mn-ea"/>
-                          <a:cs typeface="+mn-cs"/>
-                        </a:rPr>
-                        <a:t>closeDate</a:t>
-                      </a:r>
-                    </a:p>
-                  </a:txBody>
-                  <a:tcPr/>
-                </a:tc>
-                <a:tc>
-                  <a:txBody>
-                    <a:bodyPr/>
-                    <a:lstStyle/>
-                    <a:p>
-                      <a:r>
-                        <a:rPr lang="en-US" dirty="0"/>
-                        <a:t>INT</a:t>
-                      </a:r>
-                    </a:p>
-                  </a:txBody>
-                  <a:tcPr/>
-                </a:tc>
-                <a:tc>
-                  <a:txBody>
-                    <a:bodyPr/>
-                    <a:lstStyle/>
-                    <a:p>
-                      <a:r>
-                        <a:rPr lang="en-US" dirty="0"/>
-                        <a:t>NOT NULL</a:t>
-                      </a:r>
-                    </a:p>
-                  </a:txBody>
-                  <a:tcPr/>
-                </a:tc>
-                <a:tc>
-                  <a:txBody>
-                    <a:bodyPr/>
-                    <a:lstStyle/>
-                    <a:p>
-                      <a:endParaRPr lang="en-US" dirty="0"/>
-                    </a:p>
-                  </a:txBody>
-                  <a:tcPr/>
-                </a:tc>
-                <a:tc>
-                  <a:txBody>
-                    <a:bodyPr/>
-                    <a:lstStyle/>
-                    <a:p>
-                      <a:endParaRPr lang="en-US" dirty="0"/>
-                    </a:p>
-                  </a:txBody>
-                  <a:tcPr/>
-                </a:tc>
-                <a:extLst>
-                  <a:ext uri="{0D108BD9-81ED-4DB2-BD59-A6C34878D82A}">
-                    <a16:rowId xmlns:a16="http://schemas.microsoft.com/office/drawing/2014/main" val="3326065082"/>
-                  </a:ext>
-                </a:extLst>
-              </a:tr>
-              <a:tr h="370840">
-                <a:tc>
-                  <a:txBody>
-                    <a:bodyPr/>
-                    <a:lstStyle/>
-                    <a:p>
-                      <a:pPr marL="0" marR="0" lvl="0" indent="0" algn="l" defTabSz="1371600" rtl="0" eaLnBrk="1" fontAlgn="auto" latinLnBrk="0" hangingPunct="1">
-                        <a:lnSpc>
-                          <a:spcPct val="100000"/>
-                        </a:lnSpc>
-                        <a:spcBef>
-                          <a:spcPts val="0"/>
-                        </a:spcBef>
-                        <a:spcAft>
-                          <a:spcPts val="0"/>
-                        </a:spcAft>
-                        <a:buClrTx/>
-                        <a:buSzTx/>
-                        <a:buFontTx/>
-                        <a:buNone/>
-                        <a:tabLst/>
-                        <a:defRPr/>
-                      </a:pPr>
-                      <a:r>
-                        <a:rPr lang="en-US" sz="2800" kern="1200" dirty="0">
-                          <a:solidFill>
-                            <a:schemeClr val="accent1">
-                              <a:lumMod val="75000"/>
-                            </a:schemeClr>
-                          </a:solidFill>
-                          <a:latin typeface="+mn-lt"/>
-                          <a:ea typeface="+mn-ea"/>
-                          <a:cs typeface="+mn-cs"/>
-                        </a:rPr>
-                        <a:t>revuid</a:t>
-                      </a:r>
-                    </a:p>
-                  </a:txBody>
-                  <a:tcPr/>
-                </a:tc>
-                <a:tc>
-                  <a:txBody>
-                    <a:bodyPr/>
-                    <a:lstStyle/>
-                    <a:p>
-                      <a:r>
-                        <a:rPr lang="en-US" dirty="0"/>
-                        <a:t>INT</a:t>
-                      </a:r>
-                    </a:p>
-                  </a:txBody>
-                  <a:tcPr/>
-                </a:tc>
-                <a:tc>
-                  <a:txBody>
-                    <a:bodyPr/>
-                    <a:lstStyle/>
-                    <a:p>
-                      <a:endParaRPr lang="en-US" dirty="0"/>
-                    </a:p>
-                  </a:txBody>
-                  <a:tcPr/>
-                </a:tc>
-                <a:tc>
-                  <a:txBody>
-                    <a:bodyPr/>
-                    <a:lstStyle/>
-                    <a:p>
-                      <a:endParaRPr lang="en-US" dirty="0"/>
-                    </a:p>
-                  </a:txBody>
-                  <a:tcPr/>
-                </a:tc>
-                <a:tc>
-                  <a:txBody>
-                    <a:bodyPr/>
-                    <a:lstStyle/>
-                    <a:p>
-                      <a:r>
-                        <a:rPr lang="en-US" dirty="0"/>
-                        <a:t>FOREIGN KEY REFERENCES users(id)</a:t>
-                      </a:r>
-                    </a:p>
-                  </a:txBody>
-                  <a:tcPr/>
-                </a:tc>
-                <a:extLst>
-                  <a:ext uri="{0D108BD9-81ED-4DB2-BD59-A6C34878D82A}">
-                    <a16:rowId xmlns:a16="http://schemas.microsoft.com/office/drawing/2014/main" val="3149320601"/>
-                  </a:ext>
-                </a:extLst>
-              </a:tr>
-              <a:tr h="370840">
-                <a:tc>
-                  <a:txBody>
-                    <a:bodyPr/>
-                    <a:lstStyle/>
-                    <a:p>
-                      <a:pPr marL="0" marR="0" lvl="0" indent="0" algn="l" defTabSz="1371600" rtl="0" eaLnBrk="1" fontAlgn="auto" latinLnBrk="0" hangingPunct="1">
-                        <a:lnSpc>
-                          <a:spcPct val="100000"/>
-                        </a:lnSpc>
-                        <a:spcBef>
-                          <a:spcPts val="0"/>
-                        </a:spcBef>
-                        <a:spcAft>
-                          <a:spcPts val="0"/>
-                        </a:spcAft>
-                        <a:buClrTx/>
-                        <a:buSzTx/>
-                        <a:buFontTx/>
-                        <a:buNone/>
-                        <a:tabLst/>
-                        <a:defRPr/>
-                      </a:pPr>
-                      <a:r>
-                        <a:rPr lang="en-US" sz="2800" kern="1200" dirty="0">
-                          <a:solidFill>
-                            <a:schemeClr val="accent1">
-                              <a:lumMod val="75000"/>
-                            </a:schemeClr>
-                          </a:solidFill>
-                          <a:latin typeface="+mn-lt"/>
-                          <a:ea typeface="+mn-ea"/>
-                          <a:cs typeface="+mn-cs"/>
-                        </a:rPr>
-                        <a:t>revutc</a:t>
-                      </a:r>
-                    </a:p>
-                  </a:txBody>
-                  <a:tcPr/>
-                </a:tc>
-                <a:tc>
-                  <a:txBody>
-                    <a:bodyPr/>
-                    <a:lstStyle/>
-                    <a:p>
-                      <a:r>
-                        <a:rPr lang="en-US" dirty="0"/>
-                        <a:t>INT</a:t>
-                      </a:r>
-                    </a:p>
-                  </a:txBody>
-                  <a:tcPr/>
-                </a:tc>
-                <a:tc>
-                  <a:txBody>
-                    <a:bodyPr/>
-                    <a:lstStyle/>
-                    <a:p>
-                      <a:endParaRPr lang="en-US" dirty="0"/>
-                    </a:p>
-                  </a:txBody>
-                  <a:tcPr/>
-                </a:tc>
-                <a:tc>
-                  <a:txBody>
-                    <a:bodyPr/>
-                    <a:lstStyle/>
-                    <a:p>
-                      <a:endParaRPr lang="en-US" dirty="0"/>
-                    </a:p>
-                  </a:txBody>
-                  <a:tcPr/>
-                </a:tc>
-                <a:tc>
-                  <a:txBody>
-                    <a:bodyPr/>
-                    <a:lstStyle/>
-                    <a:p>
-                      <a:endParaRPr lang="en-US" dirty="0"/>
-                    </a:p>
-                  </a:txBody>
-                  <a:tcPr/>
-                </a:tc>
-                <a:extLst>
-                  <a:ext uri="{0D108BD9-81ED-4DB2-BD59-A6C34878D82A}">
-                    <a16:rowId xmlns:a16="http://schemas.microsoft.com/office/drawing/2014/main" val="3288697652"/>
-                  </a:ext>
-                </a:extLst>
-              </a:tr>
-            </a:tbl>
-          </a:graphicData>
-        </a:graphic>
-      </p:graphicFrame>
-      <p:sp>
-        <p:nvSpPr>
-          <p:cNvPr id="2" name="TextBox 1">
-            <a:extLst>
-              <a:ext uri="{FF2B5EF4-FFF2-40B4-BE49-F238E27FC236}">
-                <a16:creationId xmlns:a16="http://schemas.microsoft.com/office/drawing/2014/main" id="{EB4822A1-97EA-4E11-AF40-DF8A4F2264D4}"/>
-              </a:ext>
-            </a:extLst>
-          </p:cNvPr>
-          <p:cNvSpPr txBox="1"/>
-          <p:nvPr/>
-        </p:nvSpPr>
-        <p:spPr>
-          <a:xfrm>
-            <a:off x="7124007" y="334854"/>
-            <a:ext cx="1296784" cy="830997"/>
-          </a:xfrm>
-          <a:prstGeom prst="rect">
-            <a:avLst/>
-          </a:prstGeom>
-          <a:noFill/>
-        </p:spPr>
-        <p:txBody>
-          <a:bodyPr wrap="square" rtlCol="0">
-            <a:spAutoFit/>
-          </a:bodyPr>
-          <a:lstStyle/>
-          <a:p>
-            <a:pPr algn="ctr"/>
-            <a:r>
-              <a:rPr lang="en-US" sz="4800" dirty="0">
-                <a:solidFill>
-                  <a:schemeClr val="accent1">
-                    <a:lumMod val="75000"/>
-                  </a:schemeClr>
-                </a:solidFill>
-              </a:rPr>
-              <a:t>Jobs</a:t>
-            </a:r>
-            <a:endParaRPr lang="en-US" dirty="0">
-              <a:solidFill>
-                <a:schemeClr val="accent1">
-                  <a:lumMod val="75000"/>
-                </a:schemeClr>
-              </a:solidFill>
-            </a:endParaRPr>
-          </a:p>
-        </p:txBody>
-      </p:sp>
-    </p:spTree>
-    <p:extLst>
-      <p:ext uri="{BB962C8B-B14F-4D97-AF65-F5344CB8AC3E}">
-        <p14:creationId xmlns:p14="http://schemas.microsoft.com/office/powerpoint/2010/main" val="929811163"/>
-      </p:ext>
-    </p:extLst>
-  </p:cSld>
-  <p:clrMapOvr>
-    <a:masterClrMapping/>
-  </p:clrMapOvr>
-</p:sld>
-</file>
-
-<file path=ppt/slides/slide20.xml><?xml version="1.0" encoding="utf-8"?>
+<file path=ppt/slides/slide23.xml><?xml version="1.0" encoding="utf-8"?>
 <p:sld xmlns:a="http://schemas.openxmlformats.org/drawingml/2006/main" xmlns:r="http://schemas.openxmlformats.org/officeDocument/2006/relationships" xmlns:p="http://schemas.openxmlformats.org/presentationml/2006/main">
   <p:cSld>
     <p:spTree>
@@ -16483,7 +19984,7 @@
 </p:sld>
 </file>
 
-<file path=ppt/slides/slide21.xml><?xml version="1.0" encoding="utf-8"?>
+<file path=ppt/slides/slide24.xml><?xml version="1.0" encoding="utf-8"?>
 <p:sld xmlns:a="http://schemas.openxmlformats.org/drawingml/2006/main" xmlns:r="http://schemas.openxmlformats.org/officeDocument/2006/relationships" xmlns:p="http://schemas.openxmlformats.org/presentationml/2006/main">
   <p:cSld>
     <p:spTree>
@@ -16952,23 +20453,7 @@
           <a:p>
             <a:r>
               <a:rPr lang="en-US" dirty="0"/>
-              <a:t>CREATE TABLE </a:t>
-            </a:r>
-            <a:r>
-              <a:rPr lang="en-US" dirty="0" err="1"/>
-              <a:t>job_notes</a:t>
-            </a:r>
-            <a:r>
-              <a:rPr lang="en-US" dirty="0"/>
-              <a:t>(id INT AUTO_INCREMENT PRIMARY KEY, jid INT NOT NULL, text </a:t>
-            </a:r>
-            <a:r>
-              <a:rPr lang="en-US" dirty="0" err="1"/>
-              <a:t>TEXT</a:t>
-            </a:r>
-            <a:r>
-              <a:rPr lang="en-US" dirty="0"/>
-              <a:t> NOT NULL, FOREIGN KEY(jid) REFERENCES jobs(id));</a:t>
+              <a:t>CREATE TABLE job_notes(id INT AUTO_INCREMENT PRIMARY KEY, jid INT NOT NULL, text TEXT NOT NULL, FOREIGN KEY(jid) REFERENCES jobs(id));</a:t>
             </a:r>
           </a:p>
         </p:txBody>
@@ -16986,7 +20471,7 @@
 </p:sld>
 </file>
 
-<file path=ppt/slides/slide22.xml><?xml version="1.0" encoding="utf-8"?>
+<file path=ppt/slides/slide25.xml><?xml version="1.0" encoding="utf-8"?>
 <p:sld xmlns:a="http://schemas.openxmlformats.org/drawingml/2006/main" xmlns:r="http://schemas.openxmlformats.org/officeDocument/2006/relationships" xmlns:p="http://schemas.openxmlformats.org/presentationml/2006/main">
   <p:cSld>
     <p:spTree>
@@ -17455,23 +20940,7 @@
           <a:p>
             <a:r>
               <a:rPr lang="en-US" dirty="0"/>
-              <a:t>CREATE TABLE </a:t>
-            </a:r>
-            <a:r>
-              <a:rPr lang="en-US" dirty="0" err="1"/>
-              <a:t>task_notes</a:t>
-            </a:r>
-            <a:r>
-              <a:rPr lang="en-US" dirty="0"/>
-              <a:t>(id INT AUTO_INCREMENT PRIMARY KEY, tid INT NOT NULL, text </a:t>
-            </a:r>
-            <a:r>
-              <a:rPr lang="en-US" dirty="0" err="1"/>
-              <a:t>TEXT</a:t>
-            </a:r>
-            <a:r>
-              <a:rPr lang="en-US" dirty="0"/>
-              <a:t> NOT NULL, FOREIGN KEY(tid) REFERENCES tasks(id));</a:t>
+              <a:t>CREATE TABLE task_notes(id INT AUTO_INCREMENT PRIMARY KEY, tid INT NOT NULL, text TEXT NOT NULL, FOREIGN KEY(tid) REFERENCES tasks(id));</a:t>
             </a:r>
           </a:p>
         </p:txBody>
@@ -17641,7 +21110,7 @@
         </p:nvGraphicFramePr>
         <p:xfrm>
           <a:off x="1388226" y="1165850"/>
-          <a:ext cx="12768349" cy="5745480"/>
+          <a:ext cx="12768349" cy="6714744"/>
         </p:xfrm>
         <a:graphic>
           <a:graphicData uri="http://schemas.openxmlformats.org/drawingml/2006/table">
@@ -18461,7 +21930,7 @@
         </p:nvGraphicFramePr>
         <p:xfrm>
           <a:off x="1388226" y="1165850"/>
-          <a:ext cx="12768349" cy="3764280"/>
+          <a:ext cx="12768349" cy="5120640"/>
         </p:xfrm>
         <a:graphic>
           <a:graphicData uri="http://schemas.openxmlformats.org/drawingml/2006/table">
@@ -19075,7 +22544,7 @@
         </p:nvGraphicFramePr>
         <p:xfrm>
           <a:off x="1388226" y="1165850"/>
-          <a:ext cx="12768349" cy="3489960"/>
+          <a:ext cx="12768349" cy="4279392"/>
         </p:xfrm>
         <a:graphic>
           <a:graphicData uri="http://schemas.openxmlformats.org/drawingml/2006/table">
@@ -19792,7 +23261,7 @@
         </p:nvGraphicFramePr>
         <p:xfrm>
           <a:off x="1388225" y="1165850"/>
-          <a:ext cx="12768349" cy="5212080"/>
+          <a:ext cx="12768349" cy="6236208"/>
         </p:xfrm>
         <a:graphic>
           <a:graphicData uri="http://schemas.openxmlformats.org/drawingml/2006/table">
@@ -20567,7 +24036,7 @@
         </p:nvGraphicFramePr>
         <p:xfrm>
           <a:off x="1388226" y="1165850"/>
-          <a:ext cx="12768349" cy="3261360"/>
+          <a:ext cx="12768349" cy="4096512"/>
         </p:xfrm>
         <a:graphic>
           <a:graphicData uri="http://schemas.openxmlformats.org/drawingml/2006/table">
@@ -21089,7 +24558,7 @@
         </p:nvGraphicFramePr>
         <p:xfrm>
           <a:off x="1388226" y="1165850"/>
-          <a:ext cx="12768349" cy="4160520"/>
+          <a:ext cx="12768349" cy="5120640"/>
         </p:xfrm>
         <a:graphic>
           <a:graphicData uri="http://schemas.openxmlformats.org/drawingml/2006/table">
